--- a/Präsentation/BA_präsentation.pptx
+++ b/Präsentation/BA_präsentation.pptx
@@ -5,7 +5,7 @@
     <p:sldMasterId id="2147483648" r:id="rId1"/>
   </p:sldMasterIdLst>
   <p:notesMasterIdLst>
-    <p:notesMasterId r:id="rId10"/>
+    <p:notesMasterId r:id="rId21"/>
   </p:notesMasterIdLst>
   <p:sldIdLst>
     <p:sldId id="256" r:id="rId2"/>
@@ -16,6 +16,17 @@
     <p:sldId id="271" r:id="rId7"/>
     <p:sldId id="272" r:id="rId8"/>
     <p:sldId id="273" r:id="rId9"/>
+    <p:sldId id="283" r:id="rId10"/>
+    <p:sldId id="284" r:id="rId11"/>
+    <p:sldId id="282" r:id="rId12"/>
+    <p:sldId id="274" r:id="rId13"/>
+    <p:sldId id="276" r:id="rId14"/>
+    <p:sldId id="275" r:id="rId15"/>
+    <p:sldId id="277" r:id="rId16"/>
+    <p:sldId id="278" r:id="rId17"/>
+    <p:sldId id="279" r:id="rId18"/>
+    <p:sldId id="280" r:id="rId19"/>
+    <p:sldId id="281" r:id="rId20"/>
   </p:sldIdLst>
   <p:sldSz cx="12192000" cy="6858000"/>
   <p:notesSz cx="6858000" cy="9144000"/>
@@ -481,6 +492,90 @@
     </a:lvl9pPr>
   </p:notesStyle>
 </p:notesMaster>
+</file>
+
+<file path=ppt/notesSlides/notesSlide1.xml><?xml version="1.0" encoding="utf-8"?>
+<p:notes xmlns:a="http://schemas.openxmlformats.org/drawingml/2006/main" xmlns:r="http://schemas.openxmlformats.org/officeDocument/2006/relationships" xmlns:p="http://schemas.openxmlformats.org/presentationml/2006/main">
+  <p:cSld>
+    <p:spTree>
+      <p:nvGrpSpPr>
+        <p:cNvPr id="1" name=""/>
+        <p:cNvGrpSpPr/>
+        <p:nvPr/>
+      </p:nvGrpSpPr>
+      <p:grpSpPr>
+        <a:xfrm>
+          <a:off x="0" y="0"/>
+          <a:ext cx="0" cy="0"/>
+          <a:chOff x="0" y="0"/>
+          <a:chExt cx="0" cy="0"/>
+        </a:xfrm>
+      </p:grpSpPr>
+      <p:sp>
+        <p:nvSpPr>
+          <p:cNvPr id="2" name="Folienbildplatzhalter 1"/>
+          <p:cNvSpPr>
+            <a:spLocks noGrp="1" noRot="1" noChangeAspect="1"/>
+          </p:cNvSpPr>
+          <p:nvPr>
+            <p:ph type="sldImg"/>
+          </p:nvPr>
+        </p:nvSpPr>
+        <p:spPr/>
+      </p:sp>
+      <p:sp>
+        <p:nvSpPr>
+          <p:cNvPr id="3" name="Notizenplatzhalter 2"/>
+          <p:cNvSpPr>
+            <a:spLocks noGrp="1"/>
+          </p:cNvSpPr>
+          <p:nvPr>
+            <p:ph type="body" idx="1"/>
+          </p:nvPr>
+        </p:nvSpPr>
+        <p:spPr/>
+        <p:txBody>
+          <a:bodyPr/>
+          <a:lstStyle/>
+          <a:p>
+            <a:endParaRPr lang="de-DE" dirty="0"/>
+          </a:p>
+        </p:txBody>
+      </p:sp>
+      <p:sp>
+        <p:nvSpPr>
+          <p:cNvPr id="4" name="Foliennummernplatzhalter 3"/>
+          <p:cNvSpPr>
+            <a:spLocks noGrp="1"/>
+          </p:cNvSpPr>
+          <p:nvPr>
+            <p:ph type="sldNum" sz="quarter" idx="5"/>
+          </p:nvPr>
+        </p:nvSpPr>
+        <p:spPr/>
+        <p:txBody>
+          <a:bodyPr/>
+          <a:lstStyle/>
+          <a:p>
+            <a:fld id="{2749445A-3761-4E9F-8958-2133E99DA264}" type="slidenum">
+              <a:rPr lang="de-DE" smtClean="0"/>
+              <a:t>11</a:t>
+            </a:fld>
+            <a:endParaRPr lang="de-DE" dirty="0"/>
+          </a:p>
+        </p:txBody>
+      </p:sp>
+    </p:spTree>
+    <p:extLst>
+      <p:ext uri="{BB962C8B-B14F-4D97-AF65-F5344CB8AC3E}">
+        <p14:creationId xmlns:p14="http://schemas.microsoft.com/office/powerpoint/2010/main" val="2070041138"/>
+      </p:ext>
+    </p:extLst>
+  </p:cSld>
+  <p:clrMapOvr>
+    <a:masterClrMapping/>
+  </p:clrMapOvr>
+</p:notes>
 </file>
 
 <file path=ppt/slideLayouts/slideLayout1.xml><?xml version="1.0" encoding="utf-8"?>
@@ -3048,8 +3143,13 @@
           <a:p>
             <a:r>
               <a:rPr lang="de-DE" dirty="0"/>
-              <a:t>Fabian Erlenbusch - XXXX</a:t>
-            </a:r>
+              <a:t>Fabian Erlenbusch </a:t>
+            </a:r>
+            <a:r>
+              <a:rPr lang="de-DE"/>
+              <a:t>- 66698</a:t>
+            </a:r>
+            <a:endParaRPr lang="de-DE" dirty="0"/>
           </a:p>
         </p:txBody>
       </p:sp>
@@ -3069,6 +3169,6038 @@
     </mc:Choice>
     <mc:Fallback xmlns="">
       <p:transition spd="slow" advTm="17081"/>
+    </mc:Fallback>
+  </mc:AlternateContent>
+</p:sld>
+</file>
+
+<file path=ppt/slides/slide10.xml><?xml version="1.0" encoding="utf-8"?>
+<p:sld xmlns:a="http://schemas.openxmlformats.org/drawingml/2006/main" xmlns:r="http://schemas.openxmlformats.org/officeDocument/2006/relationships" xmlns:p="http://schemas.openxmlformats.org/presentationml/2006/main">
+  <p:cSld>
+    <p:spTree>
+      <p:nvGrpSpPr>
+        <p:cNvPr id="1" name=""/>
+        <p:cNvGrpSpPr/>
+        <p:nvPr/>
+      </p:nvGrpSpPr>
+      <p:grpSpPr>
+        <a:xfrm>
+          <a:off x="0" y="0"/>
+          <a:ext cx="0" cy="0"/>
+          <a:chOff x="0" y="0"/>
+          <a:chExt cx="0" cy="0"/>
+        </a:xfrm>
+      </p:grpSpPr>
+      <p:sp>
+        <p:nvSpPr>
+          <p:cNvPr id="2" name="Titel 1">
+            <a:extLst>
+              <a:ext uri="{FF2B5EF4-FFF2-40B4-BE49-F238E27FC236}">
+                <a16:creationId xmlns:a16="http://schemas.microsoft.com/office/drawing/2014/main" id="{97203202-D97C-4BAB-8EC5-82760ACC7F33}"/>
+              </a:ext>
+            </a:extLst>
+          </p:cNvPr>
+          <p:cNvSpPr>
+            <a:spLocks noGrp="1"/>
+          </p:cNvSpPr>
+          <p:nvPr>
+            <p:ph type="title"/>
+          </p:nvPr>
+        </p:nvSpPr>
+        <p:spPr/>
+        <p:txBody>
+          <a:bodyPr/>
+          <a:lstStyle/>
+          <a:p>
+            <a:r>
+              <a:rPr lang="en-US" dirty="0"/>
+              <a:t>GUI Code Snippets </a:t>
+            </a:r>
+          </a:p>
+        </p:txBody>
+      </p:sp>
+      <p:sp>
+        <p:nvSpPr>
+          <p:cNvPr id="4" name="Datumsplatzhalter 3">
+            <a:extLst>
+              <a:ext uri="{FF2B5EF4-FFF2-40B4-BE49-F238E27FC236}">
+                <a16:creationId xmlns:a16="http://schemas.microsoft.com/office/drawing/2014/main" id="{A9D3719A-784B-4044-85C9-A79F123561A7}"/>
+              </a:ext>
+            </a:extLst>
+          </p:cNvPr>
+          <p:cNvSpPr>
+            <a:spLocks noGrp="1"/>
+          </p:cNvSpPr>
+          <p:nvPr>
+            <p:ph type="dt" sz="half" idx="10"/>
+          </p:nvPr>
+        </p:nvSpPr>
+        <p:spPr/>
+        <p:txBody>
+          <a:bodyPr/>
+          <a:lstStyle/>
+          <a:p>
+            <a:r>
+              <a:rPr lang="en-US"/>
+              <a:t>27.01.2021</a:t>
+            </a:r>
+            <a:endParaRPr lang="de-DE" dirty="0"/>
+          </a:p>
+        </p:txBody>
+      </p:sp>
+      <p:sp>
+        <p:nvSpPr>
+          <p:cNvPr id="5" name="Fußzeilenplatzhalter 4">
+            <a:extLst>
+              <a:ext uri="{FF2B5EF4-FFF2-40B4-BE49-F238E27FC236}">
+                <a16:creationId xmlns:a16="http://schemas.microsoft.com/office/drawing/2014/main" id="{ADCB5645-EA4C-4DCA-8A9A-EC369A5419F9}"/>
+              </a:ext>
+            </a:extLst>
+          </p:cNvPr>
+          <p:cNvSpPr>
+            <a:spLocks noGrp="1"/>
+          </p:cNvSpPr>
+          <p:nvPr>
+            <p:ph type="ftr" sz="quarter" idx="11"/>
+          </p:nvPr>
+        </p:nvSpPr>
+        <p:spPr/>
+        <p:txBody>
+          <a:bodyPr/>
+          <a:lstStyle/>
+          <a:p>
+            <a:r>
+              <a:rPr lang="de-DE"/>
+              <a:t>Business Analytics Semesterprojekt</a:t>
+            </a:r>
+            <a:endParaRPr lang="de-DE" dirty="0"/>
+          </a:p>
+        </p:txBody>
+      </p:sp>
+      <p:sp>
+        <p:nvSpPr>
+          <p:cNvPr id="6" name="Foliennummernplatzhalter 5">
+            <a:extLst>
+              <a:ext uri="{FF2B5EF4-FFF2-40B4-BE49-F238E27FC236}">
+                <a16:creationId xmlns:a16="http://schemas.microsoft.com/office/drawing/2014/main" id="{4398E6B6-2EB1-41F0-8BA7-C020CAFFEE6B}"/>
+              </a:ext>
+            </a:extLst>
+          </p:cNvPr>
+          <p:cNvSpPr>
+            <a:spLocks noGrp="1"/>
+          </p:cNvSpPr>
+          <p:nvPr>
+            <p:ph type="sldNum" sz="quarter" idx="12"/>
+          </p:nvPr>
+        </p:nvSpPr>
+        <p:spPr/>
+        <p:txBody>
+          <a:bodyPr/>
+          <a:lstStyle/>
+          <a:p>
+            <a:fld id="{129916D8-1490-4DD4-88F6-5306CFA90256}" type="slidenum">
+              <a:rPr lang="de-DE" smtClean="0"/>
+              <a:t>10</a:t>
+            </a:fld>
+            <a:endParaRPr lang="de-DE" dirty="0"/>
+          </a:p>
+        </p:txBody>
+      </p:sp>
+      <p:pic>
+        <p:nvPicPr>
+          <p:cNvPr id="8" name="Grafik 7" descr="Ein Bild, das Text enthält.&#10;&#10;Automatisch generierte Beschreibung">
+            <a:extLst>
+              <a:ext uri="{FF2B5EF4-FFF2-40B4-BE49-F238E27FC236}">
+                <a16:creationId xmlns:a16="http://schemas.microsoft.com/office/drawing/2014/main" id="{4C103EEC-90B0-4FD5-91DD-FC77BA37CEB9}"/>
+              </a:ext>
+            </a:extLst>
+          </p:cNvPr>
+          <p:cNvPicPr>
+            <a:picLocks noChangeAspect="1"/>
+          </p:cNvPicPr>
+          <p:nvPr/>
+        </p:nvPicPr>
+        <p:blipFill>
+          <a:blip r:embed="rId2">
+            <a:extLst>
+              <a:ext uri="{28A0092B-C50C-407E-A947-70E740481C1C}">
+                <a14:useLocalDpi xmlns:a14="http://schemas.microsoft.com/office/drawing/2010/main" val="0"/>
+              </a:ext>
+            </a:extLst>
+          </a:blip>
+          <a:stretch>
+            <a:fillRect/>
+          </a:stretch>
+        </p:blipFill>
+        <p:spPr>
+          <a:xfrm>
+            <a:off x="657036" y="3159642"/>
+            <a:ext cx="5515745" cy="2476846"/>
+          </a:xfrm>
+          <a:prstGeom prst="rect">
+            <a:avLst/>
+          </a:prstGeom>
+          <a:ln>
+            <a:solidFill>
+              <a:srgbClr val="FF0000"/>
+            </a:solidFill>
+          </a:ln>
+        </p:spPr>
+      </p:pic>
+      <p:pic>
+        <p:nvPicPr>
+          <p:cNvPr id="9" name="Grafik 8">
+            <a:extLst>
+              <a:ext uri="{FF2B5EF4-FFF2-40B4-BE49-F238E27FC236}">
+                <a16:creationId xmlns:a16="http://schemas.microsoft.com/office/drawing/2014/main" id="{0C5C30EC-F0B3-4468-8B12-C4AF9479682F}"/>
+              </a:ext>
+            </a:extLst>
+          </p:cNvPr>
+          <p:cNvPicPr>
+            <a:picLocks noChangeAspect="1"/>
+          </p:cNvPicPr>
+          <p:nvPr/>
+        </p:nvPicPr>
+        <p:blipFill>
+          <a:blip r:embed="rId3"/>
+          <a:stretch>
+            <a:fillRect/>
+          </a:stretch>
+        </p:blipFill>
+        <p:spPr>
+          <a:xfrm>
+            <a:off x="5214174" y="1479034"/>
+            <a:ext cx="6352655" cy="3391216"/>
+          </a:xfrm>
+          <a:prstGeom prst="rect">
+            <a:avLst/>
+          </a:prstGeom>
+          <a:ln>
+            <a:solidFill>
+              <a:srgbClr val="FF0000"/>
+            </a:solidFill>
+          </a:ln>
+        </p:spPr>
+      </p:pic>
+      <p:sp>
+        <p:nvSpPr>
+          <p:cNvPr id="10" name="Rechteck 9">
+            <a:extLst>
+              <a:ext uri="{FF2B5EF4-FFF2-40B4-BE49-F238E27FC236}">
+                <a16:creationId xmlns:a16="http://schemas.microsoft.com/office/drawing/2014/main" id="{7C0C20D2-68A4-42D7-8DBB-93976C59B272}"/>
+              </a:ext>
+            </a:extLst>
+          </p:cNvPr>
+          <p:cNvSpPr/>
+          <p:nvPr/>
+        </p:nvSpPr>
+        <p:spPr>
+          <a:xfrm>
+            <a:off x="5577142" y="1821819"/>
+            <a:ext cx="5193234" cy="286187"/>
+          </a:xfrm>
+          <a:prstGeom prst="rect">
+            <a:avLst/>
+          </a:prstGeom>
+          <a:noFill/>
+          <a:ln w="19050">
+            <a:solidFill>
+              <a:srgbClr val="FF0000"/>
+            </a:solidFill>
+          </a:ln>
+        </p:spPr>
+        <p:style>
+          <a:lnRef idx="2">
+            <a:schemeClr val="accent1">
+              <a:shade val="50000"/>
+            </a:schemeClr>
+          </a:lnRef>
+          <a:fillRef idx="1">
+            <a:schemeClr val="accent1"/>
+          </a:fillRef>
+          <a:effectRef idx="0">
+            <a:schemeClr val="accent1"/>
+          </a:effectRef>
+          <a:fontRef idx="minor">
+            <a:schemeClr val="lt1"/>
+          </a:fontRef>
+        </p:style>
+        <p:txBody>
+          <a:bodyPr rot="0" spcFirstLastPara="0" vertOverflow="overflow" horzOverflow="overflow" vert="horz" wrap="square" lIns="91440" tIns="45720" rIns="91440" bIns="45720" numCol="1" spcCol="0" rtlCol="0" fromWordArt="0" anchor="t" anchorCtr="0" forceAA="0" compatLnSpc="1">
+            <a:prstTxWarp prst="textNoShape">
+              <a:avLst/>
+            </a:prstTxWarp>
+            <a:noAutofit/>
+          </a:bodyPr>
+          <a:lstStyle/>
+          <a:p>
+            <a:pPr algn="l"/>
+            <a:endParaRPr lang="en-US" dirty="0">
+              <a:solidFill>
+                <a:schemeClr val="bg1"/>
+              </a:solidFill>
+            </a:endParaRPr>
+          </a:p>
+        </p:txBody>
+      </p:sp>
+      <p:sp>
+        <p:nvSpPr>
+          <p:cNvPr id="11" name="Rechteck 10">
+            <a:extLst>
+              <a:ext uri="{FF2B5EF4-FFF2-40B4-BE49-F238E27FC236}">
+                <a16:creationId xmlns:a16="http://schemas.microsoft.com/office/drawing/2014/main" id="{DA851D68-9303-4AAF-AFDD-77C381646C8A}"/>
+              </a:ext>
+            </a:extLst>
+          </p:cNvPr>
+          <p:cNvSpPr/>
+          <p:nvPr/>
+        </p:nvSpPr>
+        <p:spPr>
+          <a:xfrm>
+            <a:off x="5577142" y="2213887"/>
+            <a:ext cx="3573838" cy="286187"/>
+          </a:xfrm>
+          <a:prstGeom prst="rect">
+            <a:avLst/>
+          </a:prstGeom>
+          <a:noFill/>
+          <a:ln w="19050">
+            <a:solidFill>
+              <a:srgbClr val="FF0000"/>
+            </a:solidFill>
+          </a:ln>
+        </p:spPr>
+        <p:style>
+          <a:lnRef idx="2">
+            <a:schemeClr val="accent1">
+              <a:shade val="50000"/>
+            </a:schemeClr>
+          </a:lnRef>
+          <a:fillRef idx="1">
+            <a:schemeClr val="accent1"/>
+          </a:fillRef>
+          <a:effectRef idx="0">
+            <a:schemeClr val="accent1"/>
+          </a:effectRef>
+          <a:fontRef idx="minor">
+            <a:schemeClr val="lt1"/>
+          </a:fontRef>
+        </p:style>
+        <p:txBody>
+          <a:bodyPr rot="0" spcFirstLastPara="0" vertOverflow="overflow" horzOverflow="overflow" vert="horz" wrap="square" lIns="91440" tIns="45720" rIns="91440" bIns="45720" numCol="1" spcCol="0" rtlCol="0" fromWordArt="0" anchor="t" anchorCtr="0" forceAA="0" compatLnSpc="1">
+            <a:prstTxWarp prst="textNoShape">
+              <a:avLst/>
+            </a:prstTxWarp>
+            <a:noAutofit/>
+          </a:bodyPr>
+          <a:lstStyle/>
+          <a:p>
+            <a:pPr algn="l"/>
+            <a:endParaRPr lang="en-US" dirty="0">
+              <a:solidFill>
+                <a:schemeClr val="bg1"/>
+              </a:solidFill>
+            </a:endParaRPr>
+          </a:p>
+        </p:txBody>
+      </p:sp>
+      <p:sp>
+        <p:nvSpPr>
+          <p:cNvPr id="12" name="Rechteck 11">
+            <a:extLst>
+              <a:ext uri="{FF2B5EF4-FFF2-40B4-BE49-F238E27FC236}">
+                <a16:creationId xmlns:a16="http://schemas.microsoft.com/office/drawing/2014/main" id="{903FD3B3-9AE3-4FA8-AAD3-32D7114FFFEB}"/>
+              </a:ext>
+            </a:extLst>
+          </p:cNvPr>
+          <p:cNvSpPr/>
+          <p:nvPr/>
+        </p:nvSpPr>
+        <p:spPr>
+          <a:xfrm>
+            <a:off x="7663042" y="3367534"/>
+            <a:ext cx="2402337" cy="178383"/>
+          </a:xfrm>
+          <a:prstGeom prst="rect">
+            <a:avLst/>
+          </a:prstGeom>
+          <a:noFill/>
+          <a:ln w="19050">
+            <a:solidFill>
+              <a:srgbClr val="FF0000"/>
+            </a:solidFill>
+          </a:ln>
+        </p:spPr>
+        <p:style>
+          <a:lnRef idx="2">
+            <a:schemeClr val="accent1">
+              <a:shade val="50000"/>
+            </a:schemeClr>
+          </a:lnRef>
+          <a:fillRef idx="1">
+            <a:schemeClr val="accent1"/>
+          </a:fillRef>
+          <a:effectRef idx="0">
+            <a:schemeClr val="accent1"/>
+          </a:effectRef>
+          <a:fontRef idx="minor">
+            <a:schemeClr val="lt1"/>
+          </a:fontRef>
+        </p:style>
+        <p:txBody>
+          <a:bodyPr rot="0" spcFirstLastPara="0" vertOverflow="overflow" horzOverflow="overflow" vert="horz" wrap="square" lIns="91440" tIns="45720" rIns="91440" bIns="45720" numCol="1" spcCol="0" rtlCol="0" fromWordArt="0" anchor="t" anchorCtr="0" forceAA="0" compatLnSpc="1">
+            <a:prstTxWarp prst="textNoShape">
+              <a:avLst/>
+            </a:prstTxWarp>
+            <a:noAutofit/>
+          </a:bodyPr>
+          <a:lstStyle/>
+          <a:p>
+            <a:pPr algn="l"/>
+            <a:endParaRPr lang="en-US" dirty="0">
+              <a:solidFill>
+                <a:schemeClr val="bg1"/>
+              </a:solidFill>
+            </a:endParaRPr>
+          </a:p>
+        </p:txBody>
+      </p:sp>
+    </p:spTree>
+    <p:extLst>
+      <p:ext uri="{BB962C8B-B14F-4D97-AF65-F5344CB8AC3E}">
+        <p14:creationId xmlns:p14="http://schemas.microsoft.com/office/powerpoint/2010/main" val="2058834418"/>
+      </p:ext>
+    </p:extLst>
+  </p:cSld>
+  <p:clrMapOvr>
+    <a:masterClrMapping/>
+  </p:clrMapOvr>
+  <p:timing>
+    <p:tnLst>
+      <p:par>
+        <p:cTn id="1" dur="indefinite" restart="never" nodeType="tmRoot">
+          <p:childTnLst>
+            <p:seq concurrent="1" nextAc="seek">
+              <p:cTn id="2" dur="indefinite" nodeType="mainSeq">
+                <p:childTnLst>
+                  <p:par>
+                    <p:cTn id="3" fill="hold">
+                      <p:stCondLst>
+                        <p:cond delay="indefinite"/>
+                      </p:stCondLst>
+                      <p:childTnLst>
+                        <p:par>
+                          <p:cTn id="4" fill="hold">
+                            <p:stCondLst>
+                              <p:cond delay="0"/>
+                            </p:stCondLst>
+                            <p:childTnLst>
+                              <p:par>
+                                <p:cTn id="5" presetID="1" presetClass="entr" presetSubtype="0" fill="hold" nodeType="clickEffect">
+                                  <p:stCondLst>
+                                    <p:cond delay="0"/>
+                                  </p:stCondLst>
+                                  <p:childTnLst>
+                                    <p:set>
+                                      <p:cBhvr>
+                                        <p:cTn id="6" dur="1" fill="hold">
+                                          <p:stCondLst>
+                                            <p:cond delay="0"/>
+                                          </p:stCondLst>
+                                        </p:cTn>
+                                        <p:tgtEl>
+                                          <p:spTgt spid="8"/>
+                                        </p:tgtEl>
+                                        <p:attrNameLst>
+                                          <p:attrName>style.visibility</p:attrName>
+                                        </p:attrNameLst>
+                                      </p:cBhvr>
+                                      <p:to>
+                                        <p:strVal val="visible"/>
+                                      </p:to>
+                                    </p:set>
+                                  </p:childTnLst>
+                                </p:cTn>
+                              </p:par>
+                            </p:childTnLst>
+                          </p:cTn>
+                        </p:par>
+                      </p:childTnLst>
+                    </p:cTn>
+                  </p:par>
+                  <p:par>
+                    <p:cTn id="7" fill="hold">
+                      <p:stCondLst>
+                        <p:cond delay="indefinite"/>
+                      </p:stCondLst>
+                      <p:childTnLst>
+                        <p:par>
+                          <p:cTn id="8" fill="hold">
+                            <p:stCondLst>
+                              <p:cond delay="0"/>
+                            </p:stCondLst>
+                            <p:childTnLst>
+                              <p:par>
+                                <p:cTn id="9" presetID="1" presetClass="entr" presetSubtype="0" fill="hold" nodeType="clickEffect">
+                                  <p:stCondLst>
+                                    <p:cond delay="0"/>
+                                  </p:stCondLst>
+                                  <p:childTnLst>
+                                    <p:set>
+                                      <p:cBhvr>
+                                        <p:cTn id="10" dur="1" fill="hold">
+                                          <p:stCondLst>
+                                            <p:cond delay="0"/>
+                                          </p:stCondLst>
+                                        </p:cTn>
+                                        <p:tgtEl>
+                                          <p:spTgt spid="9"/>
+                                        </p:tgtEl>
+                                        <p:attrNameLst>
+                                          <p:attrName>style.visibility</p:attrName>
+                                        </p:attrNameLst>
+                                      </p:cBhvr>
+                                      <p:to>
+                                        <p:strVal val="visible"/>
+                                      </p:to>
+                                    </p:set>
+                                  </p:childTnLst>
+                                </p:cTn>
+                              </p:par>
+                            </p:childTnLst>
+                          </p:cTn>
+                        </p:par>
+                      </p:childTnLst>
+                    </p:cTn>
+                  </p:par>
+                  <p:par>
+                    <p:cTn id="11" fill="hold">
+                      <p:stCondLst>
+                        <p:cond delay="indefinite"/>
+                      </p:stCondLst>
+                      <p:childTnLst>
+                        <p:par>
+                          <p:cTn id="12" fill="hold">
+                            <p:stCondLst>
+                              <p:cond delay="0"/>
+                            </p:stCondLst>
+                            <p:childTnLst>
+                              <p:par>
+                                <p:cTn id="13" presetID="1" presetClass="entr" presetSubtype="0" fill="hold" grpId="0" nodeType="clickEffect">
+                                  <p:stCondLst>
+                                    <p:cond delay="0"/>
+                                  </p:stCondLst>
+                                  <p:childTnLst>
+                                    <p:set>
+                                      <p:cBhvr>
+                                        <p:cTn id="14" dur="1" fill="hold">
+                                          <p:stCondLst>
+                                            <p:cond delay="0"/>
+                                          </p:stCondLst>
+                                        </p:cTn>
+                                        <p:tgtEl>
+                                          <p:spTgt spid="10"/>
+                                        </p:tgtEl>
+                                        <p:attrNameLst>
+                                          <p:attrName>style.visibility</p:attrName>
+                                        </p:attrNameLst>
+                                      </p:cBhvr>
+                                      <p:to>
+                                        <p:strVal val="visible"/>
+                                      </p:to>
+                                    </p:set>
+                                  </p:childTnLst>
+                                </p:cTn>
+                              </p:par>
+                            </p:childTnLst>
+                          </p:cTn>
+                        </p:par>
+                      </p:childTnLst>
+                    </p:cTn>
+                  </p:par>
+                  <p:par>
+                    <p:cTn id="15" fill="hold">
+                      <p:stCondLst>
+                        <p:cond delay="indefinite"/>
+                      </p:stCondLst>
+                      <p:childTnLst>
+                        <p:par>
+                          <p:cTn id="16" fill="hold">
+                            <p:stCondLst>
+                              <p:cond delay="0"/>
+                            </p:stCondLst>
+                            <p:childTnLst>
+                              <p:par>
+                                <p:cTn id="17" presetID="1" presetClass="entr" presetSubtype="0" fill="hold" grpId="0" nodeType="clickEffect">
+                                  <p:stCondLst>
+                                    <p:cond delay="0"/>
+                                  </p:stCondLst>
+                                  <p:childTnLst>
+                                    <p:set>
+                                      <p:cBhvr>
+                                        <p:cTn id="18" dur="1" fill="hold">
+                                          <p:stCondLst>
+                                            <p:cond delay="0"/>
+                                          </p:stCondLst>
+                                        </p:cTn>
+                                        <p:tgtEl>
+                                          <p:spTgt spid="11"/>
+                                        </p:tgtEl>
+                                        <p:attrNameLst>
+                                          <p:attrName>style.visibility</p:attrName>
+                                        </p:attrNameLst>
+                                      </p:cBhvr>
+                                      <p:to>
+                                        <p:strVal val="visible"/>
+                                      </p:to>
+                                    </p:set>
+                                  </p:childTnLst>
+                                </p:cTn>
+                              </p:par>
+                            </p:childTnLst>
+                          </p:cTn>
+                        </p:par>
+                      </p:childTnLst>
+                    </p:cTn>
+                  </p:par>
+                  <p:par>
+                    <p:cTn id="19" fill="hold">
+                      <p:stCondLst>
+                        <p:cond delay="indefinite"/>
+                      </p:stCondLst>
+                      <p:childTnLst>
+                        <p:par>
+                          <p:cTn id="20" fill="hold">
+                            <p:stCondLst>
+                              <p:cond delay="0"/>
+                            </p:stCondLst>
+                            <p:childTnLst>
+                              <p:par>
+                                <p:cTn id="21" presetID="1" presetClass="entr" presetSubtype="0" fill="hold" grpId="0" nodeType="clickEffect">
+                                  <p:stCondLst>
+                                    <p:cond delay="0"/>
+                                  </p:stCondLst>
+                                  <p:childTnLst>
+                                    <p:set>
+                                      <p:cBhvr>
+                                        <p:cTn id="22" dur="1" fill="hold">
+                                          <p:stCondLst>
+                                            <p:cond delay="0"/>
+                                          </p:stCondLst>
+                                        </p:cTn>
+                                        <p:tgtEl>
+                                          <p:spTgt spid="12"/>
+                                        </p:tgtEl>
+                                        <p:attrNameLst>
+                                          <p:attrName>style.visibility</p:attrName>
+                                        </p:attrNameLst>
+                                      </p:cBhvr>
+                                      <p:to>
+                                        <p:strVal val="visible"/>
+                                      </p:to>
+                                    </p:set>
+                                  </p:childTnLst>
+                                </p:cTn>
+                              </p:par>
+                            </p:childTnLst>
+                          </p:cTn>
+                        </p:par>
+                      </p:childTnLst>
+                    </p:cTn>
+                  </p:par>
+                </p:childTnLst>
+              </p:cTn>
+              <p:prevCondLst>
+                <p:cond evt="onPrev" delay="0">
+                  <p:tgtEl>
+                    <p:sldTgt/>
+                  </p:tgtEl>
+                </p:cond>
+              </p:prevCondLst>
+              <p:nextCondLst>
+                <p:cond evt="onNext" delay="0">
+                  <p:tgtEl>
+                    <p:sldTgt/>
+                  </p:tgtEl>
+                </p:cond>
+              </p:nextCondLst>
+            </p:seq>
+          </p:childTnLst>
+        </p:cTn>
+      </p:par>
+    </p:tnLst>
+    <p:bldLst>
+      <p:bldP spid="10" grpId="0" animBg="1"/>
+      <p:bldP spid="11" grpId="0" animBg="1"/>
+      <p:bldP spid="12" grpId="0" animBg="1"/>
+    </p:bldLst>
+  </p:timing>
+</p:sld>
+</file>
+
+<file path=ppt/slides/slide11.xml><?xml version="1.0" encoding="utf-8"?>
+<p:sld xmlns:a="http://schemas.openxmlformats.org/drawingml/2006/main" xmlns:r="http://schemas.openxmlformats.org/officeDocument/2006/relationships" xmlns:p="http://schemas.openxmlformats.org/presentationml/2006/main">
+  <p:cSld>
+    <p:spTree>
+      <p:nvGrpSpPr>
+        <p:cNvPr id="1" name=""/>
+        <p:cNvGrpSpPr/>
+        <p:nvPr/>
+      </p:nvGrpSpPr>
+      <p:grpSpPr>
+        <a:xfrm>
+          <a:off x="0" y="0"/>
+          <a:ext cx="0" cy="0"/>
+          <a:chOff x="0" y="0"/>
+          <a:chExt cx="0" cy="0"/>
+        </a:xfrm>
+      </p:grpSpPr>
+      <p:pic>
+        <p:nvPicPr>
+          <p:cNvPr id="7" name="Grafik 6">
+            <a:extLst>
+              <a:ext uri="{FF2B5EF4-FFF2-40B4-BE49-F238E27FC236}">
+                <a16:creationId xmlns:a16="http://schemas.microsoft.com/office/drawing/2014/main" id="{75F59A2E-92D5-4E13-94E3-44F8CBF773B4}"/>
+              </a:ext>
+            </a:extLst>
+          </p:cNvPr>
+          <p:cNvPicPr>
+            <a:picLocks noChangeAspect="1"/>
+          </p:cNvPicPr>
+          <p:nvPr/>
+        </p:nvPicPr>
+        <p:blipFill rotWithShape="1">
+          <a:blip r:embed="rId3"/>
+          <a:srcRect l="1663" t="3021" r="2303" b="3260"/>
+          <a:stretch/>
+        </p:blipFill>
+        <p:spPr>
+          <a:xfrm>
+            <a:off x="4314316" y="1750561"/>
+            <a:ext cx="7027850" cy="3788198"/>
+          </a:xfrm>
+          <a:prstGeom prst="rect">
+            <a:avLst/>
+          </a:prstGeom>
+          <a:ln>
+            <a:solidFill>
+              <a:srgbClr val="0069B4"/>
+            </a:solidFill>
+          </a:ln>
+        </p:spPr>
+      </p:pic>
+      <p:sp>
+        <p:nvSpPr>
+          <p:cNvPr id="2" name="Titel 1">
+            <a:extLst>
+              <a:ext uri="{FF2B5EF4-FFF2-40B4-BE49-F238E27FC236}">
+                <a16:creationId xmlns:a16="http://schemas.microsoft.com/office/drawing/2014/main" id="{66B4BF03-3991-4531-AB0D-194328A56C3E}"/>
+              </a:ext>
+            </a:extLst>
+          </p:cNvPr>
+          <p:cNvSpPr>
+            <a:spLocks noGrp="1"/>
+          </p:cNvSpPr>
+          <p:nvPr>
+            <p:ph type="title"/>
+          </p:nvPr>
+        </p:nvSpPr>
+        <p:spPr/>
+        <p:txBody>
+          <a:bodyPr/>
+          <a:lstStyle/>
+          <a:p>
+            <a:r>
+              <a:rPr lang="de-DE" dirty="0"/>
+              <a:t>GUI - Widgets</a:t>
+            </a:r>
+          </a:p>
+        </p:txBody>
+      </p:sp>
+      <p:sp>
+        <p:nvSpPr>
+          <p:cNvPr id="3" name="Datumsplatzhalter 2">
+            <a:extLst>
+              <a:ext uri="{FF2B5EF4-FFF2-40B4-BE49-F238E27FC236}">
+                <a16:creationId xmlns:a16="http://schemas.microsoft.com/office/drawing/2014/main" id="{87E134CE-F989-43C1-AEF0-BAADF23A60D3}"/>
+              </a:ext>
+            </a:extLst>
+          </p:cNvPr>
+          <p:cNvSpPr>
+            <a:spLocks noGrp="1"/>
+          </p:cNvSpPr>
+          <p:nvPr>
+            <p:ph type="dt" sz="half" idx="14"/>
+          </p:nvPr>
+        </p:nvSpPr>
+        <p:spPr>
+          <a:xfrm>
+            <a:off x="339436" y="6548669"/>
+            <a:ext cx="2743200" cy="365125"/>
+          </a:xfrm>
+        </p:spPr>
+        <p:txBody>
+          <a:bodyPr/>
+          <a:lstStyle/>
+          <a:p>
+            <a:r>
+              <a:rPr lang="en-US"/>
+              <a:t>27.01.2021</a:t>
+            </a:r>
+            <a:endParaRPr lang="de-DE" dirty="0"/>
+          </a:p>
+        </p:txBody>
+      </p:sp>
+      <p:sp>
+        <p:nvSpPr>
+          <p:cNvPr id="4" name="Fußzeilenplatzhalter 3">
+            <a:extLst>
+              <a:ext uri="{FF2B5EF4-FFF2-40B4-BE49-F238E27FC236}">
+                <a16:creationId xmlns:a16="http://schemas.microsoft.com/office/drawing/2014/main" id="{6DF502D7-68DE-4B22-A059-94B72BCF6B52}"/>
+              </a:ext>
+            </a:extLst>
+          </p:cNvPr>
+          <p:cNvSpPr>
+            <a:spLocks noGrp="1"/>
+          </p:cNvSpPr>
+          <p:nvPr>
+            <p:ph type="ftr" sz="quarter" idx="15"/>
+          </p:nvPr>
+        </p:nvSpPr>
+        <p:spPr/>
+        <p:txBody>
+          <a:bodyPr/>
+          <a:lstStyle/>
+          <a:p>
+            <a:r>
+              <a:rPr lang="de-DE"/>
+              <a:t>Business Analytics Semesterprojekt</a:t>
+            </a:r>
+            <a:endParaRPr lang="de-DE" dirty="0"/>
+          </a:p>
+        </p:txBody>
+      </p:sp>
+      <p:sp>
+        <p:nvSpPr>
+          <p:cNvPr id="5" name="Foliennummernplatzhalter 4">
+            <a:extLst>
+              <a:ext uri="{FF2B5EF4-FFF2-40B4-BE49-F238E27FC236}">
+                <a16:creationId xmlns:a16="http://schemas.microsoft.com/office/drawing/2014/main" id="{67F65780-E917-4454-9D33-3585C0155DBD}"/>
+              </a:ext>
+            </a:extLst>
+          </p:cNvPr>
+          <p:cNvSpPr>
+            <a:spLocks noGrp="1"/>
+          </p:cNvSpPr>
+          <p:nvPr>
+            <p:ph type="sldNum" sz="quarter" idx="16"/>
+          </p:nvPr>
+        </p:nvSpPr>
+        <p:spPr/>
+        <p:txBody>
+          <a:bodyPr/>
+          <a:lstStyle/>
+          <a:p>
+            <a:fld id="{129916D8-1490-4DD4-88F6-5306CFA90256}" type="slidenum">
+              <a:rPr lang="de-DE" smtClean="0"/>
+              <a:t>11</a:t>
+            </a:fld>
+            <a:endParaRPr lang="de-DE" dirty="0"/>
+          </a:p>
+        </p:txBody>
+      </p:sp>
+      <p:grpSp>
+        <p:nvGrpSpPr>
+          <p:cNvPr id="48" name="Gruppieren 47">
+            <a:extLst>
+              <a:ext uri="{FF2B5EF4-FFF2-40B4-BE49-F238E27FC236}">
+                <a16:creationId xmlns:a16="http://schemas.microsoft.com/office/drawing/2014/main" id="{10B5B146-2491-4011-AE83-781C45E7B127}"/>
+              </a:ext>
+            </a:extLst>
+          </p:cNvPr>
+          <p:cNvGrpSpPr/>
+          <p:nvPr/>
+        </p:nvGrpSpPr>
+        <p:grpSpPr>
+          <a:xfrm>
+            <a:off x="458097" y="2943784"/>
+            <a:ext cx="7331754" cy="1827002"/>
+            <a:chOff x="458097" y="2943784"/>
+            <a:chExt cx="7331754" cy="1827002"/>
+          </a:xfrm>
+        </p:grpSpPr>
+        <p:grpSp>
+          <p:nvGrpSpPr>
+            <p:cNvPr id="17" name="Gruppieren 16">
+              <a:extLst>
+                <a:ext uri="{FF2B5EF4-FFF2-40B4-BE49-F238E27FC236}">
+                  <a16:creationId xmlns:a16="http://schemas.microsoft.com/office/drawing/2014/main" id="{18DFE01F-9D4D-47AB-A31A-8E6E7DB49431}"/>
+                </a:ext>
+              </a:extLst>
+            </p:cNvPr>
+            <p:cNvGrpSpPr/>
+            <p:nvPr/>
+          </p:nvGrpSpPr>
+          <p:grpSpPr>
+            <a:xfrm>
+              <a:off x="458097" y="3614555"/>
+              <a:ext cx="4829167" cy="1156231"/>
+              <a:chOff x="451117" y="3643257"/>
+              <a:chExt cx="4829167" cy="1156231"/>
+            </a:xfrm>
+          </p:grpSpPr>
+          <p:sp>
+            <p:nvSpPr>
+              <p:cNvPr id="9" name="Textfeld 8">
+                <a:extLst>
+                  <a:ext uri="{FF2B5EF4-FFF2-40B4-BE49-F238E27FC236}">
+                    <a16:creationId xmlns:a16="http://schemas.microsoft.com/office/drawing/2014/main" id="{71115C98-3DBE-4701-B0A7-73936D7395A4}"/>
+                  </a:ext>
+                </a:extLst>
+              </p:cNvPr>
+              <p:cNvSpPr txBox="1"/>
+              <p:nvPr/>
+            </p:nvSpPr>
+            <p:spPr>
+              <a:xfrm>
+                <a:off x="451117" y="3643257"/>
+                <a:ext cx="1312269" cy="523220"/>
+              </a:xfrm>
+              <a:prstGeom prst="rect">
+                <a:avLst/>
+              </a:prstGeom>
+              <a:noFill/>
+              <a:ln w="12700">
+                <a:solidFill>
+                  <a:srgbClr val="FF0000"/>
+                </a:solidFill>
+              </a:ln>
+            </p:spPr>
+            <p:txBody>
+              <a:bodyPr wrap="square" rtlCol="0">
+                <a:spAutoFit/>
+              </a:bodyPr>
+              <a:lstStyle/>
+              <a:p>
+                <a:r>
+                  <a:rPr lang="de-DE" sz="1400" dirty="0"/>
+                  <a:t>Label und Entry Widget</a:t>
+                </a:r>
+              </a:p>
+            </p:txBody>
+          </p:sp>
+          <p:pic>
+            <p:nvPicPr>
+              <p:cNvPr id="13" name="Grafik 12">
+                <a:extLst>
+                  <a:ext uri="{FF2B5EF4-FFF2-40B4-BE49-F238E27FC236}">
+                    <a16:creationId xmlns:a16="http://schemas.microsoft.com/office/drawing/2014/main" id="{45ABF6F8-8314-4A2C-90F1-1153F85BDFC7}"/>
+                  </a:ext>
+                </a:extLst>
+              </p:cNvPr>
+              <p:cNvPicPr>
+                <a:picLocks noChangeAspect="1"/>
+              </p:cNvPicPr>
+              <p:nvPr/>
+            </p:nvPicPr>
+            <p:blipFill>
+              <a:blip r:embed="rId4"/>
+              <a:stretch>
+                <a:fillRect/>
+              </a:stretch>
+            </p:blipFill>
+            <p:spPr>
+              <a:xfrm>
+                <a:off x="451117" y="4180364"/>
+                <a:ext cx="4829167" cy="619124"/>
+              </a:xfrm>
+              <a:prstGeom prst="rect">
+                <a:avLst/>
+              </a:prstGeom>
+              <a:ln w="12700">
+                <a:solidFill>
+                  <a:srgbClr val="FF0000"/>
+                </a:solidFill>
+              </a:ln>
+            </p:spPr>
+          </p:pic>
+        </p:grpSp>
+        <p:grpSp>
+          <p:nvGrpSpPr>
+            <p:cNvPr id="37" name="Gruppieren 36">
+              <a:extLst>
+                <a:ext uri="{FF2B5EF4-FFF2-40B4-BE49-F238E27FC236}">
+                  <a16:creationId xmlns:a16="http://schemas.microsoft.com/office/drawing/2014/main" id="{7DD3CDAD-615C-4ED7-8966-1560F5F4E2BE}"/>
+                </a:ext>
+              </a:extLst>
+            </p:cNvPr>
+            <p:cNvGrpSpPr/>
+            <p:nvPr/>
+          </p:nvGrpSpPr>
+          <p:grpSpPr>
+            <a:xfrm>
+              <a:off x="5287264" y="2943784"/>
+              <a:ext cx="2502587" cy="1517439"/>
+              <a:chOff x="5287264" y="2943784"/>
+              <a:chExt cx="2502587" cy="1517439"/>
+            </a:xfrm>
+          </p:grpSpPr>
+          <p:cxnSp>
+            <p:nvCxnSpPr>
+              <p:cNvPr id="28" name="Verbinder: gewinkelt 27">
+                <a:extLst>
+                  <a:ext uri="{FF2B5EF4-FFF2-40B4-BE49-F238E27FC236}">
+                    <a16:creationId xmlns:a16="http://schemas.microsoft.com/office/drawing/2014/main" id="{00C633CC-0717-4480-9C0B-AC3222D13074}"/>
+                  </a:ext>
+                </a:extLst>
+              </p:cNvPr>
+              <p:cNvCxnSpPr>
+                <a:cxnSpLocks/>
+                <a:stCxn id="30" idx="1"/>
+                <a:endCxn id="13" idx="3"/>
+              </p:cNvCxnSpPr>
+              <p:nvPr/>
+            </p:nvCxnSpPr>
+            <p:spPr>
+              <a:xfrm rot="10800000" flipV="1">
+                <a:off x="5287264" y="3126188"/>
+                <a:ext cx="800324" cy="1335035"/>
+              </a:xfrm>
+              <a:prstGeom prst="bentConnector3">
+                <a:avLst>
+                  <a:gd name="adj1" fmla="val 50000"/>
+                </a:avLst>
+              </a:prstGeom>
+              <a:ln w="19050">
+                <a:solidFill>
+                  <a:srgbClr val="FF0000"/>
+                </a:solidFill>
+              </a:ln>
+            </p:spPr>
+            <p:style>
+              <a:lnRef idx="1">
+                <a:schemeClr val="accent1"/>
+              </a:lnRef>
+              <a:fillRef idx="0">
+                <a:schemeClr val="accent1"/>
+              </a:fillRef>
+              <a:effectRef idx="0">
+                <a:schemeClr val="accent1"/>
+              </a:effectRef>
+              <a:fontRef idx="minor">
+                <a:schemeClr val="tx1"/>
+              </a:fontRef>
+            </p:style>
+          </p:cxnSp>
+          <p:sp>
+            <p:nvSpPr>
+              <p:cNvPr id="30" name="Rechteck 29">
+                <a:extLst>
+                  <a:ext uri="{FF2B5EF4-FFF2-40B4-BE49-F238E27FC236}">
+                    <a16:creationId xmlns:a16="http://schemas.microsoft.com/office/drawing/2014/main" id="{D266AB76-C40E-4C3C-B516-9F2729B883EE}"/>
+                  </a:ext>
+                </a:extLst>
+              </p:cNvPr>
+              <p:cNvSpPr/>
+              <p:nvPr/>
+            </p:nvSpPr>
+            <p:spPr>
+              <a:xfrm>
+                <a:off x="6087588" y="2943784"/>
+                <a:ext cx="1702263" cy="364809"/>
+              </a:xfrm>
+              <a:prstGeom prst="rect">
+                <a:avLst/>
+              </a:prstGeom>
+              <a:noFill/>
+              <a:ln>
+                <a:solidFill>
+                  <a:srgbClr val="FF0000"/>
+                </a:solidFill>
+              </a:ln>
+            </p:spPr>
+            <p:style>
+              <a:lnRef idx="2">
+                <a:schemeClr val="accent1">
+                  <a:shade val="50000"/>
+                </a:schemeClr>
+              </a:lnRef>
+              <a:fillRef idx="1">
+                <a:schemeClr val="accent1"/>
+              </a:fillRef>
+              <a:effectRef idx="0">
+                <a:schemeClr val="accent1"/>
+              </a:effectRef>
+              <a:fontRef idx="minor">
+                <a:schemeClr val="lt1"/>
+              </a:fontRef>
+            </p:style>
+            <p:txBody>
+              <a:bodyPr rot="0" spcFirstLastPara="0" vertOverflow="overflow" horzOverflow="overflow" vert="horz" wrap="square" lIns="91440" tIns="45720" rIns="91440" bIns="45720" numCol="1" spcCol="0" rtlCol="0" fromWordArt="0" anchor="t" anchorCtr="0" forceAA="0" compatLnSpc="1">
+                <a:prstTxWarp prst="textNoShape">
+                  <a:avLst/>
+                </a:prstTxWarp>
+                <a:noAutofit/>
+              </a:bodyPr>
+              <a:lstStyle/>
+              <a:p>
+                <a:pPr algn="l"/>
+                <a:endParaRPr lang="de-DE" dirty="0">
+                  <a:solidFill>
+                    <a:schemeClr val="bg1"/>
+                  </a:solidFill>
+                </a:endParaRPr>
+              </a:p>
+            </p:txBody>
+          </p:sp>
+        </p:grpSp>
+      </p:grpSp>
+      <p:grpSp>
+        <p:nvGrpSpPr>
+          <p:cNvPr id="44" name="Gruppieren 43">
+            <a:extLst>
+              <a:ext uri="{FF2B5EF4-FFF2-40B4-BE49-F238E27FC236}">
+                <a16:creationId xmlns:a16="http://schemas.microsoft.com/office/drawing/2014/main" id="{EA29F3CB-484D-479D-BF6E-6E7B4C1F9C68}"/>
+              </a:ext>
+            </a:extLst>
+          </p:cNvPr>
+          <p:cNvGrpSpPr/>
+          <p:nvPr/>
+        </p:nvGrpSpPr>
+        <p:grpSpPr>
+          <a:xfrm>
+            <a:off x="492997" y="1936042"/>
+            <a:ext cx="7122350" cy="1514935"/>
+            <a:chOff x="492997" y="1936042"/>
+            <a:chExt cx="7122350" cy="1514935"/>
+          </a:xfrm>
+        </p:grpSpPr>
+        <p:grpSp>
+          <p:nvGrpSpPr>
+            <p:cNvPr id="16" name="Gruppieren 15">
+              <a:extLst>
+                <a:ext uri="{FF2B5EF4-FFF2-40B4-BE49-F238E27FC236}">
+                  <a16:creationId xmlns:a16="http://schemas.microsoft.com/office/drawing/2014/main" id="{32D840E5-F1A3-447C-8ADF-E9BAB81B0347}"/>
+                </a:ext>
+              </a:extLst>
+            </p:cNvPr>
+            <p:cNvGrpSpPr/>
+            <p:nvPr/>
+          </p:nvGrpSpPr>
+          <p:grpSpPr>
+            <a:xfrm>
+              <a:off x="492997" y="1936042"/>
+              <a:ext cx="4888702" cy="1514935"/>
+              <a:chOff x="492997" y="1936042"/>
+              <a:chExt cx="4888702" cy="1514935"/>
+            </a:xfrm>
+          </p:grpSpPr>
+          <p:sp>
+            <p:nvSpPr>
+              <p:cNvPr id="10" name="Textfeld 9">
+                <a:extLst>
+                  <a:ext uri="{FF2B5EF4-FFF2-40B4-BE49-F238E27FC236}">
+                    <a16:creationId xmlns:a16="http://schemas.microsoft.com/office/drawing/2014/main" id="{787820D6-AC75-42BC-9472-EC6BE605D919}"/>
+                  </a:ext>
+                </a:extLst>
+              </p:cNvPr>
+              <p:cNvSpPr txBox="1"/>
+              <p:nvPr/>
+            </p:nvSpPr>
+            <p:spPr>
+              <a:xfrm>
+                <a:off x="492997" y="1936042"/>
+                <a:ext cx="1207568" cy="307777"/>
+              </a:xfrm>
+              <a:prstGeom prst="rect">
+                <a:avLst/>
+              </a:prstGeom>
+              <a:noFill/>
+              <a:ln w="12700">
+                <a:solidFill>
+                  <a:srgbClr val="FF0000"/>
+                </a:solidFill>
+              </a:ln>
+            </p:spPr>
+            <p:txBody>
+              <a:bodyPr wrap="square" rtlCol="0">
+                <a:spAutoFit/>
+              </a:bodyPr>
+              <a:lstStyle/>
+              <a:p>
+                <a:r>
+                  <a:rPr lang="de-DE" sz="1400" dirty="0" err="1"/>
+                  <a:t>OptionMenu</a:t>
+                </a:r>
+                <a:endParaRPr lang="de-DE" sz="1400" dirty="0"/>
+              </a:p>
+            </p:txBody>
+          </p:sp>
+          <p:pic>
+            <p:nvPicPr>
+              <p:cNvPr id="14" name="Grafik 13">
+                <a:extLst>
+                  <a:ext uri="{FF2B5EF4-FFF2-40B4-BE49-F238E27FC236}">
+                    <a16:creationId xmlns:a16="http://schemas.microsoft.com/office/drawing/2014/main" id="{3627410F-80E2-40AC-8F04-68A10F185072}"/>
+                  </a:ext>
+                </a:extLst>
+              </p:cNvPr>
+              <p:cNvPicPr>
+                <a:picLocks noChangeAspect="1"/>
+              </p:cNvPicPr>
+              <p:nvPr/>
+            </p:nvPicPr>
+            <p:blipFill>
+              <a:blip r:embed="rId5"/>
+              <a:stretch>
+                <a:fillRect/>
+              </a:stretch>
+            </p:blipFill>
+            <p:spPr>
+              <a:xfrm>
+                <a:off x="503469" y="2251559"/>
+                <a:ext cx="4878230" cy="1199418"/>
+              </a:xfrm>
+              <a:prstGeom prst="rect">
+                <a:avLst/>
+              </a:prstGeom>
+              <a:ln w="12700">
+                <a:solidFill>
+                  <a:srgbClr val="FF0000"/>
+                </a:solidFill>
+              </a:ln>
+            </p:spPr>
+          </p:pic>
+        </p:grpSp>
+        <p:cxnSp>
+          <p:nvCxnSpPr>
+            <p:cNvPr id="23" name="Verbinder: gewinkelt 22">
+              <a:extLst>
+                <a:ext uri="{FF2B5EF4-FFF2-40B4-BE49-F238E27FC236}">
+                  <a16:creationId xmlns:a16="http://schemas.microsoft.com/office/drawing/2014/main" id="{50ED3C33-82D9-494B-A2B4-9EA42003F1B9}"/>
+                </a:ext>
+              </a:extLst>
+            </p:cNvPr>
+            <p:cNvCxnSpPr>
+              <a:cxnSpLocks/>
+              <a:stCxn id="32" idx="0"/>
+            </p:cNvCxnSpPr>
+            <p:nvPr/>
+          </p:nvCxnSpPr>
+          <p:spPr>
+            <a:xfrm rot="16200000" flipH="1" flipV="1">
+              <a:off x="6124260" y="1831341"/>
+              <a:ext cx="277368" cy="1762486"/>
+            </a:xfrm>
+            <a:prstGeom prst="bentConnector4">
+              <a:avLst>
+                <a:gd name="adj1" fmla="val -1888"/>
+                <a:gd name="adj2" fmla="val 63366"/>
+              </a:avLst>
+            </a:prstGeom>
+            <a:ln w="19050">
+              <a:solidFill>
+                <a:srgbClr val="FF0000"/>
+              </a:solidFill>
+            </a:ln>
+          </p:spPr>
+          <p:style>
+            <a:lnRef idx="1">
+              <a:schemeClr val="accent1"/>
+            </a:lnRef>
+            <a:fillRef idx="0">
+              <a:schemeClr val="accent1"/>
+            </a:fillRef>
+            <a:effectRef idx="0">
+              <a:schemeClr val="accent1"/>
+            </a:effectRef>
+            <a:fontRef idx="minor">
+              <a:schemeClr val="tx1"/>
+            </a:fontRef>
+          </p:style>
+        </p:cxnSp>
+        <p:sp>
+          <p:nvSpPr>
+            <p:cNvPr id="32" name="Rechteck 31">
+              <a:extLst>
+                <a:ext uri="{FF2B5EF4-FFF2-40B4-BE49-F238E27FC236}">
+                  <a16:creationId xmlns:a16="http://schemas.microsoft.com/office/drawing/2014/main" id="{584B1DB0-6BE9-4C3D-ADB0-9ABDFDB84E62}"/>
+                </a:ext>
+              </a:extLst>
+            </p:cNvPr>
+            <p:cNvSpPr/>
+            <p:nvPr/>
+          </p:nvSpPr>
+          <p:spPr>
+            <a:xfrm>
+              <a:off x="6673026" y="2573900"/>
+              <a:ext cx="942321" cy="333208"/>
+            </a:xfrm>
+            <a:prstGeom prst="rect">
+              <a:avLst/>
+            </a:prstGeom>
+            <a:noFill/>
+            <a:ln>
+              <a:solidFill>
+                <a:srgbClr val="FF0000"/>
+              </a:solidFill>
+            </a:ln>
+          </p:spPr>
+          <p:style>
+            <a:lnRef idx="2">
+              <a:schemeClr val="accent1">
+                <a:shade val="50000"/>
+              </a:schemeClr>
+            </a:lnRef>
+            <a:fillRef idx="1">
+              <a:schemeClr val="accent1"/>
+            </a:fillRef>
+            <a:effectRef idx="0">
+              <a:schemeClr val="accent1"/>
+            </a:effectRef>
+            <a:fontRef idx="minor">
+              <a:schemeClr val="lt1"/>
+            </a:fontRef>
+          </p:style>
+          <p:txBody>
+            <a:bodyPr rot="0" spcFirstLastPara="0" vertOverflow="overflow" horzOverflow="overflow" vert="horz" wrap="square" lIns="91440" tIns="45720" rIns="91440" bIns="45720" numCol="1" spcCol="0" rtlCol="0" fromWordArt="0" anchor="t" anchorCtr="0" forceAA="0" compatLnSpc="1">
+              <a:prstTxWarp prst="textNoShape">
+                <a:avLst/>
+              </a:prstTxWarp>
+              <a:noAutofit/>
+            </a:bodyPr>
+            <a:lstStyle/>
+            <a:p>
+              <a:pPr algn="l"/>
+              <a:endParaRPr lang="de-DE" dirty="0">
+                <a:solidFill>
+                  <a:schemeClr val="bg1"/>
+                </a:solidFill>
+              </a:endParaRPr>
+            </a:p>
+          </p:txBody>
+        </p:sp>
+      </p:grpSp>
+      <p:grpSp>
+        <p:nvGrpSpPr>
+          <p:cNvPr id="49" name="Gruppieren 48">
+            <a:extLst>
+              <a:ext uri="{FF2B5EF4-FFF2-40B4-BE49-F238E27FC236}">
+                <a16:creationId xmlns:a16="http://schemas.microsoft.com/office/drawing/2014/main" id="{8AC89450-6DA9-4604-8F25-80E25E2E81EC}"/>
+              </a:ext>
+            </a:extLst>
+          </p:cNvPr>
+          <p:cNvGrpSpPr/>
+          <p:nvPr/>
+        </p:nvGrpSpPr>
+        <p:grpSpPr>
+          <a:xfrm>
+            <a:off x="452703" y="4023966"/>
+            <a:ext cx="7448312" cy="2185789"/>
+            <a:chOff x="452703" y="4023966"/>
+            <a:chExt cx="7448312" cy="2185789"/>
+          </a:xfrm>
+        </p:grpSpPr>
+        <p:grpSp>
+          <p:nvGrpSpPr>
+            <p:cNvPr id="19" name="Gruppieren 18">
+              <a:extLst>
+                <a:ext uri="{FF2B5EF4-FFF2-40B4-BE49-F238E27FC236}">
+                  <a16:creationId xmlns:a16="http://schemas.microsoft.com/office/drawing/2014/main" id="{24A4E3F7-D696-455C-8B40-0E4163BC7BC3}"/>
+                </a:ext>
+              </a:extLst>
+            </p:cNvPr>
+            <p:cNvGrpSpPr/>
+            <p:nvPr/>
+          </p:nvGrpSpPr>
+          <p:grpSpPr>
+            <a:xfrm>
+              <a:off x="452703" y="5319722"/>
+              <a:ext cx="7072944" cy="890033"/>
+              <a:chOff x="452703" y="5403482"/>
+              <a:chExt cx="7072944" cy="890033"/>
+            </a:xfrm>
+          </p:grpSpPr>
+          <p:pic>
+            <p:nvPicPr>
+              <p:cNvPr id="15" name="Grafik 14">
+                <a:extLst>
+                  <a:ext uri="{FF2B5EF4-FFF2-40B4-BE49-F238E27FC236}">
+                    <a16:creationId xmlns:a16="http://schemas.microsoft.com/office/drawing/2014/main" id="{8E2699A9-8F49-4981-AC0E-49A10B3ACA8E}"/>
+                  </a:ext>
+                </a:extLst>
+              </p:cNvPr>
+              <p:cNvPicPr>
+                <a:picLocks noChangeAspect="1"/>
+              </p:cNvPicPr>
+              <p:nvPr/>
+            </p:nvPicPr>
+            <p:blipFill>
+              <a:blip r:embed="rId6"/>
+              <a:stretch>
+                <a:fillRect/>
+              </a:stretch>
+            </p:blipFill>
+            <p:spPr>
+              <a:xfrm>
+                <a:off x="458097" y="5722015"/>
+                <a:ext cx="7067550" cy="571500"/>
+              </a:xfrm>
+              <a:prstGeom prst="rect">
+                <a:avLst/>
+              </a:prstGeom>
+              <a:ln w="12700">
+                <a:solidFill>
+                  <a:srgbClr val="FF0000"/>
+                </a:solidFill>
+              </a:ln>
+            </p:spPr>
+          </p:pic>
+          <p:sp>
+            <p:nvSpPr>
+              <p:cNvPr id="18" name="Textfeld 17">
+                <a:extLst>
+                  <a:ext uri="{FF2B5EF4-FFF2-40B4-BE49-F238E27FC236}">
+                    <a16:creationId xmlns:a16="http://schemas.microsoft.com/office/drawing/2014/main" id="{6BAF3CF4-A0F7-436C-8BDD-2ED0E61632DC}"/>
+                  </a:ext>
+                </a:extLst>
+              </p:cNvPr>
+              <p:cNvSpPr txBox="1"/>
+              <p:nvPr/>
+            </p:nvSpPr>
+            <p:spPr>
+              <a:xfrm>
+                <a:off x="452703" y="5403482"/>
+                <a:ext cx="1312269" cy="307777"/>
+              </a:xfrm>
+              <a:prstGeom prst="rect">
+                <a:avLst/>
+              </a:prstGeom>
+              <a:noFill/>
+              <a:ln w="12700">
+                <a:solidFill>
+                  <a:srgbClr val="FF0000"/>
+                </a:solidFill>
+              </a:ln>
+            </p:spPr>
+            <p:txBody>
+              <a:bodyPr wrap="square" rtlCol="0">
+                <a:spAutoFit/>
+              </a:bodyPr>
+              <a:lstStyle/>
+              <a:p>
+                <a:r>
+                  <a:rPr lang="de-DE" sz="1400" dirty="0"/>
+                  <a:t>Button</a:t>
+                </a:r>
+              </a:p>
+            </p:txBody>
+          </p:sp>
+        </p:grpSp>
+        <p:cxnSp>
+          <p:nvCxnSpPr>
+            <p:cNvPr id="39" name="Verbinder: gewinkelt 38">
+              <a:extLst>
+                <a:ext uri="{FF2B5EF4-FFF2-40B4-BE49-F238E27FC236}">
+                  <a16:creationId xmlns:a16="http://schemas.microsoft.com/office/drawing/2014/main" id="{C5769E33-EFAC-4E3C-B63D-87663E6A40A0}"/>
+                </a:ext>
+              </a:extLst>
+            </p:cNvPr>
+            <p:cNvCxnSpPr>
+              <a:cxnSpLocks/>
+              <a:stCxn id="40" idx="2"/>
+              <a:endCxn id="15" idx="0"/>
+            </p:cNvCxnSpPr>
+            <p:nvPr/>
+          </p:nvCxnSpPr>
+          <p:spPr>
+            <a:xfrm rot="5400000">
+              <a:off x="4992032" y="3466756"/>
+              <a:ext cx="1171339" cy="3171658"/>
+            </a:xfrm>
+            <a:prstGeom prst="bentConnector3">
+              <a:avLst>
+                <a:gd name="adj1" fmla="val 50000"/>
+              </a:avLst>
+            </a:prstGeom>
+            <a:ln w="19050">
+              <a:solidFill>
+                <a:srgbClr val="FF0000"/>
+              </a:solidFill>
+            </a:ln>
+          </p:spPr>
+          <p:style>
+            <a:lnRef idx="1">
+              <a:schemeClr val="accent1"/>
+            </a:lnRef>
+            <a:fillRef idx="0">
+              <a:schemeClr val="accent1"/>
+            </a:fillRef>
+            <a:effectRef idx="0">
+              <a:schemeClr val="accent1"/>
+            </a:effectRef>
+            <a:fontRef idx="minor">
+              <a:schemeClr val="tx1"/>
+            </a:fontRef>
+          </p:style>
+        </p:cxnSp>
+        <p:sp>
+          <p:nvSpPr>
+            <p:cNvPr id="40" name="Rechteck 39">
+              <a:extLst>
+                <a:ext uri="{FF2B5EF4-FFF2-40B4-BE49-F238E27FC236}">
+                  <a16:creationId xmlns:a16="http://schemas.microsoft.com/office/drawing/2014/main" id="{46DE7BC2-45AC-4FBA-98AD-23BBF973F3DB}"/>
+                </a:ext>
+              </a:extLst>
+            </p:cNvPr>
+            <p:cNvSpPr/>
+            <p:nvPr/>
+          </p:nvSpPr>
+          <p:spPr>
+            <a:xfrm>
+              <a:off x="6426045" y="4023966"/>
+              <a:ext cx="1474970" cy="442950"/>
+            </a:xfrm>
+            <a:prstGeom prst="rect">
+              <a:avLst/>
+            </a:prstGeom>
+            <a:noFill/>
+            <a:ln>
+              <a:solidFill>
+                <a:srgbClr val="FF0000"/>
+              </a:solidFill>
+            </a:ln>
+          </p:spPr>
+          <p:style>
+            <a:lnRef idx="2">
+              <a:schemeClr val="accent1">
+                <a:shade val="50000"/>
+              </a:schemeClr>
+            </a:lnRef>
+            <a:fillRef idx="1">
+              <a:schemeClr val="accent1"/>
+            </a:fillRef>
+            <a:effectRef idx="0">
+              <a:schemeClr val="accent1"/>
+            </a:effectRef>
+            <a:fontRef idx="minor">
+              <a:schemeClr val="lt1"/>
+            </a:fontRef>
+          </p:style>
+          <p:txBody>
+            <a:bodyPr rot="0" spcFirstLastPara="0" vertOverflow="overflow" horzOverflow="overflow" vert="horz" wrap="square" lIns="91440" tIns="45720" rIns="91440" bIns="45720" numCol="1" spcCol="0" rtlCol="0" fromWordArt="0" anchor="t" anchorCtr="0" forceAA="0" compatLnSpc="1">
+              <a:prstTxWarp prst="textNoShape">
+                <a:avLst/>
+              </a:prstTxWarp>
+              <a:noAutofit/>
+            </a:bodyPr>
+            <a:lstStyle/>
+            <a:p>
+              <a:pPr algn="l"/>
+              <a:endParaRPr lang="de-DE" dirty="0">
+                <a:solidFill>
+                  <a:schemeClr val="bg1"/>
+                </a:solidFill>
+              </a:endParaRPr>
+            </a:p>
+          </p:txBody>
+        </p:sp>
+      </p:grpSp>
+    </p:spTree>
+    <p:extLst>
+      <p:ext uri="{BB962C8B-B14F-4D97-AF65-F5344CB8AC3E}">
+        <p14:creationId xmlns:p14="http://schemas.microsoft.com/office/powerpoint/2010/main" val="2237458777"/>
+      </p:ext>
+    </p:extLst>
+  </p:cSld>
+  <p:clrMapOvr>
+    <a:masterClrMapping/>
+  </p:clrMapOvr>
+  <p:timing>
+    <p:tnLst>
+      <p:par>
+        <p:cTn id="1" dur="indefinite" restart="never" nodeType="tmRoot">
+          <p:childTnLst>
+            <p:seq concurrent="1" nextAc="seek">
+              <p:cTn id="2" dur="indefinite" nodeType="mainSeq">
+                <p:childTnLst>
+                  <p:par>
+                    <p:cTn id="3" fill="hold">
+                      <p:stCondLst>
+                        <p:cond delay="indefinite"/>
+                      </p:stCondLst>
+                      <p:childTnLst>
+                        <p:par>
+                          <p:cTn id="4" fill="hold">
+                            <p:stCondLst>
+                              <p:cond delay="0"/>
+                            </p:stCondLst>
+                            <p:childTnLst>
+                              <p:par>
+                                <p:cTn id="5" presetID="1" presetClass="entr" presetSubtype="0" fill="hold" nodeType="clickEffect">
+                                  <p:stCondLst>
+                                    <p:cond delay="0"/>
+                                  </p:stCondLst>
+                                  <p:childTnLst>
+                                    <p:set>
+                                      <p:cBhvr>
+                                        <p:cTn id="6" dur="1" fill="hold">
+                                          <p:stCondLst>
+                                            <p:cond delay="0"/>
+                                          </p:stCondLst>
+                                        </p:cTn>
+                                        <p:tgtEl>
+                                          <p:spTgt spid="7"/>
+                                        </p:tgtEl>
+                                        <p:attrNameLst>
+                                          <p:attrName>style.visibility</p:attrName>
+                                        </p:attrNameLst>
+                                      </p:cBhvr>
+                                      <p:to>
+                                        <p:strVal val="visible"/>
+                                      </p:to>
+                                    </p:set>
+                                  </p:childTnLst>
+                                </p:cTn>
+                              </p:par>
+                            </p:childTnLst>
+                          </p:cTn>
+                        </p:par>
+                      </p:childTnLst>
+                    </p:cTn>
+                  </p:par>
+                  <p:par>
+                    <p:cTn id="7" fill="hold">
+                      <p:stCondLst>
+                        <p:cond delay="indefinite"/>
+                      </p:stCondLst>
+                      <p:childTnLst>
+                        <p:par>
+                          <p:cTn id="8" fill="hold">
+                            <p:stCondLst>
+                              <p:cond delay="0"/>
+                            </p:stCondLst>
+                            <p:childTnLst>
+                              <p:par>
+                                <p:cTn id="9" presetID="1" presetClass="entr" presetSubtype="0" fill="hold" nodeType="clickEffect">
+                                  <p:stCondLst>
+                                    <p:cond delay="0"/>
+                                  </p:stCondLst>
+                                  <p:childTnLst>
+                                    <p:set>
+                                      <p:cBhvr>
+                                        <p:cTn id="10" dur="1" fill="hold">
+                                          <p:stCondLst>
+                                            <p:cond delay="0"/>
+                                          </p:stCondLst>
+                                        </p:cTn>
+                                        <p:tgtEl>
+                                          <p:spTgt spid="44"/>
+                                        </p:tgtEl>
+                                        <p:attrNameLst>
+                                          <p:attrName>style.visibility</p:attrName>
+                                        </p:attrNameLst>
+                                      </p:cBhvr>
+                                      <p:to>
+                                        <p:strVal val="visible"/>
+                                      </p:to>
+                                    </p:set>
+                                  </p:childTnLst>
+                                </p:cTn>
+                              </p:par>
+                            </p:childTnLst>
+                          </p:cTn>
+                        </p:par>
+                      </p:childTnLst>
+                    </p:cTn>
+                  </p:par>
+                  <p:par>
+                    <p:cTn id="11" fill="hold">
+                      <p:stCondLst>
+                        <p:cond delay="indefinite"/>
+                      </p:stCondLst>
+                      <p:childTnLst>
+                        <p:par>
+                          <p:cTn id="12" fill="hold">
+                            <p:stCondLst>
+                              <p:cond delay="0"/>
+                            </p:stCondLst>
+                            <p:childTnLst>
+                              <p:par>
+                                <p:cTn id="13" presetID="1" presetClass="entr" presetSubtype="0" fill="hold" nodeType="clickEffect">
+                                  <p:stCondLst>
+                                    <p:cond delay="0"/>
+                                  </p:stCondLst>
+                                  <p:childTnLst>
+                                    <p:set>
+                                      <p:cBhvr>
+                                        <p:cTn id="14" dur="1" fill="hold">
+                                          <p:stCondLst>
+                                            <p:cond delay="0"/>
+                                          </p:stCondLst>
+                                        </p:cTn>
+                                        <p:tgtEl>
+                                          <p:spTgt spid="48"/>
+                                        </p:tgtEl>
+                                        <p:attrNameLst>
+                                          <p:attrName>style.visibility</p:attrName>
+                                        </p:attrNameLst>
+                                      </p:cBhvr>
+                                      <p:to>
+                                        <p:strVal val="visible"/>
+                                      </p:to>
+                                    </p:set>
+                                  </p:childTnLst>
+                                </p:cTn>
+                              </p:par>
+                            </p:childTnLst>
+                          </p:cTn>
+                        </p:par>
+                      </p:childTnLst>
+                    </p:cTn>
+                  </p:par>
+                  <p:par>
+                    <p:cTn id="15" fill="hold">
+                      <p:stCondLst>
+                        <p:cond delay="indefinite"/>
+                      </p:stCondLst>
+                      <p:childTnLst>
+                        <p:par>
+                          <p:cTn id="16" fill="hold">
+                            <p:stCondLst>
+                              <p:cond delay="0"/>
+                            </p:stCondLst>
+                            <p:childTnLst>
+                              <p:par>
+                                <p:cTn id="17" presetID="1" presetClass="entr" presetSubtype="0" fill="hold" nodeType="clickEffect">
+                                  <p:stCondLst>
+                                    <p:cond delay="0"/>
+                                  </p:stCondLst>
+                                  <p:childTnLst>
+                                    <p:set>
+                                      <p:cBhvr>
+                                        <p:cTn id="18" dur="1" fill="hold">
+                                          <p:stCondLst>
+                                            <p:cond delay="0"/>
+                                          </p:stCondLst>
+                                        </p:cTn>
+                                        <p:tgtEl>
+                                          <p:spTgt spid="49"/>
+                                        </p:tgtEl>
+                                        <p:attrNameLst>
+                                          <p:attrName>style.visibility</p:attrName>
+                                        </p:attrNameLst>
+                                      </p:cBhvr>
+                                      <p:to>
+                                        <p:strVal val="visible"/>
+                                      </p:to>
+                                    </p:set>
+                                  </p:childTnLst>
+                                </p:cTn>
+                              </p:par>
+                            </p:childTnLst>
+                          </p:cTn>
+                        </p:par>
+                      </p:childTnLst>
+                    </p:cTn>
+                  </p:par>
+                </p:childTnLst>
+              </p:cTn>
+              <p:prevCondLst>
+                <p:cond evt="onPrev" delay="0">
+                  <p:tgtEl>
+                    <p:sldTgt/>
+                  </p:tgtEl>
+                </p:cond>
+              </p:prevCondLst>
+              <p:nextCondLst>
+                <p:cond evt="onNext" delay="0">
+                  <p:tgtEl>
+                    <p:sldTgt/>
+                  </p:tgtEl>
+                </p:cond>
+              </p:nextCondLst>
+            </p:seq>
+          </p:childTnLst>
+        </p:cTn>
+      </p:par>
+    </p:tnLst>
+  </p:timing>
+</p:sld>
+</file>
+
+<file path=ppt/slides/slide12.xml><?xml version="1.0" encoding="utf-8"?>
+<p:sld xmlns:a="http://schemas.openxmlformats.org/drawingml/2006/main" xmlns:r="http://schemas.openxmlformats.org/officeDocument/2006/relationships" xmlns:p="http://schemas.openxmlformats.org/presentationml/2006/main">
+  <p:cSld>
+    <p:spTree>
+      <p:nvGrpSpPr>
+        <p:cNvPr id="1" name=""/>
+        <p:cNvGrpSpPr/>
+        <p:nvPr/>
+      </p:nvGrpSpPr>
+      <p:grpSpPr>
+        <a:xfrm>
+          <a:off x="0" y="0"/>
+          <a:ext cx="0" cy="0"/>
+          <a:chOff x="0" y="0"/>
+          <a:chExt cx="0" cy="0"/>
+        </a:xfrm>
+      </p:grpSpPr>
+      <p:sp>
+        <p:nvSpPr>
+          <p:cNvPr id="2" name="Titel 1"/>
+          <p:cNvSpPr>
+            <a:spLocks noGrp="1"/>
+          </p:cNvSpPr>
+          <p:nvPr>
+            <p:ph type="title"/>
+          </p:nvPr>
+        </p:nvSpPr>
+        <p:spPr/>
+        <p:txBody>
+          <a:bodyPr>
+            <a:normAutofit/>
+          </a:bodyPr>
+          <a:lstStyle/>
+          <a:p>
+            <a:r>
+              <a:rPr lang="en-US" dirty="0"/>
+              <a:t>R-Analysis</a:t>
+            </a:r>
+            <a:endParaRPr lang="de-DE" dirty="0"/>
+          </a:p>
+        </p:txBody>
+      </p:sp>
+      <p:sp>
+        <p:nvSpPr>
+          <p:cNvPr id="4" name="Datumsplatzhalter 3"/>
+          <p:cNvSpPr>
+            <a:spLocks noGrp="1"/>
+          </p:cNvSpPr>
+          <p:nvPr>
+            <p:ph type="dt" sz="half" idx="14"/>
+          </p:nvPr>
+        </p:nvSpPr>
+        <p:spPr/>
+        <p:txBody>
+          <a:bodyPr/>
+          <a:lstStyle/>
+          <a:p>
+            <a:r>
+              <a:rPr lang="en-US" sz="1000"/>
+              <a:t>27.01.2021</a:t>
+            </a:r>
+            <a:endParaRPr lang="de-DE" dirty="0"/>
+          </a:p>
+        </p:txBody>
+      </p:sp>
+      <p:sp>
+        <p:nvSpPr>
+          <p:cNvPr id="3" name="Fußzeilenplatzhalter 2">
+            <a:extLst>
+              <a:ext uri="{FF2B5EF4-FFF2-40B4-BE49-F238E27FC236}">
+                <a16:creationId xmlns:a16="http://schemas.microsoft.com/office/drawing/2014/main" id="{B98E6ED0-F096-43AE-9AE1-5BB56958451C}"/>
+              </a:ext>
+            </a:extLst>
+          </p:cNvPr>
+          <p:cNvSpPr>
+            <a:spLocks noGrp="1"/>
+          </p:cNvSpPr>
+          <p:nvPr>
+            <p:ph type="ftr" sz="quarter" idx="15"/>
+          </p:nvPr>
+        </p:nvSpPr>
+        <p:spPr/>
+        <p:txBody>
+          <a:bodyPr/>
+          <a:lstStyle/>
+          <a:p>
+            <a:r>
+              <a:rPr lang="de-DE"/>
+              <a:t>Business Analytics Semesterprojekt</a:t>
+            </a:r>
+            <a:endParaRPr lang="de-DE" dirty="0"/>
+          </a:p>
+        </p:txBody>
+      </p:sp>
+      <p:sp>
+        <p:nvSpPr>
+          <p:cNvPr id="5" name="Foliennummernplatzhalter 4"/>
+          <p:cNvSpPr>
+            <a:spLocks noGrp="1"/>
+          </p:cNvSpPr>
+          <p:nvPr>
+            <p:ph type="sldNum" sz="quarter" idx="16"/>
+          </p:nvPr>
+        </p:nvSpPr>
+        <p:spPr/>
+        <p:txBody>
+          <a:bodyPr/>
+          <a:lstStyle/>
+          <a:p>
+            <a:fld id="{129916D8-1490-4DD4-88F6-5306CFA90256}" type="slidenum">
+              <a:rPr lang="de-DE" sz="1000" smtClean="0"/>
+              <a:t>12</a:t>
+            </a:fld>
+            <a:endParaRPr lang="de-DE" sz="1000" dirty="0"/>
+          </a:p>
+        </p:txBody>
+      </p:sp>
+      <p:sp>
+        <p:nvSpPr>
+          <p:cNvPr id="22" name="Inhaltsplatzhalter 6">
+            <a:extLst>
+              <a:ext uri="{FF2B5EF4-FFF2-40B4-BE49-F238E27FC236}">
+                <a16:creationId xmlns:a16="http://schemas.microsoft.com/office/drawing/2014/main" id="{7EFCD99F-2A43-45C0-A91C-E8C845D74599}"/>
+              </a:ext>
+            </a:extLst>
+          </p:cNvPr>
+          <p:cNvSpPr txBox="1">
+            <a:spLocks/>
+          </p:cNvSpPr>
+          <p:nvPr/>
+        </p:nvSpPr>
+        <p:spPr>
+          <a:xfrm>
+            <a:off x="491836" y="1690619"/>
+            <a:ext cx="11509037" cy="4408873"/>
+          </a:xfrm>
+          <a:prstGeom prst="rect">
+            <a:avLst/>
+          </a:prstGeom>
+        </p:spPr>
+        <p:txBody>
+          <a:bodyPr>
+            <a:normAutofit/>
+          </a:bodyPr>
+          <a:lstStyle>
+            <a:lvl1pPr marL="361950" indent="-361950" algn="l" defTabSz="914400" rtl="0" eaLnBrk="1" latinLnBrk="0" hangingPunct="1">
+              <a:lnSpc>
+                <a:spcPct val="100000"/>
+              </a:lnSpc>
+              <a:spcBef>
+                <a:spcPts val="1000"/>
+              </a:spcBef>
+              <a:buClr>
+                <a:schemeClr val="accent1"/>
+              </a:buClr>
+              <a:buSzPct val="80000"/>
+              <a:buFont typeface="Arial" panose="020B0604020202020204" pitchFamily="34" charset="0"/>
+              <a:buChar char="●"/>
+              <a:defRPr sz="2000" kern="1200">
+                <a:solidFill>
+                  <a:schemeClr val="tx1"/>
+                </a:solidFill>
+                <a:latin typeface="+mn-lt"/>
+                <a:ea typeface="+mn-ea"/>
+                <a:cs typeface="+mn-cs"/>
+              </a:defRPr>
+            </a:lvl1pPr>
+            <a:lvl2pPr marL="717550" indent="-266700" algn="l" defTabSz="914400" rtl="0" eaLnBrk="1" latinLnBrk="0" hangingPunct="1">
+              <a:lnSpc>
+                <a:spcPct val="90000"/>
+              </a:lnSpc>
+              <a:spcBef>
+                <a:spcPts val="500"/>
+              </a:spcBef>
+              <a:buClr>
+                <a:schemeClr val="accent1"/>
+              </a:buClr>
+              <a:buSzPct val="90000"/>
+              <a:buFont typeface="Wingdings" panose="05000000000000000000" pitchFamily="2" charset="2"/>
+              <a:buChar char="§"/>
+              <a:defRPr sz="1800" kern="1200">
+                <a:solidFill>
+                  <a:schemeClr val="tx1"/>
+                </a:solidFill>
+                <a:latin typeface="+mn-lt"/>
+                <a:ea typeface="+mn-ea"/>
+                <a:cs typeface="+mn-cs"/>
+              </a:defRPr>
+            </a:lvl2pPr>
+            <a:lvl3pPr marL="1079500" indent="-273050" algn="l" defTabSz="914400" rtl="0" eaLnBrk="1" latinLnBrk="0" hangingPunct="1">
+              <a:lnSpc>
+                <a:spcPct val="90000"/>
+              </a:lnSpc>
+              <a:spcBef>
+                <a:spcPts val="500"/>
+              </a:spcBef>
+              <a:buClr>
+                <a:schemeClr val="accent1"/>
+              </a:buClr>
+              <a:buFont typeface="Arial" panose="020B0604020202020204" pitchFamily="34" charset="0"/>
+              <a:buChar char="•"/>
+              <a:defRPr sz="1600" kern="1200">
+                <a:solidFill>
+                  <a:schemeClr val="tx1"/>
+                </a:solidFill>
+                <a:latin typeface="+mn-lt"/>
+                <a:ea typeface="+mn-ea"/>
+                <a:cs typeface="+mn-cs"/>
+              </a:defRPr>
+            </a:lvl3pPr>
+            <a:lvl4pPr marL="1435100" indent="-266700" algn="l" defTabSz="914400" rtl="0" eaLnBrk="1" latinLnBrk="0" hangingPunct="1">
+              <a:lnSpc>
+                <a:spcPct val="90000"/>
+              </a:lnSpc>
+              <a:spcBef>
+                <a:spcPts val="500"/>
+              </a:spcBef>
+              <a:buClr>
+                <a:schemeClr val="accent1"/>
+              </a:buClr>
+              <a:buSzPct val="100000"/>
+              <a:buFont typeface="Arial" panose="020B0604020202020204" pitchFamily="34" charset="0"/>
+              <a:buChar char="–"/>
+              <a:defRPr sz="1400" kern="1200">
+                <a:solidFill>
+                  <a:schemeClr val="tx1"/>
+                </a:solidFill>
+                <a:latin typeface="+mn-lt"/>
+                <a:ea typeface="+mn-ea"/>
+                <a:cs typeface="+mn-cs"/>
+              </a:defRPr>
+            </a:lvl4pPr>
+            <a:lvl5pPr marL="1797050" indent="-273050" algn="l" defTabSz="914400" rtl="0" eaLnBrk="1" latinLnBrk="0" hangingPunct="1">
+              <a:lnSpc>
+                <a:spcPct val="90000"/>
+              </a:lnSpc>
+              <a:spcBef>
+                <a:spcPts val="500"/>
+              </a:spcBef>
+              <a:buClr>
+                <a:schemeClr val="accent1"/>
+              </a:buClr>
+              <a:buFont typeface="Arial" panose="020B0604020202020204" pitchFamily="34" charset="0"/>
+              <a:buChar char="»"/>
+              <a:defRPr sz="1200" kern="1200">
+                <a:solidFill>
+                  <a:schemeClr val="tx1"/>
+                </a:solidFill>
+                <a:latin typeface="+mn-lt"/>
+                <a:ea typeface="+mn-ea"/>
+                <a:cs typeface="+mn-cs"/>
+              </a:defRPr>
+            </a:lvl5pPr>
+            <a:lvl6pPr marL="2514600" indent="-228600" algn="l" defTabSz="914400" rtl="0" eaLnBrk="1" latinLnBrk="0" hangingPunct="1">
+              <a:lnSpc>
+                <a:spcPct val="90000"/>
+              </a:lnSpc>
+              <a:spcBef>
+                <a:spcPts val="500"/>
+              </a:spcBef>
+              <a:buFont typeface="Arial" panose="020B0604020202020204" pitchFamily="34" charset="0"/>
+              <a:buChar char="•"/>
+              <a:defRPr sz="1800" kern="1200">
+                <a:solidFill>
+                  <a:schemeClr val="tx1"/>
+                </a:solidFill>
+                <a:latin typeface="+mn-lt"/>
+                <a:ea typeface="+mn-ea"/>
+                <a:cs typeface="+mn-cs"/>
+              </a:defRPr>
+            </a:lvl6pPr>
+            <a:lvl7pPr marL="2971800" indent="-228600" algn="l" defTabSz="914400" rtl="0" eaLnBrk="1" latinLnBrk="0" hangingPunct="1">
+              <a:lnSpc>
+                <a:spcPct val="90000"/>
+              </a:lnSpc>
+              <a:spcBef>
+                <a:spcPts val="500"/>
+              </a:spcBef>
+              <a:buFont typeface="Arial" panose="020B0604020202020204" pitchFamily="34" charset="0"/>
+              <a:buChar char="•"/>
+              <a:defRPr sz="1800" kern="1200">
+                <a:solidFill>
+                  <a:schemeClr val="tx1"/>
+                </a:solidFill>
+                <a:latin typeface="+mn-lt"/>
+                <a:ea typeface="+mn-ea"/>
+                <a:cs typeface="+mn-cs"/>
+              </a:defRPr>
+            </a:lvl7pPr>
+            <a:lvl8pPr marL="3429000" indent="-228600" algn="l" defTabSz="914400" rtl="0" eaLnBrk="1" latinLnBrk="0" hangingPunct="1">
+              <a:lnSpc>
+                <a:spcPct val="90000"/>
+              </a:lnSpc>
+              <a:spcBef>
+                <a:spcPts val="500"/>
+              </a:spcBef>
+              <a:buFont typeface="Arial" panose="020B0604020202020204" pitchFamily="34" charset="0"/>
+              <a:buChar char="•"/>
+              <a:defRPr sz="1800" kern="1200">
+                <a:solidFill>
+                  <a:schemeClr val="tx1"/>
+                </a:solidFill>
+                <a:latin typeface="+mn-lt"/>
+                <a:ea typeface="+mn-ea"/>
+                <a:cs typeface="+mn-cs"/>
+              </a:defRPr>
+            </a:lvl8pPr>
+            <a:lvl9pPr marL="3886200" indent="-228600" algn="l" defTabSz="914400" rtl="0" eaLnBrk="1" latinLnBrk="0" hangingPunct="1">
+              <a:lnSpc>
+                <a:spcPct val="90000"/>
+              </a:lnSpc>
+              <a:spcBef>
+                <a:spcPts val="500"/>
+              </a:spcBef>
+              <a:buFont typeface="Arial" panose="020B0604020202020204" pitchFamily="34" charset="0"/>
+              <a:buChar char="•"/>
+              <a:defRPr sz="1800" kern="1200">
+                <a:solidFill>
+                  <a:schemeClr val="tx1"/>
+                </a:solidFill>
+                <a:latin typeface="+mn-lt"/>
+                <a:ea typeface="+mn-ea"/>
+                <a:cs typeface="+mn-cs"/>
+              </a:defRPr>
+            </a:lvl9pPr>
+          </a:lstStyle>
+          <a:p>
+            <a:endParaRPr lang="de-DE" dirty="0"/>
+          </a:p>
+        </p:txBody>
+      </p:sp>
+      <p:sp>
+        <p:nvSpPr>
+          <p:cNvPr id="13" name="Inhaltsplatzhalter 2">
+            <a:extLst>
+              <a:ext uri="{FF2B5EF4-FFF2-40B4-BE49-F238E27FC236}">
+                <a16:creationId xmlns:a16="http://schemas.microsoft.com/office/drawing/2014/main" id="{414280F0-3F2B-4334-96B8-2135EEEEAB60}"/>
+              </a:ext>
+            </a:extLst>
+          </p:cNvPr>
+          <p:cNvSpPr txBox="1">
+            <a:spLocks/>
+          </p:cNvSpPr>
+          <p:nvPr/>
+        </p:nvSpPr>
+        <p:spPr>
+          <a:xfrm>
+            <a:off x="838200" y="1825625"/>
+            <a:ext cx="10515600" cy="4351338"/>
+          </a:xfrm>
+          <a:prstGeom prst="rect">
+            <a:avLst/>
+          </a:prstGeom>
+        </p:spPr>
+        <p:txBody>
+          <a:bodyPr>
+            <a:normAutofit/>
+          </a:bodyPr>
+          <a:lstStyle>
+            <a:lvl1pPr marL="228600" indent="-228600" algn="l" defTabSz="914400" rtl="0" eaLnBrk="1" latinLnBrk="0" hangingPunct="1">
+              <a:lnSpc>
+                <a:spcPct val="90000"/>
+              </a:lnSpc>
+              <a:spcBef>
+                <a:spcPts val="1000"/>
+              </a:spcBef>
+              <a:buFont typeface="Arial" panose="020B0604020202020204" pitchFamily="34" charset="0"/>
+              <a:buChar char="•"/>
+              <a:defRPr sz="2800" kern="1200">
+                <a:solidFill>
+                  <a:schemeClr val="tx1"/>
+                </a:solidFill>
+                <a:latin typeface="+mn-lt"/>
+                <a:ea typeface="+mn-ea"/>
+                <a:cs typeface="+mn-cs"/>
+              </a:defRPr>
+            </a:lvl1pPr>
+            <a:lvl2pPr marL="685800" indent="-228600" algn="l" defTabSz="914400" rtl="0" eaLnBrk="1" latinLnBrk="0" hangingPunct="1">
+              <a:lnSpc>
+                <a:spcPct val="90000"/>
+              </a:lnSpc>
+              <a:spcBef>
+                <a:spcPts val="500"/>
+              </a:spcBef>
+              <a:buFont typeface="Arial" panose="020B0604020202020204" pitchFamily="34" charset="0"/>
+              <a:buChar char="•"/>
+              <a:defRPr sz="2400" kern="1200">
+                <a:solidFill>
+                  <a:schemeClr val="tx1"/>
+                </a:solidFill>
+                <a:latin typeface="+mn-lt"/>
+                <a:ea typeface="+mn-ea"/>
+                <a:cs typeface="+mn-cs"/>
+              </a:defRPr>
+            </a:lvl2pPr>
+            <a:lvl3pPr marL="1143000" indent="-228600" algn="l" defTabSz="914400" rtl="0" eaLnBrk="1" latinLnBrk="0" hangingPunct="1">
+              <a:lnSpc>
+                <a:spcPct val="90000"/>
+              </a:lnSpc>
+              <a:spcBef>
+                <a:spcPts val="500"/>
+              </a:spcBef>
+              <a:buFont typeface="Arial" panose="020B0604020202020204" pitchFamily="34" charset="0"/>
+              <a:buChar char="•"/>
+              <a:defRPr sz="2000" kern="1200">
+                <a:solidFill>
+                  <a:schemeClr val="tx1"/>
+                </a:solidFill>
+                <a:latin typeface="+mn-lt"/>
+                <a:ea typeface="+mn-ea"/>
+                <a:cs typeface="+mn-cs"/>
+              </a:defRPr>
+            </a:lvl3pPr>
+            <a:lvl4pPr marL="1600200" indent="-228600" algn="l" defTabSz="914400" rtl="0" eaLnBrk="1" latinLnBrk="0" hangingPunct="1">
+              <a:lnSpc>
+                <a:spcPct val="90000"/>
+              </a:lnSpc>
+              <a:spcBef>
+                <a:spcPts val="500"/>
+              </a:spcBef>
+              <a:buFont typeface="Arial" panose="020B0604020202020204" pitchFamily="34" charset="0"/>
+              <a:buChar char="•"/>
+              <a:defRPr sz="1800" kern="1200">
+                <a:solidFill>
+                  <a:schemeClr val="tx1"/>
+                </a:solidFill>
+                <a:latin typeface="+mn-lt"/>
+                <a:ea typeface="+mn-ea"/>
+                <a:cs typeface="+mn-cs"/>
+              </a:defRPr>
+            </a:lvl4pPr>
+            <a:lvl5pPr marL="2057400" indent="-228600" algn="l" defTabSz="914400" rtl="0" eaLnBrk="1" latinLnBrk="0" hangingPunct="1">
+              <a:lnSpc>
+                <a:spcPct val="90000"/>
+              </a:lnSpc>
+              <a:spcBef>
+                <a:spcPts val="500"/>
+              </a:spcBef>
+              <a:buFont typeface="Arial" panose="020B0604020202020204" pitchFamily="34" charset="0"/>
+              <a:buChar char="•"/>
+              <a:defRPr sz="1800" kern="1200">
+                <a:solidFill>
+                  <a:schemeClr val="tx1"/>
+                </a:solidFill>
+                <a:latin typeface="+mn-lt"/>
+                <a:ea typeface="+mn-ea"/>
+                <a:cs typeface="+mn-cs"/>
+              </a:defRPr>
+            </a:lvl5pPr>
+            <a:lvl6pPr marL="2514600" indent="-228600" algn="l" defTabSz="914400" rtl="0" eaLnBrk="1" latinLnBrk="0" hangingPunct="1">
+              <a:lnSpc>
+                <a:spcPct val="90000"/>
+              </a:lnSpc>
+              <a:spcBef>
+                <a:spcPts val="500"/>
+              </a:spcBef>
+              <a:buFont typeface="Arial" panose="020B0604020202020204" pitchFamily="34" charset="0"/>
+              <a:buChar char="•"/>
+              <a:defRPr sz="1800" kern="1200">
+                <a:solidFill>
+                  <a:schemeClr val="tx1"/>
+                </a:solidFill>
+                <a:latin typeface="+mn-lt"/>
+                <a:ea typeface="+mn-ea"/>
+                <a:cs typeface="+mn-cs"/>
+              </a:defRPr>
+            </a:lvl6pPr>
+            <a:lvl7pPr marL="2971800" indent="-228600" algn="l" defTabSz="914400" rtl="0" eaLnBrk="1" latinLnBrk="0" hangingPunct="1">
+              <a:lnSpc>
+                <a:spcPct val="90000"/>
+              </a:lnSpc>
+              <a:spcBef>
+                <a:spcPts val="500"/>
+              </a:spcBef>
+              <a:buFont typeface="Arial" panose="020B0604020202020204" pitchFamily="34" charset="0"/>
+              <a:buChar char="•"/>
+              <a:defRPr sz="1800" kern="1200">
+                <a:solidFill>
+                  <a:schemeClr val="tx1"/>
+                </a:solidFill>
+                <a:latin typeface="+mn-lt"/>
+                <a:ea typeface="+mn-ea"/>
+                <a:cs typeface="+mn-cs"/>
+              </a:defRPr>
+            </a:lvl7pPr>
+            <a:lvl8pPr marL="3429000" indent="-228600" algn="l" defTabSz="914400" rtl="0" eaLnBrk="1" latinLnBrk="0" hangingPunct="1">
+              <a:lnSpc>
+                <a:spcPct val="90000"/>
+              </a:lnSpc>
+              <a:spcBef>
+                <a:spcPts val="500"/>
+              </a:spcBef>
+              <a:buFont typeface="Arial" panose="020B0604020202020204" pitchFamily="34" charset="0"/>
+              <a:buChar char="•"/>
+              <a:defRPr sz="1800" kern="1200">
+                <a:solidFill>
+                  <a:schemeClr val="tx1"/>
+                </a:solidFill>
+                <a:latin typeface="+mn-lt"/>
+                <a:ea typeface="+mn-ea"/>
+                <a:cs typeface="+mn-cs"/>
+              </a:defRPr>
+            </a:lvl8pPr>
+            <a:lvl9pPr marL="3886200" indent="-228600" algn="l" defTabSz="914400" rtl="0" eaLnBrk="1" latinLnBrk="0" hangingPunct="1">
+              <a:lnSpc>
+                <a:spcPct val="90000"/>
+              </a:lnSpc>
+              <a:spcBef>
+                <a:spcPts val="500"/>
+              </a:spcBef>
+              <a:buFont typeface="Arial" panose="020B0604020202020204" pitchFamily="34" charset="0"/>
+              <a:buChar char="•"/>
+              <a:defRPr sz="1800" kern="1200">
+                <a:solidFill>
+                  <a:schemeClr val="tx1"/>
+                </a:solidFill>
+                <a:latin typeface="+mn-lt"/>
+                <a:ea typeface="+mn-ea"/>
+                <a:cs typeface="+mn-cs"/>
+              </a:defRPr>
+            </a:lvl9pPr>
+          </a:lstStyle>
+          <a:p>
+            <a:r>
+              <a:rPr lang="de-DE" sz="2000"/>
+              <a:t>Libraries: Rpostgres, rlist, ggplot</a:t>
+            </a:r>
+          </a:p>
+          <a:p>
+            <a:r>
+              <a:rPr lang="de-DE" sz="2000"/>
+              <a:t>Aufbau der Verbindung, dann Datenabfrage mit SQL, in Teilen Berechnungen in R</a:t>
+            </a:r>
+            <a:endParaRPr lang="de-DE" sz="2000" dirty="0"/>
+          </a:p>
+        </p:txBody>
+      </p:sp>
+      <p:pic>
+        <p:nvPicPr>
+          <p:cNvPr id="14" name="Grafik 13">
+            <a:extLst>
+              <a:ext uri="{FF2B5EF4-FFF2-40B4-BE49-F238E27FC236}">
+                <a16:creationId xmlns:a16="http://schemas.microsoft.com/office/drawing/2014/main" id="{0EBE6994-CE28-4AAC-99C0-D9703A1D9376}"/>
+              </a:ext>
+            </a:extLst>
+          </p:cNvPr>
+          <p:cNvPicPr>
+            <a:picLocks noChangeAspect="1"/>
+          </p:cNvPicPr>
+          <p:nvPr/>
+        </p:nvPicPr>
+        <p:blipFill>
+          <a:blip r:embed="rId2"/>
+          <a:stretch>
+            <a:fillRect/>
+          </a:stretch>
+        </p:blipFill>
+        <p:spPr>
+          <a:xfrm>
+            <a:off x="4166507" y="3147428"/>
+            <a:ext cx="3467100" cy="1533525"/>
+          </a:xfrm>
+          <a:prstGeom prst="rect">
+            <a:avLst/>
+          </a:prstGeom>
+        </p:spPr>
+      </p:pic>
+    </p:spTree>
+    <p:extLst>
+      <p:ext uri="{BB962C8B-B14F-4D97-AF65-F5344CB8AC3E}">
+        <p14:creationId xmlns:p14="http://schemas.microsoft.com/office/powerpoint/2010/main" val="1546627203"/>
+      </p:ext>
+    </p:extLst>
+  </p:cSld>
+  <p:clrMapOvr>
+    <a:masterClrMapping/>
+  </p:clrMapOvr>
+  <mc:AlternateContent xmlns:mc="http://schemas.openxmlformats.org/markup-compatibility/2006" xmlns:p14="http://schemas.microsoft.com/office/powerpoint/2010/main">
+    <mc:Choice Requires="p14">
+      <p:transition spd="slow" p14:dur="2000" advTm="35373"/>
+    </mc:Choice>
+    <mc:Fallback xmlns="">
+      <p:transition spd="slow" advTm="35373"/>
+    </mc:Fallback>
+  </mc:AlternateContent>
+</p:sld>
+</file>
+
+<file path=ppt/slides/slide13.xml><?xml version="1.0" encoding="utf-8"?>
+<p:sld xmlns:a="http://schemas.openxmlformats.org/drawingml/2006/main" xmlns:r="http://schemas.openxmlformats.org/officeDocument/2006/relationships" xmlns:p="http://schemas.openxmlformats.org/presentationml/2006/main">
+  <p:cSld>
+    <p:spTree>
+      <p:nvGrpSpPr>
+        <p:cNvPr id="1" name=""/>
+        <p:cNvGrpSpPr/>
+        <p:nvPr/>
+      </p:nvGrpSpPr>
+      <p:grpSpPr>
+        <a:xfrm>
+          <a:off x="0" y="0"/>
+          <a:ext cx="0" cy="0"/>
+          <a:chOff x="0" y="0"/>
+          <a:chExt cx="0" cy="0"/>
+        </a:xfrm>
+      </p:grpSpPr>
+      <p:sp>
+        <p:nvSpPr>
+          <p:cNvPr id="2" name="Titel 1"/>
+          <p:cNvSpPr>
+            <a:spLocks noGrp="1"/>
+          </p:cNvSpPr>
+          <p:nvPr>
+            <p:ph type="title"/>
+          </p:nvPr>
+        </p:nvSpPr>
+        <p:spPr/>
+        <p:txBody>
+          <a:bodyPr>
+            <a:normAutofit/>
+          </a:bodyPr>
+          <a:lstStyle/>
+          <a:p>
+            <a:r>
+              <a:rPr lang="en-US" dirty="0"/>
+              <a:t>R-Analysis</a:t>
+            </a:r>
+            <a:endParaRPr lang="de-DE" dirty="0"/>
+          </a:p>
+        </p:txBody>
+      </p:sp>
+      <p:sp>
+        <p:nvSpPr>
+          <p:cNvPr id="4" name="Datumsplatzhalter 3"/>
+          <p:cNvSpPr>
+            <a:spLocks noGrp="1"/>
+          </p:cNvSpPr>
+          <p:nvPr>
+            <p:ph type="dt" sz="half" idx="14"/>
+          </p:nvPr>
+        </p:nvSpPr>
+        <p:spPr/>
+        <p:txBody>
+          <a:bodyPr/>
+          <a:lstStyle/>
+          <a:p>
+            <a:r>
+              <a:rPr lang="en-US" sz="1000"/>
+              <a:t>27.01.2021</a:t>
+            </a:r>
+            <a:endParaRPr lang="de-DE" dirty="0"/>
+          </a:p>
+        </p:txBody>
+      </p:sp>
+      <p:sp>
+        <p:nvSpPr>
+          <p:cNvPr id="3" name="Fußzeilenplatzhalter 2">
+            <a:extLst>
+              <a:ext uri="{FF2B5EF4-FFF2-40B4-BE49-F238E27FC236}">
+                <a16:creationId xmlns:a16="http://schemas.microsoft.com/office/drawing/2014/main" id="{B98E6ED0-F096-43AE-9AE1-5BB56958451C}"/>
+              </a:ext>
+            </a:extLst>
+          </p:cNvPr>
+          <p:cNvSpPr>
+            <a:spLocks noGrp="1"/>
+          </p:cNvSpPr>
+          <p:nvPr>
+            <p:ph type="ftr" sz="quarter" idx="15"/>
+          </p:nvPr>
+        </p:nvSpPr>
+        <p:spPr/>
+        <p:txBody>
+          <a:bodyPr/>
+          <a:lstStyle/>
+          <a:p>
+            <a:r>
+              <a:rPr lang="de-DE"/>
+              <a:t>Business Analytics Semesterprojekt</a:t>
+            </a:r>
+            <a:endParaRPr lang="de-DE" dirty="0"/>
+          </a:p>
+        </p:txBody>
+      </p:sp>
+      <p:sp>
+        <p:nvSpPr>
+          <p:cNvPr id="5" name="Foliennummernplatzhalter 4"/>
+          <p:cNvSpPr>
+            <a:spLocks noGrp="1"/>
+          </p:cNvSpPr>
+          <p:nvPr>
+            <p:ph type="sldNum" sz="quarter" idx="16"/>
+          </p:nvPr>
+        </p:nvSpPr>
+        <p:spPr/>
+        <p:txBody>
+          <a:bodyPr/>
+          <a:lstStyle/>
+          <a:p>
+            <a:fld id="{129916D8-1490-4DD4-88F6-5306CFA90256}" type="slidenum">
+              <a:rPr lang="de-DE" sz="1000" smtClean="0"/>
+              <a:t>13</a:t>
+            </a:fld>
+            <a:endParaRPr lang="de-DE" sz="1000" dirty="0"/>
+          </a:p>
+        </p:txBody>
+      </p:sp>
+      <p:sp>
+        <p:nvSpPr>
+          <p:cNvPr id="9" name="Inhaltsplatzhalter 2">
+            <a:extLst>
+              <a:ext uri="{FF2B5EF4-FFF2-40B4-BE49-F238E27FC236}">
+                <a16:creationId xmlns:a16="http://schemas.microsoft.com/office/drawing/2014/main" id="{AC8778F9-79FC-43F1-BC9D-8B66F1DBB9BC}"/>
+              </a:ext>
+            </a:extLst>
+          </p:cNvPr>
+          <p:cNvSpPr txBox="1">
+            <a:spLocks/>
+          </p:cNvSpPr>
+          <p:nvPr/>
+        </p:nvSpPr>
+        <p:spPr>
+          <a:xfrm>
+            <a:off x="838200" y="1825625"/>
+            <a:ext cx="10515600" cy="4351338"/>
+          </a:xfrm>
+          <a:prstGeom prst="rect">
+            <a:avLst/>
+          </a:prstGeom>
+        </p:spPr>
+        <p:txBody>
+          <a:bodyPr/>
+          <a:lstStyle>
+            <a:lvl1pPr marL="228600" indent="-228600" algn="l" defTabSz="914400" rtl="0" eaLnBrk="1" latinLnBrk="0" hangingPunct="1">
+              <a:lnSpc>
+                <a:spcPct val="90000"/>
+              </a:lnSpc>
+              <a:spcBef>
+                <a:spcPts val="1000"/>
+              </a:spcBef>
+              <a:buFont typeface="Arial" panose="020B0604020202020204" pitchFamily="34" charset="0"/>
+              <a:buChar char="•"/>
+              <a:defRPr sz="2800" kern="1200">
+                <a:solidFill>
+                  <a:schemeClr val="tx1"/>
+                </a:solidFill>
+                <a:latin typeface="+mn-lt"/>
+                <a:ea typeface="+mn-ea"/>
+                <a:cs typeface="+mn-cs"/>
+              </a:defRPr>
+            </a:lvl1pPr>
+            <a:lvl2pPr marL="685800" indent="-228600" algn="l" defTabSz="914400" rtl="0" eaLnBrk="1" latinLnBrk="0" hangingPunct="1">
+              <a:lnSpc>
+                <a:spcPct val="90000"/>
+              </a:lnSpc>
+              <a:spcBef>
+                <a:spcPts val="500"/>
+              </a:spcBef>
+              <a:buFont typeface="Arial" panose="020B0604020202020204" pitchFamily="34" charset="0"/>
+              <a:buChar char="•"/>
+              <a:defRPr sz="2400" kern="1200">
+                <a:solidFill>
+                  <a:schemeClr val="tx1"/>
+                </a:solidFill>
+                <a:latin typeface="+mn-lt"/>
+                <a:ea typeface="+mn-ea"/>
+                <a:cs typeface="+mn-cs"/>
+              </a:defRPr>
+            </a:lvl2pPr>
+            <a:lvl3pPr marL="1143000" indent="-228600" algn="l" defTabSz="914400" rtl="0" eaLnBrk="1" latinLnBrk="0" hangingPunct="1">
+              <a:lnSpc>
+                <a:spcPct val="90000"/>
+              </a:lnSpc>
+              <a:spcBef>
+                <a:spcPts val="500"/>
+              </a:spcBef>
+              <a:buFont typeface="Arial" panose="020B0604020202020204" pitchFamily="34" charset="0"/>
+              <a:buChar char="•"/>
+              <a:defRPr sz="2000" kern="1200">
+                <a:solidFill>
+                  <a:schemeClr val="tx1"/>
+                </a:solidFill>
+                <a:latin typeface="+mn-lt"/>
+                <a:ea typeface="+mn-ea"/>
+                <a:cs typeface="+mn-cs"/>
+              </a:defRPr>
+            </a:lvl3pPr>
+            <a:lvl4pPr marL="1600200" indent="-228600" algn="l" defTabSz="914400" rtl="0" eaLnBrk="1" latinLnBrk="0" hangingPunct="1">
+              <a:lnSpc>
+                <a:spcPct val="90000"/>
+              </a:lnSpc>
+              <a:spcBef>
+                <a:spcPts val="500"/>
+              </a:spcBef>
+              <a:buFont typeface="Arial" panose="020B0604020202020204" pitchFamily="34" charset="0"/>
+              <a:buChar char="•"/>
+              <a:defRPr sz="1800" kern="1200">
+                <a:solidFill>
+                  <a:schemeClr val="tx1"/>
+                </a:solidFill>
+                <a:latin typeface="+mn-lt"/>
+                <a:ea typeface="+mn-ea"/>
+                <a:cs typeface="+mn-cs"/>
+              </a:defRPr>
+            </a:lvl4pPr>
+            <a:lvl5pPr marL="2057400" indent="-228600" algn="l" defTabSz="914400" rtl="0" eaLnBrk="1" latinLnBrk="0" hangingPunct="1">
+              <a:lnSpc>
+                <a:spcPct val="90000"/>
+              </a:lnSpc>
+              <a:spcBef>
+                <a:spcPts val="500"/>
+              </a:spcBef>
+              <a:buFont typeface="Arial" panose="020B0604020202020204" pitchFamily="34" charset="0"/>
+              <a:buChar char="•"/>
+              <a:defRPr sz="1800" kern="1200">
+                <a:solidFill>
+                  <a:schemeClr val="tx1"/>
+                </a:solidFill>
+                <a:latin typeface="+mn-lt"/>
+                <a:ea typeface="+mn-ea"/>
+                <a:cs typeface="+mn-cs"/>
+              </a:defRPr>
+            </a:lvl5pPr>
+            <a:lvl6pPr marL="2514600" indent="-228600" algn="l" defTabSz="914400" rtl="0" eaLnBrk="1" latinLnBrk="0" hangingPunct="1">
+              <a:lnSpc>
+                <a:spcPct val="90000"/>
+              </a:lnSpc>
+              <a:spcBef>
+                <a:spcPts val="500"/>
+              </a:spcBef>
+              <a:buFont typeface="Arial" panose="020B0604020202020204" pitchFamily="34" charset="0"/>
+              <a:buChar char="•"/>
+              <a:defRPr sz="1800" kern="1200">
+                <a:solidFill>
+                  <a:schemeClr val="tx1"/>
+                </a:solidFill>
+                <a:latin typeface="+mn-lt"/>
+                <a:ea typeface="+mn-ea"/>
+                <a:cs typeface="+mn-cs"/>
+              </a:defRPr>
+            </a:lvl6pPr>
+            <a:lvl7pPr marL="2971800" indent="-228600" algn="l" defTabSz="914400" rtl="0" eaLnBrk="1" latinLnBrk="0" hangingPunct="1">
+              <a:lnSpc>
+                <a:spcPct val="90000"/>
+              </a:lnSpc>
+              <a:spcBef>
+                <a:spcPts val="500"/>
+              </a:spcBef>
+              <a:buFont typeface="Arial" panose="020B0604020202020204" pitchFamily="34" charset="0"/>
+              <a:buChar char="•"/>
+              <a:defRPr sz="1800" kern="1200">
+                <a:solidFill>
+                  <a:schemeClr val="tx1"/>
+                </a:solidFill>
+                <a:latin typeface="+mn-lt"/>
+                <a:ea typeface="+mn-ea"/>
+                <a:cs typeface="+mn-cs"/>
+              </a:defRPr>
+            </a:lvl7pPr>
+            <a:lvl8pPr marL="3429000" indent="-228600" algn="l" defTabSz="914400" rtl="0" eaLnBrk="1" latinLnBrk="0" hangingPunct="1">
+              <a:lnSpc>
+                <a:spcPct val="90000"/>
+              </a:lnSpc>
+              <a:spcBef>
+                <a:spcPts val="500"/>
+              </a:spcBef>
+              <a:buFont typeface="Arial" panose="020B0604020202020204" pitchFamily="34" charset="0"/>
+              <a:buChar char="•"/>
+              <a:defRPr sz="1800" kern="1200">
+                <a:solidFill>
+                  <a:schemeClr val="tx1"/>
+                </a:solidFill>
+                <a:latin typeface="+mn-lt"/>
+                <a:ea typeface="+mn-ea"/>
+                <a:cs typeface="+mn-cs"/>
+              </a:defRPr>
+            </a:lvl8pPr>
+            <a:lvl9pPr marL="3886200" indent="-228600" algn="l" defTabSz="914400" rtl="0" eaLnBrk="1" latinLnBrk="0" hangingPunct="1">
+              <a:lnSpc>
+                <a:spcPct val="90000"/>
+              </a:lnSpc>
+              <a:spcBef>
+                <a:spcPts val="500"/>
+              </a:spcBef>
+              <a:buFont typeface="Arial" panose="020B0604020202020204" pitchFamily="34" charset="0"/>
+              <a:buChar char="•"/>
+              <a:defRPr sz="1800" kern="1200">
+                <a:solidFill>
+                  <a:schemeClr val="tx1"/>
+                </a:solidFill>
+                <a:latin typeface="+mn-lt"/>
+                <a:ea typeface="+mn-ea"/>
+                <a:cs typeface="+mn-cs"/>
+              </a:defRPr>
+            </a:lvl9pPr>
+          </a:lstStyle>
+          <a:p>
+            <a:pPr marL="0" indent="0" algn="ctr">
+              <a:buFont typeface="Arial" panose="020B0604020202020204" pitchFamily="34" charset="0"/>
+              <a:buNone/>
+            </a:pPr>
+            <a:r>
+              <a:rPr lang="de-DE" sz="2000">
+                <a:latin typeface="Arial" panose="020B0604020202020204" pitchFamily="34" charset="0"/>
+              </a:rPr>
+              <a:t>Alle Werte eines bestimmten Patienten jeweils für einen Gesundheitsparameter</a:t>
+            </a:r>
+            <a:endParaRPr lang="de-DE" sz="2000"/>
+          </a:p>
+          <a:p>
+            <a:endParaRPr lang="de-DE" dirty="0"/>
+          </a:p>
+        </p:txBody>
+      </p:sp>
+      <p:pic>
+        <p:nvPicPr>
+          <p:cNvPr id="10" name="Grafik 9">
+            <a:extLst>
+              <a:ext uri="{FF2B5EF4-FFF2-40B4-BE49-F238E27FC236}">
+                <a16:creationId xmlns:a16="http://schemas.microsoft.com/office/drawing/2014/main" id="{4BC3C599-6434-417C-8FBC-108D5E8C09B4}"/>
+              </a:ext>
+            </a:extLst>
+          </p:cNvPr>
+          <p:cNvPicPr>
+            <a:picLocks noChangeAspect="1"/>
+          </p:cNvPicPr>
+          <p:nvPr/>
+        </p:nvPicPr>
+        <p:blipFill>
+          <a:blip r:embed="rId2"/>
+          <a:stretch>
+            <a:fillRect/>
+          </a:stretch>
+        </p:blipFill>
+        <p:spPr>
+          <a:xfrm>
+            <a:off x="2147887" y="3096419"/>
+            <a:ext cx="7896225" cy="1809750"/>
+          </a:xfrm>
+          <a:prstGeom prst="rect">
+            <a:avLst/>
+          </a:prstGeom>
+        </p:spPr>
+      </p:pic>
+    </p:spTree>
+    <p:extLst>
+      <p:ext uri="{BB962C8B-B14F-4D97-AF65-F5344CB8AC3E}">
+        <p14:creationId xmlns:p14="http://schemas.microsoft.com/office/powerpoint/2010/main" val="2232129445"/>
+      </p:ext>
+    </p:extLst>
+  </p:cSld>
+  <p:clrMapOvr>
+    <a:masterClrMapping/>
+  </p:clrMapOvr>
+  <mc:AlternateContent xmlns:mc="http://schemas.openxmlformats.org/markup-compatibility/2006" xmlns:p14="http://schemas.microsoft.com/office/powerpoint/2010/main">
+    <mc:Choice Requires="p14">
+      <p:transition spd="slow" p14:dur="2000" advTm="35373"/>
+    </mc:Choice>
+    <mc:Fallback xmlns="">
+      <p:transition spd="slow" advTm="35373"/>
+    </mc:Fallback>
+  </mc:AlternateContent>
+</p:sld>
+</file>
+
+<file path=ppt/slides/slide14.xml><?xml version="1.0" encoding="utf-8"?>
+<p:sld xmlns:a="http://schemas.openxmlformats.org/drawingml/2006/main" xmlns:r="http://schemas.openxmlformats.org/officeDocument/2006/relationships" xmlns:p="http://schemas.openxmlformats.org/presentationml/2006/main">
+  <p:cSld>
+    <p:spTree>
+      <p:nvGrpSpPr>
+        <p:cNvPr id="1" name=""/>
+        <p:cNvGrpSpPr/>
+        <p:nvPr/>
+      </p:nvGrpSpPr>
+      <p:grpSpPr>
+        <a:xfrm>
+          <a:off x="0" y="0"/>
+          <a:ext cx="0" cy="0"/>
+          <a:chOff x="0" y="0"/>
+          <a:chExt cx="0" cy="0"/>
+        </a:xfrm>
+      </p:grpSpPr>
+      <p:sp>
+        <p:nvSpPr>
+          <p:cNvPr id="2" name="Titel 1"/>
+          <p:cNvSpPr>
+            <a:spLocks noGrp="1"/>
+          </p:cNvSpPr>
+          <p:nvPr>
+            <p:ph type="title"/>
+          </p:nvPr>
+        </p:nvSpPr>
+        <p:spPr/>
+        <p:txBody>
+          <a:bodyPr>
+            <a:normAutofit/>
+          </a:bodyPr>
+          <a:lstStyle/>
+          <a:p>
+            <a:r>
+              <a:rPr lang="en-US" dirty="0"/>
+              <a:t>R-Analysis</a:t>
+            </a:r>
+            <a:endParaRPr lang="de-DE" dirty="0"/>
+          </a:p>
+        </p:txBody>
+      </p:sp>
+      <p:sp>
+        <p:nvSpPr>
+          <p:cNvPr id="4" name="Datumsplatzhalter 3"/>
+          <p:cNvSpPr>
+            <a:spLocks noGrp="1"/>
+          </p:cNvSpPr>
+          <p:nvPr>
+            <p:ph type="dt" sz="half" idx="14"/>
+          </p:nvPr>
+        </p:nvSpPr>
+        <p:spPr/>
+        <p:txBody>
+          <a:bodyPr/>
+          <a:lstStyle/>
+          <a:p>
+            <a:r>
+              <a:rPr lang="en-US" sz="1000"/>
+              <a:t>27.01.2021</a:t>
+            </a:r>
+            <a:endParaRPr lang="de-DE" dirty="0"/>
+          </a:p>
+        </p:txBody>
+      </p:sp>
+      <p:sp>
+        <p:nvSpPr>
+          <p:cNvPr id="3" name="Fußzeilenplatzhalter 2">
+            <a:extLst>
+              <a:ext uri="{FF2B5EF4-FFF2-40B4-BE49-F238E27FC236}">
+                <a16:creationId xmlns:a16="http://schemas.microsoft.com/office/drawing/2014/main" id="{B98E6ED0-F096-43AE-9AE1-5BB56958451C}"/>
+              </a:ext>
+            </a:extLst>
+          </p:cNvPr>
+          <p:cNvSpPr>
+            <a:spLocks noGrp="1"/>
+          </p:cNvSpPr>
+          <p:nvPr>
+            <p:ph type="ftr" sz="quarter" idx="15"/>
+          </p:nvPr>
+        </p:nvSpPr>
+        <p:spPr/>
+        <p:txBody>
+          <a:bodyPr/>
+          <a:lstStyle/>
+          <a:p>
+            <a:r>
+              <a:rPr lang="de-DE"/>
+              <a:t>Business Analytics Semesterprojekt</a:t>
+            </a:r>
+            <a:endParaRPr lang="de-DE" dirty="0"/>
+          </a:p>
+        </p:txBody>
+      </p:sp>
+      <p:sp>
+        <p:nvSpPr>
+          <p:cNvPr id="5" name="Foliennummernplatzhalter 4"/>
+          <p:cNvSpPr>
+            <a:spLocks noGrp="1"/>
+          </p:cNvSpPr>
+          <p:nvPr>
+            <p:ph type="sldNum" sz="quarter" idx="16"/>
+          </p:nvPr>
+        </p:nvSpPr>
+        <p:spPr/>
+        <p:txBody>
+          <a:bodyPr/>
+          <a:lstStyle/>
+          <a:p>
+            <a:fld id="{129916D8-1490-4DD4-88F6-5306CFA90256}" type="slidenum">
+              <a:rPr lang="de-DE" sz="1000" smtClean="0"/>
+              <a:t>14</a:t>
+            </a:fld>
+            <a:endParaRPr lang="de-DE" sz="1000" dirty="0"/>
+          </a:p>
+        </p:txBody>
+      </p:sp>
+      <p:sp>
+        <p:nvSpPr>
+          <p:cNvPr id="22" name="Inhaltsplatzhalter 6">
+            <a:extLst>
+              <a:ext uri="{FF2B5EF4-FFF2-40B4-BE49-F238E27FC236}">
+                <a16:creationId xmlns:a16="http://schemas.microsoft.com/office/drawing/2014/main" id="{7EFCD99F-2A43-45C0-A91C-E8C845D74599}"/>
+              </a:ext>
+            </a:extLst>
+          </p:cNvPr>
+          <p:cNvSpPr txBox="1">
+            <a:spLocks/>
+          </p:cNvSpPr>
+          <p:nvPr/>
+        </p:nvSpPr>
+        <p:spPr>
+          <a:xfrm>
+            <a:off x="491836" y="1690619"/>
+            <a:ext cx="11509037" cy="4408873"/>
+          </a:xfrm>
+          <a:prstGeom prst="rect">
+            <a:avLst/>
+          </a:prstGeom>
+        </p:spPr>
+        <p:txBody>
+          <a:bodyPr>
+            <a:normAutofit/>
+          </a:bodyPr>
+          <a:lstStyle>
+            <a:lvl1pPr marL="361950" indent="-361950" algn="l" defTabSz="914400" rtl="0" eaLnBrk="1" latinLnBrk="0" hangingPunct="1">
+              <a:lnSpc>
+                <a:spcPct val="100000"/>
+              </a:lnSpc>
+              <a:spcBef>
+                <a:spcPts val="1000"/>
+              </a:spcBef>
+              <a:buClr>
+                <a:schemeClr val="accent1"/>
+              </a:buClr>
+              <a:buSzPct val="80000"/>
+              <a:buFont typeface="Arial" panose="020B0604020202020204" pitchFamily="34" charset="0"/>
+              <a:buChar char="●"/>
+              <a:defRPr sz="2000" kern="1200">
+                <a:solidFill>
+                  <a:schemeClr val="tx1"/>
+                </a:solidFill>
+                <a:latin typeface="+mn-lt"/>
+                <a:ea typeface="+mn-ea"/>
+                <a:cs typeface="+mn-cs"/>
+              </a:defRPr>
+            </a:lvl1pPr>
+            <a:lvl2pPr marL="717550" indent="-266700" algn="l" defTabSz="914400" rtl="0" eaLnBrk="1" latinLnBrk="0" hangingPunct="1">
+              <a:lnSpc>
+                <a:spcPct val="90000"/>
+              </a:lnSpc>
+              <a:spcBef>
+                <a:spcPts val="500"/>
+              </a:spcBef>
+              <a:buClr>
+                <a:schemeClr val="accent1"/>
+              </a:buClr>
+              <a:buSzPct val="90000"/>
+              <a:buFont typeface="Wingdings" panose="05000000000000000000" pitchFamily="2" charset="2"/>
+              <a:buChar char="§"/>
+              <a:defRPr sz="1800" kern="1200">
+                <a:solidFill>
+                  <a:schemeClr val="tx1"/>
+                </a:solidFill>
+                <a:latin typeface="+mn-lt"/>
+                <a:ea typeface="+mn-ea"/>
+                <a:cs typeface="+mn-cs"/>
+              </a:defRPr>
+            </a:lvl2pPr>
+            <a:lvl3pPr marL="1079500" indent="-273050" algn="l" defTabSz="914400" rtl="0" eaLnBrk="1" latinLnBrk="0" hangingPunct="1">
+              <a:lnSpc>
+                <a:spcPct val="90000"/>
+              </a:lnSpc>
+              <a:spcBef>
+                <a:spcPts val="500"/>
+              </a:spcBef>
+              <a:buClr>
+                <a:schemeClr val="accent1"/>
+              </a:buClr>
+              <a:buFont typeface="Arial" panose="020B0604020202020204" pitchFamily="34" charset="0"/>
+              <a:buChar char="•"/>
+              <a:defRPr sz="1600" kern="1200">
+                <a:solidFill>
+                  <a:schemeClr val="tx1"/>
+                </a:solidFill>
+                <a:latin typeface="+mn-lt"/>
+                <a:ea typeface="+mn-ea"/>
+                <a:cs typeface="+mn-cs"/>
+              </a:defRPr>
+            </a:lvl3pPr>
+            <a:lvl4pPr marL="1435100" indent="-266700" algn="l" defTabSz="914400" rtl="0" eaLnBrk="1" latinLnBrk="0" hangingPunct="1">
+              <a:lnSpc>
+                <a:spcPct val="90000"/>
+              </a:lnSpc>
+              <a:spcBef>
+                <a:spcPts val="500"/>
+              </a:spcBef>
+              <a:buClr>
+                <a:schemeClr val="accent1"/>
+              </a:buClr>
+              <a:buSzPct val="100000"/>
+              <a:buFont typeface="Arial" panose="020B0604020202020204" pitchFamily="34" charset="0"/>
+              <a:buChar char="–"/>
+              <a:defRPr sz="1400" kern="1200">
+                <a:solidFill>
+                  <a:schemeClr val="tx1"/>
+                </a:solidFill>
+                <a:latin typeface="+mn-lt"/>
+                <a:ea typeface="+mn-ea"/>
+                <a:cs typeface="+mn-cs"/>
+              </a:defRPr>
+            </a:lvl4pPr>
+            <a:lvl5pPr marL="1797050" indent="-273050" algn="l" defTabSz="914400" rtl="0" eaLnBrk="1" latinLnBrk="0" hangingPunct="1">
+              <a:lnSpc>
+                <a:spcPct val="90000"/>
+              </a:lnSpc>
+              <a:spcBef>
+                <a:spcPts val="500"/>
+              </a:spcBef>
+              <a:buClr>
+                <a:schemeClr val="accent1"/>
+              </a:buClr>
+              <a:buFont typeface="Arial" panose="020B0604020202020204" pitchFamily="34" charset="0"/>
+              <a:buChar char="»"/>
+              <a:defRPr sz="1200" kern="1200">
+                <a:solidFill>
+                  <a:schemeClr val="tx1"/>
+                </a:solidFill>
+                <a:latin typeface="+mn-lt"/>
+                <a:ea typeface="+mn-ea"/>
+                <a:cs typeface="+mn-cs"/>
+              </a:defRPr>
+            </a:lvl5pPr>
+            <a:lvl6pPr marL="2514600" indent="-228600" algn="l" defTabSz="914400" rtl="0" eaLnBrk="1" latinLnBrk="0" hangingPunct="1">
+              <a:lnSpc>
+                <a:spcPct val="90000"/>
+              </a:lnSpc>
+              <a:spcBef>
+                <a:spcPts val="500"/>
+              </a:spcBef>
+              <a:buFont typeface="Arial" panose="020B0604020202020204" pitchFamily="34" charset="0"/>
+              <a:buChar char="•"/>
+              <a:defRPr sz="1800" kern="1200">
+                <a:solidFill>
+                  <a:schemeClr val="tx1"/>
+                </a:solidFill>
+                <a:latin typeface="+mn-lt"/>
+                <a:ea typeface="+mn-ea"/>
+                <a:cs typeface="+mn-cs"/>
+              </a:defRPr>
+            </a:lvl6pPr>
+            <a:lvl7pPr marL="2971800" indent="-228600" algn="l" defTabSz="914400" rtl="0" eaLnBrk="1" latinLnBrk="0" hangingPunct="1">
+              <a:lnSpc>
+                <a:spcPct val="90000"/>
+              </a:lnSpc>
+              <a:spcBef>
+                <a:spcPts val="500"/>
+              </a:spcBef>
+              <a:buFont typeface="Arial" panose="020B0604020202020204" pitchFamily="34" charset="0"/>
+              <a:buChar char="•"/>
+              <a:defRPr sz="1800" kern="1200">
+                <a:solidFill>
+                  <a:schemeClr val="tx1"/>
+                </a:solidFill>
+                <a:latin typeface="+mn-lt"/>
+                <a:ea typeface="+mn-ea"/>
+                <a:cs typeface="+mn-cs"/>
+              </a:defRPr>
+            </a:lvl7pPr>
+            <a:lvl8pPr marL="3429000" indent="-228600" algn="l" defTabSz="914400" rtl="0" eaLnBrk="1" latinLnBrk="0" hangingPunct="1">
+              <a:lnSpc>
+                <a:spcPct val="90000"/>
+              </a:lnSpc>
+              <a:spcBef>
+                <a:spcPts val="500"/>
+              </a:spcBef>
+              <a:buFont typeface="Arial" panose="020B0604020202020204" pitchFamily="34" charset="0"/>
+              <a:buChar char="•"/>
+              <a:defRPr sz="1800" kern="1200">
+                <a:solidFill>
+                  <a:schemeClr val="tx1"/>
+                </a:solidFill>
+                <a:latin typeface="+mn-lt"/>
+                <a:ea typeface="+mn-ea"/>
+                <a:cs typeface="+mn-cs"/>
+              </a:defRPr>
+            </a:lvl8pPr>
+            <a:lvl9pPr marL="3886200" indent="-228600" algn="l" defTabSz="914400" rtl="0" eaLnBrk="1" latinLnBrk="0" hangingPunct="1">
+              <a:lnSpc>
+                <a:spcPct val="90000"/>
+              </a:lnSpc>
+              <a:spcBef>
+                <a:spcPts val="500"/>
+              </a:spcBef>
+              <a:buFont typeface="Arial" panose="020B0604020202020204" pitchFamily="34" charset="0"/>
+              <a:buChar char="•"/>
+              <a:defRPr sz="1800" kern="1200">
+                <a:solidFill>
+                  <a:schemeClr val="tx1"/>
+                </a:solidFill>
+                <a:latin typeface="+mn-lt"/>
+                <a:ea typeface="+mn-ea"/>
+                <a:cs typeface="+mn-cs"/>
+              </a:defRPr>
+            </a:lvl9pPr>
+          </a:lstStyle>
+          <a:p>
+            <a:endParaRPr lang="de-DE" dirty="0"/>
+          </a:p>
+        </p:txBody>
+      </p:sp>
+      <p:sp>
+        <p:nvSpPr>
+          <p:cNvPr id="9" name="Inhaltsplatzhalter 2">
+            <a:extLst>
+              <a:ext uri="{FF2B5EF4-FFF2-40B4-BE49-F238E27FC236}">
+                <a16:creationId xmlns:a16="http://schemas.microsoft.com/office/drawing/2014/main" id="{23077E44-32D9-48A8-9340-8FDDF250CC4E}"/>
+              </a:ext>
+            </a:extLst>
+          </p:cNvPr>
+          <p:cNvSpPr txBox="1">
+            <a:spLocks/>
+          </p:cNvSpPr>
+          <p:nvPr/>
+        </p:nvSpPr>
+        <p:spPr>
+          <a:xfrm>
+            <a:off x="838200" y="1825625"/>
+            <a:ext cx="10515600" cy="4351338"/>
+          </a:xfrm>
+          <a:prstGeom prst="rect">
+            <a:avLst/>
+          </a:prstGeom>
+        </p:spPr>
+        <p:txBody>
+          <a:bodyPr>
+            <a:normAutofit/>
+          </a:bodyPr>
+          <a:lstStyle>
+            <a:lvl1pPr marL="228600" indent="-228600" algn="l" defTabSz="914400" rtl="0" eaLnBrk="1" latinLnBrk="0" hangingPunct="1">
+              <a:lnSpc>
+                <a:spcPct val="90000"/>
+              </a:lnSpc>
+              <a:spcBef>
+                <a:spcPts val="1000"/>
+              </a:spcBef>
+              <a:buFont typeface="Arial" panose="020B0604020202020204" pitchFamily="34" charset="0"/>
+              <a:buChar char="•"/>
+              <a:defRPr sz="2800" kern="1200">
+                <a:solidFill>
+                  <a:schemeClr val="tx1"/>
+                </a:solidFill>
+                <a:latin typeface="+mn-lt"/>
+                <a:ea typeface="+mn-ea"/>
+                <a:cs typeface="+mn-cs"/>
+              </a:defRPr>
+            </a:lvl1pPr>
+            <a:lvl2pPr marL="685800" indent="-228600" algn="l" defTabSz="914400" rtl="0" eaLnBrk="1" latinLnBrk="0" hangingPunct="1">
+              <a:lnSpc>
+                <a:spcPct val="90000"/>
+              </a:lnSpc>
+              <a:spcBef>
+                <a:spcPts val="500"/>
+              </a:spcBef>
+              <a:buFont typeface="Arial" panose="020B0604020202020204" pitchFamily="34" charset="0"/>
+              <a:buChar char="•"/>
+              <a:defRPr sz="2400" kern="1200">
+                <a:solidFill>
+                  <a:schemeClr val="tx1"/>
+                </a:solidFill>
+                <a:latin typeface="+mn-lt"/>
+                <a:ea typeface="+mn-ea"/>
+                <a:cs typeface="+mn-cs"/>
+              </a:defRPr>
+            </a:lvl2pPr>
+            <a:lvl3pPr marL="1143000" indent="-228600" algn="l" defTabSz="914400" rtl="0" eaLnBrk="1" latinLnBrk="0" hangingPunct="1">
+              <a:lnSpc>
+                <a:spcPct val="90000"/>
+              </a:lnSpc>
+              <a:spcBef>
+                <a:spcPts val="500"/>
+              </a:spcBef>
+              <a:buFont typeface="Arial" panose="020B0604020202020204" pitchFamily="34" charset="0"/>
+              <a:buChar char="•"/>
+              <a:defRPr sz="2000" kern="1200">
+                <a:solidFill>
+                  <a:schemeClr val="tx1"/>
+                </a:solidFill>
+                <a:latin typeface="+mn-lt"/>
+                <a:ea typeface="+mn-ea"/>
+                <a:cs typeface="+mn-cs"/>
+              </a:defRPr>
+            </a:lvl3pPr>
+            <a:lvl4pPr marL="1600200" indent="-228600" algn="l" defTabSz="914400" rtl="0" eaLnBrk="1" latinLnBrk="0" hangingPunct="1">
+              <a:lnSpc>
+                <a:spcPct val="90000"/>
+              </a:lnSpc>
+              <a:spcBef>
+                <a:spcPts val="500"/>
+              </a:spcBef>
+              <a:buFont typeface="Arial" panose="020B0604020202020204" pitchFamily="34" charset="0"/>
+              <a:buChar char="•"/>
+              <a:defRPr sz="1800" kern="1200">
+                <a:solidFill>
+                  <a:schemeClr val="tx1"/>
+                </a:solidFill>
+                <a:latin typeface="+mn-lt"/>
+                <a:ea typeface="+mn-ea"/>
+                <a:cs typeface="+mn-cs"/>
+              </a:defRPr>
+            </a:lvl4pPr>
+            <a:lvl5pPr marL="2057400" indent="-228600" algn="l" defTabSz="914400" rtl="0" eaLnBrk="1" latinLnBrk="0" hangingPunct="1">
+              <a:lnSpc>
+                <a:spcPct val="90000"/>
+              </a:lnSpc>
+              <a:spcBef>
+                <a:spcPts val="500"/>
+              </a:spcBef>
+              <a:buFont typeface="Arial" panose="020B0604020202020204" pitchFamily="34" charset="0"/>
+              <a:buChar char="•"/>
+              <a:defRPr sz="1800" kern="1200">
+                <a:solidFill>
+                  <a:schemeClr val="tx1"/>
+                </a:solidFill>
+                <a:latin typeface="+mn-lt"/>
+                <a:ea typeface="+mn-ea"/>
+                <a:cs typeface="+mn-cs"/>
+              </a:defRPr>
+            </a:lvl5pPr>
+            <a:lvl6pPr marL="2514600" indent="-228600" algn="l" defTabSz="914400" rtl="0" eaLnBrk="1" latinLnBrk="0" hangingPunct="1">
+              <a:lnSpc>
+                <a:spcPct val="90000"/>
+              </a:lnSpc>
+              <a:spcBef>
+                <a:spcPts val="500"/>
+              </a:spcBef>
+              <a:buFont typeface="Arial" panose="020B0604020202020204" pitchFamily="34" charset="0"/>
+              <a:buChar char="•"/>
+              <a:defRPr sz="1800" kern="1200">
+                <a:solidFill>
+                  <a:schemeClr val="tx1"/>
+                </a:solidFill>
+                <a:latin typeface="+mn-lt"/>
+                <a:ea typeface="+mn-ea"/>
+                <a:cs typeface="+mn-cs"/>
+              </a:defRPr>
+            </a:lvl6pPr>
+            <a:lvl7pPr marL="2971800" indent="-228600" algn="l" defTabSz="914400" rtl="0" eaLnBrk="1" latinLnBrk="0" hangingPunct="1">
+              <a:lnSpc>
+                <a:spcPct val="90000"/>
+              </a:lnSpc>
+              <a:spcBef>
+                <a:spcPts val="500"/>
+              </a:spcBef>
+              <a:buFont typeface="Arial" panose="020B0604020202020204" pitchFamily="34" charset="0"/>
+              <a:buChar char="•"/>
+              <a:defRPr sz="1800" kern="1200">
+                <a:solidFill>
+                  <a:schemeClr val="tx1"/>
+                </a:solidFill>
+                <a:latin typeface="+mn-lt"/>
+                <a:ea typeface="+mn-ea"/>
+                <a:cs typeface="+mn-cs"/>
+              </a:defRPr>
+            </a:lvl7pPr>
+            <a:lvl8pPr marL="3429000" indent="-228600" algn="l" defTabSz="914400" rtl="0" eaLnBrk="1" latinLnBrk="0" hangingPunct="1">
+              <a:lnSpc>
+                <a:spcPct val="90000"/>
+              </a:lnSpc>
+              <a:spcBef>
+                <a:spcPts val="500"/>
+              </a:spcBef>
+              <a:buFont typeface="Arial" panose="020B0604020202020204" pitchFamily="34" charset="0"/>
+              <a:buChar char="•"/>
+              <a:defRPr sz="1800" kern="1200">
+                <a:solidFill>
+                  <a:schemeClr val="tx1"/>
+                </a:solidFill>
+                <a:latin typeface="+mn-lt"/>
+                <a:ea typeface="+mn-ea"/>
+                <a:cs typeface="+mn-cs"/>
+              </a:defRPr>
+            </a:lvl8pPr>
+            <a:lvl9pPr marL="3886200" indent="-228600" algn="l" defTabSz="914400" rtl="0" eaLnBrk="1" latinLnBrk="0" hangingPunct="1">
+              <a:lnSpc>
+                <a:spcPct val="90000"/>
+              </a:lnSpc>
+              <a:spcBef>
+                <a:spcPts val="500"/>
+              </a:spcBef>
+              <a:buFont typeface="Arial" panose="020B0604020202020204" pitchFamily="34" charset="0"/>
+              <a:buChar char="•"/>
+              <a:defRPr sz="1800" kern="1200">
+                <a:solidFill>
+                  <a:schemeClr val="tx1"/>
+                </a:solidFill>
+                <a:latin typeface="+mn-lt"/>
+                <a:ea typeface="+mn-ea"/>
+                <a:cs typeface="+mn-cs"/>
+              </a:defRPr>
+            </a:lvl9pPr>
+          </a:lstStyle>
+          <a:p>
+            <a:pPr marL="0" indent="0" algn="ctr">
+              <a:buFont typeface="Arial" panose="020B0604020202020204" pitchFamily="34" charset="0"/>
+              <a:buNone/>
+            </a:pPr>
+            <a:r>
+              <a:rPr lang="de-DE" sz="2000">
+                <a:latin typeface="Arial" panose="020B0604020202020204" pitchFamily="34" charset="0"/>
+              </a:rPr>
+              <a:t>Durchschnitt über die Werte eines Patienten pro Gesundheitsparameter</a:t>
+            </a:r>
+            <a:endParaRPr lang="de-DE" sz="2000" dirty="0"/>
+          </a:p>
+        </p:txBody>
+      </p:sp>
+      <p:pic>
+        <p:nvPicPr>
+          <p:cNvPr id="10" name="Grafik 9">
+            <a:extLst>
+              <a:ext uri="{FF2B5EF4-FFF2-40B4-BE49-F238E27FC236}">
+                <a16:creationId xmlns:a16="http://schemas.microsoft.com/office/drawing/2014/main" id="{976CE1FF-8A84-44E1-B736-9F4A08DF486A}"/>
+              </a:ext>
+            </a:extLst>
+          </p:cNvPr>
+          <p:cNvPicPr>
+            <a:picLocks noChangeAspect="1"/>
+          </p:cNvPicPr>
+          <p:nvPr/>
+        </p:nvPicPr>
+        <p:blipFill>
+          <a:blip r:embed="rId2"/>
+          <a:stretch>
+            <a:fillRect/>
+          </a:stretch>
+        </p:blipFill>
+        <p:spPr>
+          <a:xfrm>
+            <a:off x="2233612" y="2782887"/>
+            <a:ext cx="7724775" cy="1800225"/>
+          </a:xfrm>
+          <a:prstGeom prst="rect">
+            <a:avLst/>
+          </a:prstGeom>
+        </p:spPr>
+      </p:pic>
+    </p:spTree>
+    <p:extLst>
+      <p:ext uri="{BB962C8B-B14F-4D97-AF65-F5344CB8AC3E}">
+        <p14:creationId xmlns:p14="http://schemas.microsoft.com/office/powerpoint/2010/main" val="3628480266"/>
+      </p:ext>
+    </p:extLst>
+  </p:cSld>
+  <p:clrMapOvr>
+    <a:masterClrMapping/>
+  </p:clrMapOvr>
+  <mc:AlternateContent xmlns:mc="http://schemas.openxmlformats.org/markup-compatibility/2006" xmlns:p14="http://schemas.microsoft.com/office/powerpoint/2010/main">
+    <mc:Choice Requires="p14">
+      <p:transition spd="slow" p14:dur="2000" advTm="35373"/>
+    </mc:Choice>
+    <mc:Fallback xmlns="">
+      <p:transition spd="slow" advTm="35373"/>
+    </mc:Fallback>
+  </mc:AlternateContent>
+</p:sld>
+</file>
+
+<file path=ppt/slides/slide15.xml><?xml version="1.0" encoding="utf-8"?>
+<p:sld xmlns:a="http://schemas.openxmlformats.org/drawingml/2006/main" xmlns:r="http://schemas.openxmlformats.org/officeDocument/2006/relationships" xmlns:p="http://schemas.openxmlformats.org/presentationml/2006/main">
+  <p:cSld>
+    <p:spTree>
+      <p:nvGrpSpPr>
+        <p:cNvPr id="1" name=""/>
+        <p:cNvGrpSpPr/>
+        <p:nvPr/>
+      </p:nvGrpSpPr>
+      <p:grpSpPr>
+        <a:xfrm>
+          <a:off x="0" y="0"/>
+          <a:ext cx="0" cy="0"/>
+          <a:chOff x="0" y="0"/>
+          <a:chExt cx="0" cy="0"/>
+        </a:xfrm>
+      </p:grpSpPr>
+      <p:sp>
+        <p:nvSpPr>
+          <p:cNvPr id="2" name="Titel 1"/>
+          <p:cNvSpPr>
+            <a:spLocks noGrp="1"/>
+          </p:cNvSpPr>
+          <p:nvPr>
+            <p:ph type="title"/>
+          </p:nvPr>
+        </p:nvSpPr>
+        <p:spPr/>
+        <p:txBody>
+          <a:bodyPr>
+            <a:normAutofit/>
+          </a:bodyPr>
+          <a:lstStyle/>
+          <a:p>
+            <a:r>
+              <a:rPr lang="en-US" dirty="0"/>
+              <a:t>R-Analysis</a:t>
+            </a:r>
+            <a:endParaRPr lang="de-DE" dirty="0"/>
+          </a:p>
+        </p:txBody>
+      </p:sp>
+      <p:sp>
+        <p:nvSpPr>
+          <p:cNvPr id="4" name="Datumsplatzhalter 3"/>
+          <p:cNvSpPr>
+            <a:spLocks noGrp="1"/>
+          </p:cNvSpPr>
+          <p:nvPr>
+            <p:ph type="dt" sz="half" idx="14"/>
+          </p:nvPr>
+        </p:nvSpPr>
+        <p:spPr/>
+        <p:txBody>
+          <a:bodyPr/>
+          <a:lstStyle/>
+          <a:p>
+            <a:r>
+              <a:rPr lang="en-US" sz="1000"/>
+              <a:t>27.01.2021</a:t>
+            </a:r>
+            <a:endParaRPr lang="de-DE" dirty="0"/>
+          </a:p>
+        </p:txBody>
+      </p:sp>
+      <p:sp>
+        <p:nvSpPr>
+          <p:cNvPr id="3" name="Fußzeilenplatzhalter 2">
+            <a:extLst>
+              <a:ext uri="{FF2B5EF4-FFF2-40B4-BE49-F238E27FC236}">
+                <a16:creationId xmlns:a16="http://schemas.microsoft.com/office/drawing/2014/main" id="{B98E6ED0-F096-43AE-9AE1-5BB56958451C}"/>
+              </a:ext>
+            </a:extLst>
+          </p:cNvPr>
+          <p:cNvSpPr>
+            <a:spLocks noGrp="1"/>
+          </p:cNvSpPr>
+          <p:nvPr>
+            <p:ph type="ftr" sz="quarter" idx="15"/>
+          </p:nvPr>
+        </p:nvSpPr>
+        <p:spPr/>
+        <p:txBody>
+          <a:bodyPr/>
+          <a:lstStyle/>
+          <a:p>
+            <a:r>
+              <a:rPr lang="de-DE"/>
+              <a:t>Business Analytics Semesterprojekt</a:t>
+            </a:r>
+            <a:endParaRPr lang="de-DE" dirty="0"/>
+          </a:p>
+        </p:txBody>
+      </p:sp>
+      <p:sp>
+        <p:nvSpPr>
+          <p:cNvPr id="5" name="Foliennummernplatzhalter 4"/>
+          <p:cNvSpPr>
+            <a:spLocks noGrp="1"/>
+          </p:cNvSpPr>
+          <p:nvPr>
+            <p:ph type="sldNum" sz="quarter" idx="16"/>
+          </p:nvPr>
+        </p:nvSpPr>
+        <p:spPr/>
+        <p:txBody>
+          <a:bodyPr/>
+          <a:lstStyle/>
+          <a:p>
+            <a:fld id="{129916D8-1490-4DD4-88F6-5306CFA90256}" type="slidenum">
+              <a:rPr lang="de-DE" sz="1000" smtClean="0"/>
+              <a:t>15</a:t>
+            </a:fld>
+            <a:endParaRPr lang="de-DE" sz="1000" dirty="0"/>
+          </a:p>
+        </p:txBody>
+      </p:sp>
+      <p:sp>
+        <p:nvSpPr>
+          <p:cNvPr id="22" name="Inhaltsplatzhalter 6">
+            <a:extLst>
+              <a:ext uri="{FF2B5EF4-FFF2-40B4-BE49-F238E27FC236}">
+                <a16:creationId xmlns:a16="http://schemas.microsoft.com/office/drawing/2014/main" id="{7EFCD99F-2A43-45C0-A91C-E8C845D74599}"/>
+              </a:ext>
+            </a:extLst>
+          </p:cNvPr>
+          <p:cNvSpPr txBox="1">
+            <a:spLocks/>
+          </p:cNvSpPr>
+          <p:nvPr/>
+        </p:nvSpPr>
+        <p:spPr>
+          <a:xfrm>
+            <a:off x="491836" y="1690619"/>
+            <a:ext cx="11509037" cy="4408873"/>
+          </a:xfrm>
+          <a:prstGeom prst="rect">
+            <a:avLst/>
+          </a:prstGeom>
+        </p:spPr>
+        <p:txBody>
+          <a:bodyPr>
+            <a:normAutofit/>
+          </a:bodyPr>
+          <a:lstStyle>
+            <a:lvl1pPr marL="361950" indent="-361950" algn="l" defTabSz="914400" rtl="0" eaLnBrk="1" latinLnBrk="0" hangingPunct="1">
+              <a:lnSpc>
+                <a:spcPct val="100000"/>
+              </a:lnSpc>
+              <a:spcBef>
+                <a:spcPts val="1000"/>
+              </a:spcBef>
+              <a:buClr>
+                <a:schemeClr val="accent1"/>
+              </a:buClr>
+              <a:buSzPct val="80000"/>
+              <a:buFont typeface="Arial" panose="020B0604020202020204" pitchFamily="34" charset="0"/>
+              <a:buChar char="●"/>
+              <a:defRPr sz="2000" kern="1200">
+                <a:solidFill>
+                  <a:schemeClr val="tx1"/>
+                </a:solidFill>
+                <a:latin typeface="+mn-lt"/>
+                <a:ea typeface="+mn-ea"/>
+                <a:cs typeface="+mn-cs"/>
+              </a:defRPr>
+            </a:lvl1pPr>
+            <a:lvl2pPr marL="717550" indent="-266700" algn="l" defTabSz="914400" rtl="0" eaLnBrk="1" latinLnBrk="0" hangingPunct="1">
+              <a:lnSpc>
+                <a:spcPct val="90000"/>
+              </a:lnSpc>
+              <a:spcBef>
+                <a:spcPts val="500"/>
+              </a:spcBef>
+              <a:buClr>
+                <a:schemeClr val="accent1"/>
+              </a:buClr>
+              <a:buSzPct val="90000"/>
+              <a:buFont typeface="Wingdings" panose="05000000000000000000" pitchFamily="2" charset="2"/>
+              <a:buChar char="§"/>
+              <a:defRPr sz="1800" kern="1200">
+                <a:solidFill>
+                  <a:schemeClr val="tx1"/>
+                </a:solidFill>
+                <a:latin typeface="+mn-lt"/>
+                <a:ea typeface="+mn-ea"/>
+                <a:cs typeface="+mn-cs"/>
+              </a:defRPr>
+            </a:lvl2pPr>
+            <a:lvl3pPr marL="1079500" indent="-273050" algn="l" defTabSz="914400" rtl="0" eaLnBrk="1" latinLnBrk="0" hangingPunct="1">
+              <a:lnSpc>
+                <a:spcPct val="90000"/>
+              </a:lnSpc>
+              <a:spcBef>
+                <a:spcPts val="500"/>
+              </a:spcBef>
+              <a:buClr>
+                <a:schemeClr val="accent1"/>
+              </a:buClr>
+              <a:buFont typeface="Arial" panose="020B0604020202020204" pitchFamily="34" charset="0"/>
+              <a:buChar char="•"/>
+              <a:defRPr sz="1600" kern="1200">
+                <a:solidFill>
+                  <a:schemeClr val="tx1"/>
+                </a:solidFill>
+                <a:latin typeface="+mn-lt"/>
+                <a:ea typeface="+mn-ea"/>
+                <a:cs typeface="+mn-cs"/>
+              </a:defRPr>
+            </a:lvl3pPr>
+            <a:lvl4pPr marL="1435100" indent="-266700" algn="l" defTabSz="914400" rtl="0" eaLnBrk="1" latinLnBrk="0" hangingPunct="1">
+              <a:lnSpc>
+                <a:spcPct val="90000"/>
+              </a:lnSpc>
+              <a:spcBef>
+                <a:spcPts val="500"/>
+              </a:spcBef>
+              <a:buClr>
+                <a:schemeClr val="accent1"/>
+              </a:buClr>
+              <a:buSzPct val="100000"/>
+              <a:buFont typeface="Arial" panose="020B0604020202020204" pitchFamily="34" charset="0"/>
+              <a:buChar char="–"/>
+              <a:defRPr sz="1400" kern="1200">
+                <a:solidFill>
+                  <a:schemeClr val="tx1"/>
+                </a:solidFill>
+                <a:latin typeface="+mn-lt"/>
+                <a:ea typeface="+mn-ea"/>
+                <a:cs typeface="+mn-cs"/>
+              </a:defRPr>
+            </a:lvl4pPr>
+            <a:lvl5pPr marL="1797050" indent="-273050" algn="l" defTabSz="914400" rtl="0" eaLnBrk="1" latinLnBrk="0" hangingPunct="1">
+              <a:lnSpc>
+                <a:spcPct val="90000"/>
+              </a:lnSpc>
+              <a:spcBef>
+                <a:spcPts val="500"/>
+              </a:spcBef>
+              <a:buClr>
+                <a:schemeClr val="accent1"/>
+              </a:buClr>
+              <a:buFont typeface="Arial" panose="020B0604020202020204" pitchFamily="34" charset="0"/>
+              <a:buChar char="»"/>
+              <a:defRPr sz="1200" kern="1200">
+                <a:solidFill>
+                  <a:schemeClr val="tx1"/>
+                </a:solidFill>
+                <a:latin typeface="+mn-lt"/>
+                <a:ea typeface="+mn-ea"/>
+                <a:cs typeface="+mn-cs"/>
+              </a:defRPr>
+            </a:lvl5pPr>
+            <a:lvl6pPr marL="2514600" indent="-228600" algn="l" defTabSz="914400" rtl="0" eaLnBrk="1" latinLnBrk="0" hangingPunct="1">
+              <a:lnSpc>
+                <a:spcPct val="90000"/>
+              </a:lnSpc>
+              <a:spcBef>
+                <a:spcPts val="500"/>
+              </a:spcBef>
+              <a:buFont typeface="Arial" panose="020B0604020202020204" pitchFamily="34" charset="0"/>
+              <a:buChar char="•"/>
+              <a:defRPr sz="1800" kern="1200">
+                <a:solidFill>
+                  <a:schemeClr val="tx1"/>
+                </a:solidFill>
+                <a:latin typeface="+mn-lt"/>
+                <a:ea typeface="+mn-ea"/>
+                <a:cs typeface="+mn-cs"/>
+              </a:defRPr>
+            </a:lvl6pPr>
+            <a:lvl7pPr marL="2971800" indent="-228600" algn="l" defTabSz="914400" rtl="0" eaLnBrk="1" latinLnBrk="0" hangingPunct="1">
+              <a:lnSpc>
+                <a:spcPct val="90000"/>
+              </a:lnSpc>
+              <a:spcBef>
+                <a:spcPts val="500"/>
+              </a:spcBef>
+              <a:buFont typeface="Arial" panose="020B0604020202020204" pitchFamily="34" charset="0"/>
+              <a:buChar char="•"/>
+              <a:defRPr sz="1800" kern="1200">
+                <a:solidFill>
+                  <a:schemeClr val="tx1"/>
+                </a:solidFill>
+                <a:latin typeface="+mn-lt"/>
+                <a:ea typeface="+mn-ea"/>
+                <a:cs typeface="+mn-cs"/>
+              </a:defRPr>
+            </a:lvl7pPr>
+            <a:lvl8pPr marL="3429000" indent="-228600" algn="l" defTabSz="914400" rtl="0" eaLnBrk="1" latinLnBrk="0" hangingPunct="1">
+              <a:lnSpc>
+                <a:spcPct val="90000"/>
+              </a:lnSpc>
+              <a:spcBef>
+                <a:spcPts val="500"/>
+              </a:spcBef>
+              <a:buFont typeface="Arial" panose="020B0604020202020204" pitchFamily="34" charset="0"/>
+              <a:buChar char="•"/>
+              <a:defRPr sz="1800" kern="1200">
+                <a:solidFill>
+                  <a:schemeClr val="tx1"/>
+                </a:solidFill>
+                <a:latin typeface="+mn-lt"/>
+                <a:ea typeface="+mn-ea"/>
+                <a:cs typeface="+mn-cs"/>
+              </a:defRPr>
+            </a:lvl8pPr>
+            <a:lvl9pPr marL="3886200" indent="-228600" algn="l" defTabSz="914400" rtl="0" eaLnBrk="1" latinLnBrk="0" hangingPunct="1">
+              <a:lnSpc>
+                <a:spcPct val="90000"/>
+              </a:lnSpc>
+              <a:spcBef>
+                <a:spcPts val="500"/>
+              </a:spcBef>
+              <a:buFont typeface="Arial" panose="020B0604020202020204" pitchFamily="34" charset="0"/>
+              <a:buChar char="•"/>
+              <a:defRPr sz="1800" kern="1200">
+                <a:solidFill>
+                  <a:schemeClr val="tx1"/>
+                </a:solidFill>
+                <a:latin typeface="+mn-lt"/>
+                <a:ea typeface="+mn-ea"/>
+                <a:cs typeface="+mn-cs"/>
+              </a:defRPr>
+            </a:lvl9pPr>
+          </a:lstStyle>
+          <a:p>
+            <a:endParaRPr lang="de-DE" dirty="0"/>
+          </a:p>
+        </p:txBody>
+      </p:sp>
+      <p:sp>
+        <p:nvSpPr>
+          <p:cNvPr id="11" name="Inhaltsplatzhalter 2">
+            <a:extLst>
+              <a:ext uri="{FF2B5EF4-FFF2-40B4-BE49-F238E27FC236}">
+                <a16:creationId xmlns:a16="http://schemas.microsoft.com/office/drawing/2014/main" id="{7428C940-B4D9-413B-B95A-63CD32A5D539}"/>
+              </a:ext>
+            </a:extLst>
+          </p:cNvPr>
+          <p:cNvSpPr txBox="1">
+            <a:spLocks/>
+          </p:cNvSpPr>
+          <p:nvPr/>
+        </p:nvSpPr>
+        <p:spPr>
+          <a:xfrm>
+            <a:off x="838200" y="1825625"/>
+            <a:ext cx="10515600" cy="4351338"/>
+          </a:xfrm>
+          <a:prstGeom prst="rect">
+            <a:avLst/>
+          </a:prstGeom>
+        </p:spPr>
+        <p:txBody>
+          <a:bodyPr>
+            <a:normAutofit/>
+          </a:bodyPr>
+          <a:lstStyle>
+            <a:lvl1pPr marL="228600" indent="-228600" algn="l" defTabSz="914400" rtl="0" eaLnBrk="1" latinLnBrk="0" hangingPunct="1">
+              <a:lnSpc>
+                <a:spcPct val="90000"/>
+              </a:lnSpc>
+              <a:spcBef>
+                <a:spcPts val="1000"/>
+              </a:spcBef>
+              <a:buFont typeface="Arial" panose="020B0604020202020204" pitchFamily="34" charset="0"/>
+              <a:buChar char="•"/>
+              <a:defRPr sz="2800" kern="1200">
+                <a:solidFill>
+                  <a:schemeClr val="tx1"/>
+                </a:solidFill>
+                <a:latin typeface="+mn-lt"/>
+                <a:ea typeface="+mn-ea"/>
+                <a:cs typeface="+mn-cs"/>
+              </a:defRPr>
+            </a:lvl1pPr>
+            <a:lvl2pPr marL="685800" indent="-228600" algn="l" defTabSz="914400" rtl="0" eaLnBrk="1" latinLnBrk="0" hangingPunct="1">
+              <a:lnSpc>
+                <a:spcPct val="90000"/>
+              </a:lnSpc>
+              <a:spcBef>
+                <a:spcPts val="500"/>
+              </a:spcBef>
+              <a:buFont typeface="Arial" panose="020B0604020202020204" pitchFamily="34" charset="0"/>
+              <a:buChar char="•"/>
+              <a:defRPr sz="2400" kern="1200">
+                <a:solidFill>
+                  <a:schemeClr val="tx1"/>
+                </a:solidFill>
+                <a:latin typeface="+mn-lt"/>
+                <a:ea typeface="+mn-ea"/>
+                <a:cs typeface="+mn-cs"/>
+              </a:defRPr>
+            </a:lvl2pPr>
+            <a:lvl3pPr marL="1143000" indent="-228600" algn="l" defTabSz="914400" rtl="0" eaLnBrk="1" latinLnBrk="0" hangingPunct="1">
+              <a:lnSpc>
+                <a:spcPct val="90000"/>
+              </a:lnSpc>
+              <a:spcBef>
+                <a:spcPts val="500"/>
+              </a:spcBef>
+              <a:buFont typeface="Arial" panose="020B0604020202020204" pitchFamily="34" charset="0"/>
+              <a:buChar char="•"/>
+              <a:defRPr sz="2000" kern="1200">
+                <a:solidFill>
+                  <a:schemeClr val="tx1"/>
+                </a:solidFill>
+                <a:latin typeface="+mn-lt"/>
+                <a:ea typeface="+mn-ea"/>
+                <a:cs typeface="+mn-cs"/>
+              </a:defRPr>
+            </a:lvl3pPr>
+            <a:lvl4pPr marL="1600200" indent="-228600" algn="l" defTabSz="914400" rtl="0" eaLnBrk="1" latinLnBrk="0" hangingPunct="1">
+              <a:lnSpc>
+                <a:spcPct val="90000"/>
+              </a:lnSpc>
+              <a:spcBef>
+                <a:spcPts val="500"/>
+              </a:spcBef>
+              <a:buFont typeface="Arial" panose="020B0604020202020204" pitchFamily="34" charset="0"/>
+              <a:buChar char="•"/>
+              <a:defRPr sz="1800" kern="1200">
+                <a:solidFill>
+                  <a:schemeClr val="tx1"/>
+                </a:solidFill>
+                <a:latin typeface="+mn-lt"/>
+                <a:ea typeface="+mn-ea"/>
+                <a:cs typeface="+mn-cs"/>
+              </a:defRPr>
+            </a:lvl4pPr>
+            <a:lvl5pPr marL="2057400" indent="-228600" algn="l" defTabSz="914400" rtl="0" eaLnBrk="1" latinLnBrk="0" hangingPunct="1">
+              <a:lnSpc>
+                <a:spcPct val="90000"/>
+              </a:lnSpc>
+              <a:spcBef>
+                <a:spcPts val="500"/>
+              </a:spcBef>
+              <a:buFont typeface="Arial" panose="020B0604020202020204" pitchFamily="34" charset="0"/>
+              <a:buChar char="•"/>
+              <a:defRPr sz="1800" kern="1200">
+                <a:solidFill>
+                  <a:schemeClr val="tx1"/>
+                </a:solidFill>
+                <a:latin typeface="+mn-lt"/>
+                <a:ea typeface="+mn-ea"/>
+                <a:cs typeface="+mn-cs"/>
+              </a:defRPr>
+            </a:lvl5pPr>
+            <a:lvl6pPr marL="2514600" indent="-228600" algn="l" defTabSz="914400" rtl="0" eaLnBrk="1" latinLnBrk="0" hangingPunct="1">
+              <a:lnSpc>
+                <a:spcPct val="90000"/>
+              </a:lnSpc>
+              <a:spcBef>
+                <a:spcPts val="500"/>
+              </a:spcBef>
+              <a:buFont typeface="Arial" panose="020B0604020202020204" pitchFamily="34" charset="0"/>
+              <a:buChar char="•"/>
+              <a:defRPr sz="1800" kern="1200">
+                <a:solidFill>
+                  <a:schemeClr val="tx1"/>
+                </a:solidFill>
+                <a:latin typeface="+mn-lt"/>
+                <a:ea typeface="+mn-ea"/>
+                <a:cs typeface="+mn-cs"/>
+              </a:defRPr>
+            </a:lvl6pPr>
+            <a:lvl7pPr marL="2971800" indent="-228600" algn="l" defTabSz="914400" rtl="0" eaLnBrk="1" latinLnBrk="0" hangingPunct="1">
+              <a:lnSpc>
+                <a:spcPct val="90000"/>
+              </a:lnSpc>
+              <a:spcBef>
+                <a:spcPts val="500"/>
+              </a:spcBef>
+              <a:buFont typeface="Arial" panose="020B0604020202020204" pitchFamily="34" charset="0"/>
+              <a:buChar char="•"/>
+              <a:defRPr sz="1800" kern="1200">
+                <a:solidFill>
+                  <a:schemeClr val="tx1"/>
+                </a:solidFill>
+                <a:latin typeface="+mn-lt"/>
+                <a:ea typeface="+mn-ea"/>
+                <a:cs typeface="+mn-cs"/>
+              </a:defRPr>
+            </a:lvl7pPr>
+            <a:lvl8pPr marL="3429000" indent="-228600" algn="l" defTabSz="914400" rtl="0" eaLnBrk="1" latinLnBrk="0" hangingPunct="1">
+              <a:lnSpc>
+                <a:spcPct val="90000"/>
+              </a:lnSpc>
+              <a:spcBef>
+                <a:spcPts val="500"/>
+              </a:spcBef>
+              <a:buFont typeface="Arial" panose="020B0604020202020204" pitchFamily="34" charset="0"/>
+              <a:buChar char="•"/>
+              <a:defRPr sz="1800" kern="1200">
+                <a:solidFill>
+                  <a:schemeClr val="tx1"/>
+                </a:solidFill>
+                <a:latin typeface="+mn-lt"/>
+                <a:ea typeface="+mn-ea"/>
+                <a:cs typeface="+mn-cs"/>
+              </a:defRPr>
+            </a:lvl8pPr>
+            <a:lvl9pPr marL="3886200" indent="-228600" algn="l" defTabSz="914400" rtl="0" eaLnBrk="1" latinLnBrk="0" hangingPunct="1">
+              <a:lnSpc>
+                <a:spcPct val="90000"/>
+              </a:lnSpc>
+              <a:spcBef>
+                <a:spcPts val="500"/>
+              </a:spcBef>
+              <a:buFont typeface="Arial" panose="020B0604020202020204" pitchFamily="34" charset="0"/>
+              <a:buChar char="•"/>
+              <a:defRPr sz="1800" kern="1200">
+                <a:solidFill>
+                  <a:schemeClr val="tx1"/>
+                </a:solidFill>
+                <a:latin typeface="+mn-lt"/>
+                <a:ea typeface="+mn-ea"/>
+                <a:cs typeface="+mn-cs"/>
+              </a:defRPr>
+            </a:lvl9pPr>
+          </a:lstStyle>
+          <a:p>
+            <a:pPr marL="0" indent="0" algn="ctr">
+              <a:buFont typeface="Arial" panose="020B0604020202020204" pitchFamily="34" charset="0"/>
+              <a:buNone/>
+            </a:pPr>
+            <a:r>
+              <a:rPr lang="de-DE" sz="2000">
+                <a:latin typeface="Arial" panose="020B0604020202020204" pitchFamily="34" charset="0"/>
+              </a:rPr>
+              <a:t>Durchschnitt über die Werte pro Gesundheitsparameters über alle Patienten</a:t>
+            </a:r>
+            <a:endParaRPr lang="de-DE" sz="2000" dirty="0"/>
+          </a:p>
+        </p:txBody>
+      </p:sp>
+      <p:pic>
+        <p:nvPicPr>
+          <p:cNvPr id="12" name="Grafik 11">
+            <a:extLst>
+              <a:ext uri="{FF2B5EF4-FFF2-40B4-BE49-F238E27FC236}">
+                <a16:creationId xmlns:a16="http://schemas.microsoft.com/office/drawing/2014/main" id="{573124E8-28EE-47F3-A2E2-0BA72B24BB6C}"/>
+              </a:ext>
+            </a:extLst>
+          </p:cNvPr>
+          <p:cNvPicPr>
+            <a:picLocks noChangeAspect="1"/>
+          </p:cNvPicPr>
+          <p:nvPr/>
+        </p:nvPicPr>
+        <p:blipFill>
+          <a:blip r:embed="rId2"/>
+          <a:stretch>
+            <a:fillRect/>
+          </a:stretch>
+        </p:blipFill>
+        <p:spPr>
+          <a:xfrm>
+            <a:off x="2319337" y="3115469"/>
+            <a:ext cx="7553325" cy="1771650"/>
+          </a:xfrm>
+          <a:prstGeom prst="rect">
+            <a:avLst/>
+          </a:prstGeom>
+        </p:spPr>
+      </p:pic>
+    </p:spTree>
+    <p:extLst>
+      <p:ext uri="{BB962C8B-B14F-4D97-AF65-F5344CB8AC3E}">
+        <p14:creationId xmlns:p14="http://schemas.microsoft.com/office/powerpoint/2010/main" val="4072756438"/>
+      </p:ext>
+    </p:extLst>
+  </p:cSld>
+  <p:clrMapOvr>
+    <a:masterClrMapping/>
+  </p:clrMapOvr>
+  <mc:AlternateContent xmlns:mc="http://schemas.openxmlformats.org/markup-compatibility/2006" xmlns:p14="http://schemas.microsoft.com/office/powerpoint/2010/main">
+    <mc:Choice Requires="p14">
+      <p:transition spd="slow" p14:dur="2000" advTm="35373"/>
+    </mc:Choice>
+    <mc:Fallback xmlns="">
+      <p:transition spd="slow" advTm="35373"/>
+    </mc:Fallback>
+  </mc:AlternateContent>
+</p:sld>
+</file>
+
+<file path=ppt/slides/slide16.xml><?xml version="1.0" encoding="utf-8"?>
+<p:sld xmlns:a="http://schemas.openxmlformats.org/drawingml/2006/main" xmlns:r="http://schemas.openxmlformats.org/officeDocument/2006/relationships" xmlns:p="http://schemas.openxmlformats.org/presentationml/2006/main">
+  <p:cSld>
+    <p:spTree>
+      <p:nvGrpSpPr>
+        <p:cNvPr id="1" name=""/>
+        <p:cNvGrpSpPr/>
+        <p:nvPr/>
+      </p:nvGrpSpPr>
+      <p:grpSpPr>
+        <a:xfrm>
+          <a:off x="0" y="0"/>
+          <a:ext cx="0" cy="0"/>
+          <a:chOff x="0" y="0"/>
+          <a:chExt cx="0" cy="0"/>
+        </a:xfrm>
+      </p:grpSpPr>
+      <p:sp>
+        <p:nvSpPr>
+          <p:cNvPr id="2" name="Titel 1"/>
+          <p:cNvSpPr>
+            <a:spLocks noGrp="1"/>
+          </p:cNvSpPr>
+          <p:nvPr>
+            <p:ph type="title"/>
+          </p:nvPr>
+        </p:nvSpPr>
+        <p:spPr/>
+        <p:txBody>
+          <a:bodyPr>
+            <a:normAutofit/>
+          </a:bodyPr>
+          <a:lstStyle/>
+          <a:p>
+            <a:r>
+              <a:rPr lang="en-US" dirty="0"/>
+              <a:t>R-Analysis</a:t>
+            </a:r>
+            <a:endParaRPr lang="de-DE" dirty="0"/>
+          </a:p>
+        </p:txBody>
+      </p:sp>
+      <p:sp>
+        <p:nvSpPr>
+          <p:cNvPr id="4" name="Datumsplatzhalter 3"/>
+          <p:cNvSpPr>
+            <a:spLocks noGrp="1"/>
+          </p:cNvSpPr>
+          <p:nvPr>
+            <p:ph type="dt" sz="half" idx="14"/>
+          </p:nvPr>
+        </p:nvSpPr>
+        <p:spPr/>
+        <p:txBody>
+          <a:bodyPr/>
+          <a:lstStyle/>
+          <a:p>
+            <a:r>
+              <a:rPr lang="en-US" sz="1000"/>
+              <a:t>27.01.2021</a:t>
+            </a:r>
+            <a:endParaRPr lang="de-DE" dirty="0"/>
+          </a:p>
+        </p:txBody>
+      </p:sp>
+      <p:sp>
+        <p:nvSpPr>
+          <p:cNvPr id="3" name="Fußzeilenplatzhalter 2">
+            <a:extLst>
+              <a:ext uri="{FF2B5EF4-FFF2-40B4-BE49-F238E27FC236}">
+                <a16:creationId xmlns:a16="http://schemas.microsoft.com/office/drawing/2014/main" id="{B98E6ED0-F096-43AE-9AE1-5BB56958451C}"/>
+              </a:ext>
+            </a:extLst>
+          </p:cNvPr>
+          <p:cNvSpPr>
+            <a:spLocks noGrp="1"/>
+          </p:cNvSpPr>
+          <p:nvPr>
+            <p:ph type="ftr" sz="quarter" idx="15"/>
+          </p:nvPr>
+        </p:nvSpPr>
+        <p:spPr/>
+        <p:txBody>
+          <a:bodyPr/>
+          <a:lstStyle/>
+          <a:p>
+            <a:r>
+              <a:rPr lang="de-DE"/>
+              <a:t>Business Analytics Semesterprojekt</a:t>
+            </a:r>
+            <a:endParaRPr lang="de-DE" dirty="0"/>
+          </a:p>
+        </p:txBody>
+      </p:sp>
+      <p:sp>
+        <p:nvSpPr>
+          <p:cNvPr id="5" name="Foliennummernplatzhalter 4"/>
+          <p:cNvSpPr>
+            <a:spLocks noGrp="1"/>
+          </p:cNvSpPr>
+          <p:nvPr>
+            <p:ph type="sldNum" sz="quarter" idx="16"/>
+          </p:nvPr>
+        </p:nvSpPr>
+        <p:spPr/>
+        <p:txBody>
+          <a:bodyPr/>
+          <a:lstStyle/>
+          <a:p>
+            <a:fld id="{129916D8-1490-4DD4-88F6-5306CFA90256}" type="slidenum">
+              <a:rPr lang="de-DE" sz="1000" smtClean="0"/>
+              <a:t>16</a:t>
+            </a:fld>
+            <a:endParaRPr lang="de-DE" sz="1000" dirty="0"/>
+          </a:p>
+        </p:txBody>
+      </p:sp>
+      <p:sp>
+        <p:nvSpPr>
+          <p:cNvPr id="22" name="Inhaltsplatzhalter 6">
+            <a:extLst>
+              <a:ext uri="{FF2B5EF4-FFF2-40B4-BE49-F238E27FC236}">
+                <a16:creationId xmlns:a16="http://schemas.microsoft.com/office/drawing/2014/main" id="{7EFCD99F-2A43-45C0-A91C-E8C845D74599}"/>
+              </a:ext>
+            </a:extLst>
+          </p:cNvPr>
+          <p:cNvSpPr txBox="1">
+            <a:spLocks/>
+          </p:cNvSpPr>
+          <p:nvPr/>
+        </p:nvSpPr>
+        <p:spPr>
+          <a:xfrm>
+            <a:off x="491836" y="1690619"/>
+            <a:ext cx="11509037" cy="4408873"/>
+          </a:xfrm>
+          <a:prstGeom prst="rect">
+            <a:avLst/>
+          </a:prstGeom>
+        </p:spPr>
+        <p:txBody>
+          <a:bodyPr>
+            <a:normAutofit/>
+          </a:bodyPr>
+          <a:lstStyle>
+            <a:lvl1pPr marL="361950" indent="-361950" algn="l" defTabSz="914400" rtl="0" eaLnBrk="1" latinLnBrk="0" hangingPunct="1">
+              <a:lnSpc>
+                <a:spcPct val="100000"/>
+              </a:lnSpc>
+              <a:spcBef>
+                <a:spcPts val="1000"/>
+              </a:spcBef>
+              <a:buClr>
+                <a:schemeClr val="accent1"/>
+              </a:buClr>
+              <a:buSzPct val="80000"/>
+              <a:buFont typeface="Arial" panose="020B0604020202020204" pitchFamily="34" charset="0"/>
+              <a:buChar char="●"/>
+              <a:defRPr sz="2000" kern="1200">
+                <a:solidFill>
+                  <a:schemeClr val="tx1"/>
+                </a:solidFill>
+                <a:latin typeface="+mn-lt"/>
+                <a:ea typeface="+mn-ea"/>
+                <a:cs typeface="+mn-cs"/>
+              </a:defRPr>
+            </a:lvl1pPr>
+            <a:lvl2pPr marL="717550" indent="-266700" algn="l" defTabSz="914400" rtl="0" eaLnBrk="1" latinLnBrk="0" hangingPunct="1">
+              <a:lnSpc>
+                <a:spcPct val="90000"/>
+              </a:lnSpc>
+              <a:spcBef>
+                <a:spcPts val="500"/>
+              </a:spcBef>
+              <a:buClr>
+                <a:schemeClr val="accent1"/>
+              </a:buClr>
+              <a:buSzPct val="90000"/>
+              <a:buFont typeface="Wingdings" panose="05000000000000000000" pitchFamily="2" charset="2"/>
+              <a:buChar char="§"/>
+              <a:defRPr sz="1800" kern="1200">
+                <a:solidFill>
+                  <a:schemeClr val="tx1"/>
+                </a:solidFill>
+                <a:latin typeface="+mn-lt"/>
+                <a:ea typeface="+mn-ea"/>
+                <a:cs typeface="+mn-cs"/>
+              </a:defRPr>
+            </a:lvl2pPr>
+            <a:lvl3pPr marL="1079500" indent="-273050" algn="l" defTabSz="914400" rtl="0" eaLnBrk="1" latinLnBrk="0" hangingPunct="1">
+              <a:lnSpc>
+                <a:spcPct val="90000"/>
+              </a:lnSpc>
+              <a:spcBef>
+                <a:spcPts val="500"/>
+              </a:spcBef>
+              <a:buClr>
+                <a:schemeClr val="accent1"/>
+              </a:buClr>
+              <a:buFont typeface="Arial" panose="020B0604020202020204" pitchFamily="34" charset="0"/>
+              <a:buChar char="•"/>
+              <a:defRPr sz="1600" kern="1200">
+                <a:solidFill>
+                  <a:schemeClr val="tx1"/>
+                </a:solidFill>
+                <a:latin typeface="+mn-lt"/>
+                <a:ea typeface="+mn-ea"/>
+                <a:cs typeface="+mn-cs"/>
+              </a:defRPr>
+            </a:lvl3pPr>
+            <a:lvl4pPr marL="1435100" indent="-266700" algn="l" defTabSz="914400" rtl="0" eaLnBrk="1" latinLnBrk="0" hangingPunct="1">
+              <a:lnSpc>
+                <a:spcPct val="90000"/>
+              </a:lnSpc>
+              <a:spcBef>
+                <a:spcPts val="500"/>
+              </a:spcBef>
+              <a:buClr>
+                <a:schemeClr val="accent1"/>
+              </a:buClr>
+              <a:buSzPct val="100000"/>
+              <a:buFont typeface="Arial" panose="020B0604020202020204" pitchFamily="34" charset="0"/>
+              <a:buChar char="–"/>
+              <a:defRPr sz="1400" kern="1200">
+                <a:solidFill>
+                  <a:schemeClr val="tx1"/>
+                </a:solidFill>
+                <a:latin typeface="+mn-lt"/>
+                <a:ea typeface="+mn-ea"/>
+                <a:cs typeface="+mn-cs"/>
+              </a:defRPr>
+            </a:lvl4pPr>
+            <a:lvl5pPr marL="1797050" indent="-273050" algn="l" defTabSz="914400" rtl="0" eaLnBrk="1" latinLnBrk="0" hangingPunct="1">
+              <a:lnSpc>
+                <a:spcPct val="90000"/>
+              </a:lnSpc>
+              <a:spcBef>
+                <a:spcPts val="500"/>
+              </a:spcBef>
+              <a:buClr>
+                <a:schemeClr val="accent1"/>
+              </a:buClr>
+              <a:buFont typeface="Arial" panose="020B0604020202020204" pitchFamily="34" charset="0"/>
+              <a:buChar char="»"/>
+              <a:defRPr sz="1200" kern="1200">
+                <a:solidFill>
+                  <a:schemeClr val="tx1"/>
+                </a:solidFill>
+                <a:latin typeface="+mn-lt"/>
+                <a:ea typeface="+mn-ea"/>
+                <a:cs typeface="+mn-cs"/>
+              </a:defRPr>
+            </a:lvl5pPr>
+            <a:lvl6pPr marL="2514600" indent="-228600" algn="l" defTabSz="914400" rtl="0" eaLnBrk="1" latinLnBrk="0" hangingPunct="1">
+              <a:lnSpc>
+                <a:spcPct val="90000"/>
+              </a:lnSpc>
+              <a:spcBef>
+                <a:spcPts val="500"/>
+              </a:spcBef>
+              <a:buFont typeface="Arial" panose="020B0604020202020204" pitchFamily="34" charset="0"/>
+              <a:buChar char="•"/>
+              <a:defRPr sz="1800" kern="1200">
+                <a:solidFill>
+                  <a:schemeClr val="tx1"/>
+                </a:solidFill>
+                <a:latin typeface="+mn-lt"/>
+                <a:ea typeface="+mn-ea"/>
+                <a:cs typeface="+mn-cs"/>
+              </a:defRPr>
+            </a:lvl6pPr>
+            <a:lvl7pPr marL="2971800" indent="-228600" algn="l" defTabSz="914400" rtl="0" eaLnBrk="1" latinLnBrk="0" hangingPunct="1">
+              <a:lnSpc>
+                <a:spcPct val="90000"/>
+              </a:lnSpc>
+              <a:spcBef>
+                <a:spcPts val="500"/>
+              </a:spcBef>
+              <a:buFont typeface="Arial" panose="020B0604020202020204" pitchFamily="34" charset="0"/>
+              <a:buChar char="•"/>
+              <a:defRPr sz="1800" kern="1200">
+                <a:solidFill>
+                  <a:schemeClr val="tx1"/>
+                </a:solidFill>
+                <a:latin typeface="+mn-lt"/>
+                <a:ea typeface="+mn-ea"/>
+                <a:cs typeface="+mn-cs"/>
+              </a:defRPr>
+            </a:lvl7pPr>
+            <a:lvl8pPr marL="3429000" indent="-228600" algn="l" defTabSz="914400" rtl="0" eaLnBrk="1" latinLnBrk="0" hangingPunct="1">
+              <a:lnSpc>
+                <a:spcPct val="90000"/>
+              </a:lnSpc>
+              <a:spcBef>
+                <a:spcPts val="500"/>
+              </a:spcBef>
+              <a:buFont typeface="Arial" panose="020B0604020202020204" pitchFamily="34" charset="0"/>
+              <a:buChar char="•"/>
+              <a:defRPr sz="1800" kern="1200">
+                <a:solidFill>
+                  <a:schemeClr val="tx1"/>
+                </a:solidFill>
+                <a:latin typeface="+mn-lt"/>
+                <a:ea typeface="+mn-ea"/>
+                <a:cs typeface="+mn-cs"/>
+              </a:defRPr>
+            </a:lvl8pPr>
+            <a:lvl9pPr marL="3886200" indent="-228600" algn="l" defTabSz="914400" rtl="0" eaLnBrk="1" latinLnBrk="0" hangingPunct="1">
+              <a:lnSpc>
+                <a:spcPct val="90000"/>
+              </a:lnSpc>
+              <a:spcBef>
+                <a:spcPts val="500"/>
+              </a:spcBef>
+              <a:buFont typeface="Arial" panose="020B0604020202020204" pitchFamily="34" charset="0"/>
+              <a:buChar char="•"/>
+              <a:defRPr sz="1800" kern="1200">
+                <a:solidFill>
+                  <a:schemeClr val="tx1"/>
+                </a:solidFill>
+                <a:latin typeface="+mn-lt"/>
+                <a:ea typeface="+mn-ea"/>
+                <a:cs typeface="+mn-cs"/>
+              </a:defRPr>
+            </a:lvl9pPr>
+          </a:lstStyle>
+          <a:p>
+            <a:endParaRPr lang="de-DE" dirty="0"/>
+          </a:p>
+        </p:txBody>
+      </p:sp>
+      <p:sp>
+        <p:nvSpPr>
+          <p:cNvPr id="9" name="Inhaltsplatzhalter 2">
+            <a:extLst>
+              <a:ext uri="{FF2B5EF4-FFF2-40B4-BE49-F238E27FC236}">
+                <a16:creationId xmlns:a16="http://schemas.microsoft.com/office/drawing/2014/main" id="{F2602834-C101-474E-A6C2-850E913CB745}"/>
+              </a:ext>
+            </a:extLst>
+          </p:cNvPr>
+          <p:cNvSpPr txBox="1">
+            <a:spLocks/>
+          </p:cNvSpPr>
+          <p:nvPr/>
+        </p:nvSpPr>
+        <p:spPr>
+          <a:xfrm>
+            <a:off x="838200" y="1825625"/>
+            <a:ext cx="10515600" cy="4351338"/>
+          </a:xfrm>
+          <a:prstGeom prst="rect">
+            <a:avLst/>
+          </a:prstGeom>
+        </p:spPr>
+        <p:txBody>
+          <a:bodyPr>
+            <a:normAutofit/>
+          </a:bodyPr>
+          <a:lstStyle>
+            <a:lvl1pPr marL="228600" indent="-228600" algn="l" defTabSz="914400" rtl="0" eaLnBrk="1" latinLnBrk="0" hangingPunct="1">
+              <a:lnSpc>
+                <a:spcPct val="90000"/>
+              </a:lnSpc>
+              <a:spcBef>
+                <a:spcPts val="1000"/>
+              </a:spcBef>
+              <a:buFont typeface="Arial" panose="020B0604020202020204" pitchFamily="34" charset="0"/>
+              <a:buChar char="•"/>
+              <a:defRPr sz="2800" kern="1200">
+                <a:solidFill>
+                  <a:schemeClr val="tx1"/>
+                </a:solidFill>
+                <a:latin typeface="+mn-lt"/>
+                <a:ea typeface="+mn-ea"/>
+                <a:cs typeface="+mn-cs"/>
+              </a:defRPr>
+            </a:lvl1pPr>
+            <a:lvl2pPr marL="685800" indent="-228600" algn="l" defTabSz="914400" rtl="0" eaLnBrk="1" latinLnBrk="0" hangingPunct="1">
+              <a:lnSpc>
+                <a:spcPct val="90000"/>
+              </a:lnSpc>
+              <a:spcBef>
+                <a:spcPts val="500"/>
+              </a:spcBef>
+              <a:buFont typeface="Arial" panose="020B0604020202020204" pitchFamily="34" charset="0"/>
+              <a:buChar char="•"/>
+              <a:defRPr sz="2400" kern="1200">
+                <a:solidFill>
+                  <a:schemeClr val="tx1"/>
+                </a:solidFill>
+                <a:latin typeface="+mn-lt"/>
+                <a:ea typeface="+mn-ea"/>
+                <a:cs typeface="+mn-cs"/>
+              </a:defRPr>
+            </a:lvl2pPr>
+            <a:lvl3pPr marL="1143000" indent="-228600" algn="l" defTabSz="914400" rtl="0" eaLnBrk="1" latinLnBrk="0" hangingPunct="1">
+              <a:lnSpc>
+                <a:spcPct val="90000"/>
+              </a:lnSpc>
+              <a:spcBef>
+                <a:spcPts val="500"/>
+              </a:spcBef>
+              <a:buFont typeface="Arial" panose="020B0604020202020204" pitchFamily="34" charset="0"/>
+              <a:buChar char="•"/>
+              <a:defRPr sz="2000" kern="1200">
+                <a:solidFill>
+                  <a:schemeClr val="tx1"/>
+                </a:solidFill>
+                <a:latin typeface="+mn-lt"/>
+                <a:ea typeface="+mn-ea"/>
+                <a:cs typeface="+mn-cs"/>
+              </a:defRPr>
+            </a:lvl3pPr>
+            <a:lvl4pPr marL="1600200" indent="-228600" algn="l" defTabSz="914400" rtl="0" eaLnBrk="1" latinLnBrk="0" hangingPunct="1">
+              <a:lnSpc>
+                <a:spcPct val="90000"/>
+              </a:lnSpc>
+              <a:spcBef>
+                <a:spcPts val="500"/>
+              </a:spcBef>
+              <a:buFont typeface="Arial" panose="020B0604020202020204" pitchFamily="34" charset="0"/>
+              <a:buChar char="•"/>
+              <a:defRPr sz="1800" kern="1200">
+                <a:solidFill>
+                  <a:schemeClr val="tx1"/>
+                </a:solidFill>
+                <a:latin typeface="+mn-lt"/>
+                <a:ea typeface="+mn-ea"/>
+                <a:cs typeface="+mn-cs"/>
+              </a:defRPr>
+            </a:lvl4pPr>
+            <a:lvl5pPr marL="2057400" indent="-228600" algn="l" defTabSz="914400" rtl="0" eaLnBrk="1" latinLnBrk="0" hangingPunct="1">
+              <a:lnSpc>
+                <a:spcPct val="90000"/>
+              </a:lnSpc>
+              <a:spcBef>
+                <a:spcPts val="500"/>
+              </a:spcBef>
+              <a:buFont typeface="Arial" panose="020B0604020202020204" pitchFamily="34" charset="0"/>
+              <a:buChar char="•"/>
+              <a:defRPr sz="1800" kern="1200">
+                <a:solidFill>
+                  <a:schemeClr val="tx1"/>
+                </a:solidFill>
+                <a:latin typeface="+mn-lt"/>
+                <a:ea typeface="+mn-ea"/>
+                <a:cs typeface="+mn-cs"/>
+              </a:defRPr>
+            </a:lvl5pPr>
+            <a:lvl6pPr marL="2514600" indent="-228600" algn="l" defTabSz="914400" rtl="0" eaLnBrk="1" latinLnBrk="0" hangingPunct="1">
+              <a:lnSpc>
+                <a:spcPct val="90000"/>
+              </a:lnSpc>
+              <a:spcBef>
+                <a:spcPts val="500"/>
+              </a:spcBef>
+              <a:buFont typeface="Arial" panose="020B0604020202020204" pitchFamily="34" charset="0"/>
+              <a:buChar char="•"/>
+              <a:defRPr sz="1800" kern="1200">
+                <a:solidFill>
+                  <a:schemeClr val="tx1"/>
+                </a:solidFill>
+                <a:latin typeface="+mn-lt"/>
+                <a:ea typeface="+mn-ea"/>
+                <a:cs typeface="+mn-cs"/>
+              </a:defRPr>
+            </a:lvl6pPr>
+            <a:lvl7pPr marL="2971800" indent="-228600" algn="l" defTabSz="914400" rtl="0" eaLnBrk="1" latinLnBrk="0" hangingPunct="1">
+              <a:lnSpc>
+                <a:spcPct val="90000"/>
+              </a:lnSpc>
+              <a:spcBef>
+                <a:spcPts val="500"/>
+              </a:spcBef>
+              <a:buFont typeface="Arial" panose="020B0604020202020204" pitchFamily="34" charset="0"/>
+              <a:buChar char="•"/>
+              <a:defRPr sz="1800" kern="1200">
+                <a:solidFill>
+                  <a:schemeClr val="tx1"/>
+                </a:solidFill>
+                <a:latin typeface="+mn-lt"/>
+                <a:ea typeface="+mn-ea"/>
+                <a:cs typeface="+mn-cs"/>
+              </a:defRPr>
+            </a:lvl7pPr>
+            <a:lvl8pPr marL="3429000" indent="-228600" algn="l" defTabSz="914400" rtl="0" eaLnBrk="1" latinLnBrk="0" hangingPunct="1">
+              <a:lnSpc>
+                <a:spcPct val="90000"/>
+              </a:lnSpc>
+              <a:spcBef>
+                <a:spcPts val="500"/>
+              </a:spcBef>
+              <a:buFont typeface="Arial" panose="020B0604020202020204" pitchFamily="34" charset="0"/>
+              <a:buChar char="•"/>
+              <a:defRPr sz="1800" kern="1200">
+                <a:solidFill>
+                  <a:schemeClr val="tx1"/>
+                </a:solidFill>
+                <a:latin typeface="+mn-lt"/>
+                <a:ea typeface="+mn-ea"/>
+                <a:cs typeface="+mn-cs"/>
+              </a:defRPr>
+            </a:lvl8pPr>
+            <a:lvl9pPr marL="3886200" indent="-228600" algn="l" defTabSz="914400" rtl="0" eaLnBrk="1" latinLnBrk="0" hangingPunct="1">
+              <a:lnSpc>
+                <a:spcPct val="90000"/>
+              </a:lnSpc>
+              <a:spcBef>
+                <a:spcPts val="500"/>
+              </a:spcBef>
+              <a:buFont typeface="Arial" panose="020B0604020202020204" pitchFamily="34" charset="0"/>
+              <a:buChar char="•"/>
+              <a:defRPr sz="1800" kern="1200">
+                <a:solidFill>
+                  <a:schemeClr val="tx1"/>
+                </a:solidFill>
+                <a:latin typeface="+mn-lt"/>
+                <a:ea typeface="+mn-ea"/>
+                <a:cs typeface="+mn-cs"/>
+              </a:defRPr>
+            </a:lvl9pPr>
+          </a:lstStyle>
+          <a:p>
+            <a:pPr marL="0" indent="0" algn="ctr">
+              <a:buFont typeface="Arial" panose="020B0604020202020204" pitchFamily="34" charset="0"/>
+              <a:buNone/>
+            </a:pPr>
+            <a:r>
+              <a:rPr lang="de-DE" sz="2000">
+                <a:latin typeface="Arial" panose="020B0604020202020204" pitchFamily="34" charset="0"/>
+              </a:rPr>
+              <a:t>Median der Werte pro Gesundheitsparameter über alle Patienten</a:t>
+            </a:r>
+            <a:endParaRPr lang="de-DE" sz="2000" dirty="0"/>
+          </a:p>
+        </p:txBody>
+      </p:sp>
+      <p:pic>
+        <p:nvPicPr>
+          <p:cNvPr id="10" name="Grafik 9">
+            <a:extLst>
+              <a:ext uri="{FF2B5EF4-FFF2-40B4-BE49-F238E27FC236}">
+                <a16:creationId xmlns:a16="http://schemas.microsoft.com/office/drawing/2014/main" id="{01B0E7A0-9CD1-4FC7-834F-30C48BC112DF}"/>
+              </a:ext>
+            </a:extLst>
+          </p:cNvPr>
+          <p:cNvPicPr>
+            <a:picLocks noChangeAspect="1"/>
+          </p:cNvPicPr>
+          <p:nvPr/>
+        </p:nvPicPr>
+        <p:blipFill>
+          <a:blip r:embed="rId2"/>
+          <a:stretch>
+            <a:fillRect/>
+          </a:stretch>
+        </p:blipFill>
+        <p:spPr>
+          <a:xfrm>
+            <a:off x="2243137" y="3105944"/>
+            <a:ext cx="7705725" cy="1790700"/>
+          </a:xfrm>
+          <a:prstGeom prst="rect">
+            <a:avLst/>
+          </a:prstGeom>
+        </p:spPr>
+      </p:pic>
+    </p:spTree>
+    <p:extLst>
+      <p:ext uri="{BB962C8B-B14F-4D97-AF65-F5344CB8AC3E}">
+        <p14:creationId xmlns:p14="http://schemas.microsoft.com/office/powerpoint/2010/main" val="1246093950"/>
+      </p:ext>
+    </p:extLst>
+  </p:cSld>
+  <p:clrMapOvr>
+    <a:masterClrMapping/>
+  </p:clrMapOvr>
+  <mc:AlternateContent xmlns:mc="http://schemas.openxmlformats.org/markup-compatibility/2006" xmlns:p14="http://schemas.microsoft.com/office/powerpoint/2010/main">
+    <mc:Choice Requires="p14">
+      <p:transition spd="slow" p14:dur="2000" advTm="35373"/>
+    </mc:Choice>
+    <mc:Fallback xmlns="">
+      <p:transition spd="slow" advTm="35373"/>
+    </mc:Fallback>
+  </mc:AlternateContent>
+</p:sld>
+</file>
+
+<file path=ppt/slides/slide17.xml><?xml version="1.0" encoding="utf-8"?>
+<p:sld xmlns:a="http://schemas.openxmlformats.org/drawingml/2006/main" xmlns:r="http://schemas.openxmlformats.org/officeDocument/2006/relationships" xmlns:p="http://schemas.openxmlformats.org/presentationml/2006/main">
+  <p:cSld>
+    <p:spTree>
+      <p:nvGrpSpPr>
+        <p:cNvPr id="1" name=""/>
+        <p:cNvGrpSpPr/>
+        <p:nvPr/>
+      </p:nvGrpSpPr>
+      <p:grpSpPr>
+        <a:xfrm>
+          <a:off x="0" y="0"/>
+          <a:ext cx="0" cy="0"/>
+          <a:chOff x="0" y="0"/>
+          <a:chExt cx="0" cy="0"/>
+        </a:xfrm>
+      </p:grpSpPr>
+      <p:sp>
+        <p:nvSpPr>
+          <p:cNvPr id="2" name="Titel 1"/>
+          <p:cNvSpPr>
+            <a:spLocks noGrp="1"/>
+          </p:cNvSpPr>
+          <p:nvPr>
+            <p:ph type="title"/>
+          </p:nvPr>
+        </p:nvSpPr>
+        <p:spPr/>
+        <p:txBody>
+          <a:bodyPr>
+            <a:normAutofit/>
+          </a:bodyPr>
+          <a:lstStyle/>
+          <a:p>
+            <a:r>
+              <a:rPr lang="en-US" dirty="0"/>
+              <a:t>R-Analysis</a:t>
+            </a:r>
+            <a:endParaRPr lang="de-DE" dirty="0"/>
+          </a:p>
+        </p:txBody>
+      </p:sp>
+      <p:sp>
+        <p:nvSpPr>
+          <p:cNvPr id="4" name="Datumsplatzhalter 3"/>
+          <p:cNvSpPr>
+            <a:spLocks noGrp="1"/>
+          </p:cNvSpPr>
+          <p:nvPr>
+            <p:ph type="dt" sz="half" idx="14"/>
+          </p:nvPr>
+        </p:nvSpPr>
+        <p:spPr/>
+        <p:txBody>
+          <a:bodyPr/>
+          <a:lstStyle/>
+          <a:p>
+            <a:r>
+              <a:rPr lang="en-US" sz="1000"/>
+              <a:t>27.01.2021</a:t>
+            </a:r>
+            <a:endParaRPr lang="de-DE" dirty="0"/>
+          </a:p>
+        </p:txBody>
+      </p:sp>
+      <p:sp>
+        <p:nvSpPr>
+          <p:cNvPr id="3" name="Fußzeilenplatzhalter 2">
+            <a:extLst>
+              <a:ext uri="{FF2B5EF4-FFF2-40B4-BE49-F238E27FC236}">
+                <a16:creationId xmlns:a16="http://schemas.microsoft.com/office/drawing/2014/main" id="{B98E6ED0-F096-43AE-9AE1-5BB56958451C}"/>
+              </a:ext>
+            </a:extLst>
+          </p:cNvPr>
+          <p:cNvSpPr>
+            <a:spLocks noGrp="1"/>
+          </p:cNvSpPr>
+          <p:nvPr>
+            <p:ph type="ftr" sz="quarter" idx="15"/>
+          </p:nvPr>
+        </p:nvSpPr>
+        <p:spPr/>
+        <p:txBody>
+          <a:bodyPr/>
+          <a:lstStyle/>
+          <a:p>
+            <a:r>
+              <a:rPr lang="de-DE"/>
+              <a:t>Business Analytics Semesterprojekt</a:t>
+            </a:r>
+            <a:endParaRPr lang="de-DE" dirty="0"/>
+          </a:p>
+        </p:txBody>
+      </p:sp>
+      <p:sp>
+        <p:nvSpPr>
+          <p:cNvPr id="5" name="Foliennummernplatzhalter 4"/>
+          <p:cNvSpPr>
+            <a:spLocks noGrp="1"/>
+          </p:cNvSpPr>
+          <p:nvPr>
+            <p:ph type="sldNum" sz="quarter" idx="16"/>
+          </p:nvPr>
+        </p:nvSpPr>
+        <p:spPr/>
+        <p:txBody>
+          <a:bodyPr/>
+          <a:lstStyle/>
+          <a:p>
+            <a:fld id="{129916D8-1490-4DD4-88F6-5306CFA90256}" type="slidenum">
+              <a:rPr lang="de-DE" sz="1000" smtClean="0"/>
+              <a:t>17</a:t>
+            </a:fld>
+            <a:endParaRPr lang="de-DE" sz="1000" dirty="0"/>
+          </a:p>
+        </p:txBody>
+      </p:sp>
+      <p:sp>
+        <p:nvSpPr>
+          <p:cNvPr id="11" name="Inhaltsplatzhalter 2">
+            <a:extLst>
+              <a:ext uri="{FF2B5EF4-FFF2-40B4-BE49-F238E27FC236}">
+                <a16:creationId xmlns:a16="http://schemas.microsoft.com/office/drawing/2014/main" id="{68014722-6564-4066-84F7-38BEF0B23B50}"/>
+              </a:ext>
+            </a:extLst>
+          </p:cNvPr>
+          <p:cNvSpPr txBox="1">
+            <a:spLocks/>
+          </p:cNvSpPr>
+          <p:nvPr/>
+        </p:nvSpPr>
+        <p:spPr>
+          <a:xfrm>
+            <a:off x="838200" y="1825625"/>
+            <a:ext cx="10515600" cy="4351338"/>
+          </a:xfrm>
+          <a:prstGeom prst="rect">
+            <a:avLst/>
+          </a:prstGeom>
+        </p:spPr>
+        <p:txBody>
+          <a:bodyPr>
+            <a:normAutofit/>
+          </a:bodyPr>
+          <a:lstStyle>
+            <a:lvl1pPr marL="228600" indent="-228600" algn="l" defTabSz="914400" rtl="0" eaLnBrk="1" latinLnBrk="0" hangingPunct="1">
+              <a:lnSpc>
+                <a:spcPct val="90000"/>
+              </a:lnSpc>
+              <a:spcBef>
+                <a:spcPts val="1000"/>
+              </a:spcBef>
+              <a:buFont typeface="Arial" panose="020B0604020202020204" pitchFamily="34" charset="0"/>
+              <a:buChar char="•"/>
+              <a:defRPr sz="2800" kern="1200">
+                <a:solidFill>
+                  <a:schemeClr val="tx1"/>
+                </a:solidFill>
+                <a:latin typeface="+mn-lt"/>
+                <a:ea typeface="+mn-ea"/>
+                <a:cs typeface="+mn-cs"/>
+              </a:defRPr>
+            </a:lvl1pPr>
+            <a:lvl2pPr marL="685800" indent="-228600" algn="l" defTabSz="914400" rtl="0" eaLnBrk="1" latinLnBrk="0" hangingPunct="1">
+              <a:lnSpc>
+                <a:spcPct val="90000"/>
+              </a:lnSpc>
+              <a:spcBef>
+                <a:spcPts val="500"/>
+              </a:spcBef>
+              <a:buFont typeface="Arial" panose="020B0604020202020204" pitchFamily="34" charset="0"/>
+              <a:buChar char="•"/>
+              <a:defRPr sz="2400" kern="1200">
+                <a:solidFill>
+                  <a:schemeClr val="tx1"/>
+                </a:solidFill>
+                <a:latin typeface="+mn-lt"/>
+                <a:ea typeface="+mn-ea"/>
+                <a:cs typeface="+mn-cs"/>
+              </a:defRPr>
+            </a:lvl2pPr>
+            <a:lvl3pPr marL="1143000" indent="-228600" algn="l" defTabSz="914400" rtl="0" eaLnBrk="1" latinLnBrk="0" hangingPunct="1">
+              <a:lnSpc>
+                <a:spcPct val="90000"/>
+              </a:lnSpc>
+              <a:spcBef>
+                <a:spcPts val="500"/>
+              </a:spcBef>
+              <a:buFont typeface="Arial" panose="020B0604020202020204" pitchFamily="34" charset="0"/>
+              <a:buChar char="•"/>
+              <a:defRPr sz="2000" kern="1200">
+                <a:solidFill>
+                  <a:schemeClr val="tx1"/>
+                </a:solidFill>
+                <a:latin typeface="+mn-lt"/>
+                <a:ea typeface="+mn-ea"/>
+                <a:cs typeface="+mn-cs"/>
+              </a:defRPr>
+            </a:lvl3pPr>
+            <a:lvl4pPr marL="1600200" indent="-228600" algn="l" defTabSz="914400" rtl="0" eaLnBrk="1" latinLnBrk="0" hangingPunct="1">
+              <a:lnSpc>
+                <a:spcPct val="90000"/>
+              </a:lnSpc>
+              <a:spcBef>
+                <a:spcPts val="500"/>
+              </a:spcBef>
+              <a:buFont typeface="Arial" panose="020B0604020202020204" pitchFamily="34" charset="0"/>
+              <a:buChar char="•"/>
+              <a:defRPr sz="1800" kern="1200">
+                <a:solidFill>
+                  <a:schemeClr val="tx1"/>
+                </a:solidFill>
+                <a:latin typeface="+mn-lt"/>
+                <a:ea typeface="+mn-ea"/>
+                <a:cs typeface="+mn-cs"/>
+              </a:defRPr>
+            </a:lvl4pPr>
+            <a:lvl5pPr marL="2057400" indent="-228600" algn="l" defTabSz="914400" rtl="0" eaLnBrk="1" latinLnBrk="0" hangingPunct="1">
+              <a:lnSpc>
+                <a:spcPct val="90000"/>
+              </a:lnSpc>
+              <a:spcBef>
+                <a:spcPts val="500"/>
+              </a:spcBef>
+              <a:buFont typeface="Arial" panose="020B0604020202020204" pitchFamily="34" charset="0"/>
+              <a:buChar char="•"/>
+              <a:defRPr sz="1800" kern="1200">
+                <a:solidFill>
+                  <a:schemeClr val="tx1"/>
+                </a:solidFill>
+                <a:latin typeface="+mn-lt"/>
+                <a:ea typeface="+mn-ea"/>
+                <a:cs typeface="+mn-cs"/>
+              </a:defRPr>
+            </a:lvl5pPr>
+            <a:lvl6pPr marL="2514600" indent="-228600" algn="l" defTabSz="914400" rtl="0" eaLnBrk="1" latinLnBrk="0" hangingPunct="1">
+              <a:lnSpc>
+                <a:spcPct val="90000"/>
+              </a:lnSpc>
+              <a:spcBef>
+                <a:spcPts val="500"/>
+              </a:spcBef>
+              <a:buFont typeface="Arial" panose="020B0604020202020204" pitchFamily="34" charset="0"/>
+              <a:buChar char="•"/>
+              <a:defRPr sz="1800" kern="1200">
+                <a:solidFill>
+                  <a:schemeClr val="tx1"/>
+                </a:solidFill>
+                <a:latin typeface="+mn-lt"/>
+                <a:ea typeface="+mn-ea"/>
+                <a:cs typeface="+mn-cs"/>
+              </a:defRPr>
+            </a:lvl6pPr>
+            <a:lvl7pPr marL="2971800" indent="-228600" algn="l" defTabSz="914400" rtl="0" eaLnBrk="1" latinLnBrk="0" hangingPunct="1">
+              <a:lnSpc>
+                <a:spcPct val="90000"/>
+              </a:lnSpc>
+              <a:spcBef>
+                <a:spcPts val="500"/>
+              </a:spcBef>
+              <a:buFont typeface="Arial" panose="020B0604020202020204" pitchFamily="34" charset="0"/>
+              <a:buChar char="•"/>
+              <a:defRPr sz="1800" kern="1200">
+                <a:solidFill>
+                  <a:schemeClr val="tx1"/>
+                </a:solidFill>
+                <a:latin typeface="+mn-lt"/>
+                <a:ea typeface="+mn-ea"/>
+                <a:cs typeface="+mn-cs"/>
+              </a:defRPr>
+            </a:lvl7pPr>
+            <a:lvl8pPr marL="3429000" indent="-228600" algn="l" defTabSz="914400" rtl="0" eaLnBrk="1" latinLnBrk="0" hangingPunct="1">
+              <a:lnSpc>
+                <a:spcPct val="90000"/>
+              </a:lnSpc>
+              <a:spcBef>
+                <a:spcPts val="500"/>
+              </a:spcBef>
+              <a:buFont typeface="Arial" panose="020B0604020202020204" pitchFamily="34" charset="0"/>
+              <a:buChar char="•"/>
+              <a:defRPr sz="1800" kern="1200">
+                <a:solidFill>
+                  <a:schemeClr val="tx1"/>
+                </a:solidFill>
+                <a:latin typeface="+mn-lt"/>
+                <a:ea typeface="+mn-ea"/>
+                <a:cs typeface="+mn-cs"/>
+              </a:defRPr>
+            </a:lvl8pPr>
+            <a:lvl9pPr marL="3886200" indent="-228600" algn="l" defTabSz="914400" rtl="0" eaLnBrk="1" latinLnBrk="0" hangingPunct="1">
+              <a:lnSpc>
+                <a:spcPct val="90000"/>
+              </a:lnSpc>
+              <a:spcBef>
+                <a:spcPts val="500"/>
+              </a:spcBef>
+              <a:buFont typeface="Arial" panose="020B0604020202020204" pitchFamily="34" charset="0"/>
+              <a:buChar char="•"/>
+              <a:defRPr sz="1800" kern="1200">
+                <a:solidFill>
+                  <a:schemeClr val="tx1"/>
+                </a:solidFill>
+                <a:latin typeface="+mn-lt"/>
+                <a:ea typeface="+mn-ea"/>
+                <a:cs typeface="+mn-cs"/>
+              </a:defRPr>
+            </a:lvl9pPr>
+          </a:lstStyle>
+          <a:p>
+            <a:pPr marL="0" indent="0" algn="ctr">
+              <a:buFont typeface="Arial" panose="020B0604020202020204" pitchFamily="34" charset="0"/>
+              <a:buNone/>
+            </a:pPr>
+            <a:r>
+              <a:rPr lang="de-DE" sz="2000">
+                <a:latin typeface="Arial" panose="020B0604020202020204" pitchFamily="34" charset="0"/>
+              </a:rPr>
+              <a:t>Standardabweichung der Werte eines bestimmten Gesundheitsparameters über alle Patienten</a:t>
+            </a:r>
+            <a:endParaRPr lang="de-DE" sz="2000" dirty="0"/>
+          </a:p>
+        </p:txBody>
+      </p:sp>
+      <p:pic>
+        <p:nvPicPr>
+          <p:cNvPr id="12" name="Grafik 11">
+            <a:extLst>
+              <a:ext uri="{FF2B5EF4-FFF2-40B4-BE49-F238E27FC236}">
+                <a16:creationId xmlns:a16="http://schemas.microsoft.com/office/drawing/2014/main" id="{9849EC6C-A3F7-4777-830C-E9B1008B12EE}"/>
+              </a:ext>
+            </a:extLst>
+          </p:cNvPr>
+          <p:cNvPicPr>
+            <a:picLocks noChangeAspect="1"/>
+          </p:cNvPicPr>
+          <p:nvPr/>
+        </p:nvPicPr>
+        <p:blipFill>
+          <a:blip r:embed="rId2"/>
+          <a:stretch>
+            <a:fillRect/>
+          </a:stretch>
+        </p:blipFill>
+        <p:spPr>
+          <a:xfrm>
+            <a:off x="2266950" y="3239559"/>
+            <a:ext cx="7658100" cy="2495550"/>
+          </a:xfrm>
+          <a:prstGeom prst="rect">
+            <a:avLst/>
+          </a:prstGeom>
+        </p:spPr>
+      </p:pic>
+    </p:spTree>
+    <p:extLst>
+      <p:ext uri="{BB962C8B-B14F-4D97-AF65-F5344CB8AC3E}">
+        <p14:creationId xmlns:p14="http://schemas.microsoft.com/office/powerpoint/2010/main" val="1426045423"/>
+      </p:ext>
+    </p:extLst>
+  </p:cSld>
+  <p:clrMapOvr>
+    <a:masterClrMapping/>
+  </p:clrMapOvr>
+  <mc:AlternateContent xmlns:mc="http://schemas.openxmlformats.org/markup-compatibility/2006" xmlns:p14="http://schemas.microsoft.com/office/powerpoint/2010/main">
+    <mc:Choice Requires="p14">
+      <p:transition spd="slow" p14:dur="2000" advTm="35373"/>
+    </mc:Choice>
+    <mc:Fallback xmlns="">
+      <p:transition spd="slow" advTm="35373"/>
+    </mc:Fallback>
+  </mc:AlternateContent>
+</p:sld>
+</file>
+
+<file path=ppt/slides/slide18.xml><?xml version="1.0" encoding="utf-8"?>
+<p:sld xmlns:a="http://schemas.openxmlformats.org/drawingml/2006/main" xmlns:r="http://schemas.openxmlformats.org/officeDocument/2006/relationships" xmlns:p="http://schemas.openxmlformats.org/presentationml/2006/main">
+  <p:cSld>
+    <p:spTree>
+      <p:nvGrpSpPr>
+        <p:cNvPr id="1" name=""/>
+        <p:cNvGrpSpPr/>
+        <p:nvPr/>
+      </p:nvGrpSpPr>
+      <p:grpSpPr>
+        <a:xfrm>
+          <a:off x="0" y="0"/>
+          <a:ext cx="0" cy="0"/>
+          <a:chOff x="0" y="0"/>
+          <a:chExt cx="0" cy="0"/>
+        </a:xfrm>
+      </p:grpSpPr>
+      <p:sp>
+        <p:nvSpPr>
+          <p:cNvPr id="2" name="Titel 1"/>
+          <p:cNvSpPr>
+            <a:spLocks noGrp="1"/>
+          </p:cNvSpPr>
+          <p:nvPr>
+            <p:ph type="title"/>
+          </p:nvPr>
+        </p:nvSpPr>
+        <p:spPr/>
+        <p:txBody>
+          <a:bodyPr>
+            <a:normAutofit/>
+          </a:bodyPr>
+          <a:lstStyle/>
+          <a:p>
+            <a:r>
+              <a:rPr lang="en-US" dirty="0"/>
+              <a:t>R-Analysis</a:t>
+            </a:r>
+            <a:endParaRPr lang="de-DE" dirty="0"/>
+          </a:p>
+        </p:txBody>
+      </p:sp>
+      <p:sp>
+        <p:nvSpPr>
+          <p:cNvPr id="4" name="Datumsplatzhalter 3"/>
+          <p:cNvSpPr>
+            <a:spLocks noGrp="1"/>
+          </p:cNvSpPr>
+          <p:nvPr>
+            <p:ph type="dt" sz="half" idx="14"/>
+          </p:nvPr>
+        </p:nvSpPr>
+        <p:spPr/>
+        <p:txBody>
+          <a:bodyPr/>
+          <a:lstStyle/>
+          <a:p>
+            <a:r>
+              <a:rPr lang="en-US" sz="1000"/>
+              <a:t>27.01.2021</a:t>
+            </a:r>
+            <a:endParaRPr lang="de-DE" dirty="0"/>
+          </a:p>
+        </p:txBody>
+      </p:sp>
+      <p:sp>
+        <p:nvSpPr>
+          <p:cNvPr id="3" name="Fußzeilenplatzhalter 2">
+            <a:extLst>
+              <a:ext uri="{FF2B5EF4-FFF2-40B4-BE49-F238E27FC236}">
+                <a16:creationId xmlns:a16="http://schemas.microsoft.com/office/drawing/2014/main" id="{B98E6ED0-F096-43AE-9AE1-5BB56958451C}"/>
+              </a:ext>
+            </a:extLst>
+          </p:cNvPr>
+          <p:cNvSpPr>
+            <a:spLocks noGrp="1"/>
+          </p:cNvSpPr>
+          <p:nvPr>
+            <p:ph type="ftr" sz="quarter" idx="15"/>
+          </p:nvPr>
+        </p:nvSpPr>
+        <p:spPr/>
+        <p:txBody>
+          <a:bodyPr/>
+          <a:lstStyle/>
+          <a:p>
+            <a:r>
+              <a:rPr lang="de-DE"/>
+              <a:t>Business Analytics Semesterprojekt</a:t>
+            </a:r>
+            <a:endParaRPr lang="de-DE" dirty="0"/>
+          </a:p>
+        </p:txBody>
+      </p:sp>
+      <p:sp>
+        <p:nvSpPr>
+          <p:cNvPr id="5" name="Foliennummernplatzhalter 4"/>
+          <p:cNvSpPr>
+            <a:spLocks noGrp="1"/>
+          </p:cNvSpPr>
+          <p:nvPr>
+            <p:ph type="sldNum" sz="quarter" idx="16"/>
+          </p:nvPr>
+        </p:nvSpPr>
+        <p:spPr/>
+        <p:txBody>
+          <a:bodyPr/>
+          <a:lstStyle/>
+          <a:p>
+            <a:fld id="{129916D8-1490-4DD4-88F6-5306CFA90256}" type="slidenum">
+              <a:rPr lang="de-DE" sz="1000" smtClean="0"/>
+              <a:t>18</a:t>
+            </a:fld>
+            <a:endParaRPr lang="de-DE" sz="1000" dirty="0"/>
+          </a:p>
+        </p:txBody>
+      </p:sp>
+      <p:sp>
+        <p:nvSpPr>
+          <p:cNvPr id="22" name="Inhaltsplatzhalter 6">
+            <a:extLst>
+              <a:ext uri="{FF2B5EF4-FFF2-40B4-BE49-F238E27FC236}">
+                <a16:creationId xmlns:a16="http://schemas.microsoft.com/office/drawing/2014/main" id="{7EFCD99F-2A43-45C0-A91C-E8C845D74599}"/>
+              </a:ext>
+            </a:extLst>
+          </p:cNvPr>
+          <p:cNvSpPr txBox="1">
+            <a:spLocks/>
+          </p:cNvSpPr>
+          <p:nvPr/>
+        </p:nvSpPr>
+        <p:spPr>
+          <a:xfrm>
+            <a:off x="491836" y="1690619"/>
+            <a:ext cx="11509037" cy="4408873"/>
+          </a:xfrm>
+          <a:prstGeom prst="rect">
+            <a:avLst/>
+          </a:prstGeom>
+        </p:spPr>
+        <p:txBody>
+          <a:bodyPr>
+            <a:normAutofit/>
+          </a:bodyPr>
+          <a:lstStyle>
+            <a:lvl1pPr marL="361950" indent="-361950" algn="l" defTabSz="914400" rtl="0" eaLnBrk="1" latinLnBrk="0" hangingPunct="1">
+              <a:lnSpc>
+                <a:spcPct val="100000"/>
+              </a:lnSpc>
+              <a:spcBef>
+                <a:spcPts val="1000"/>
+              </a:spcBef>
+              <a:buClr>
+                <a:schemeClr val="accent1"/>
+              </a:buClr>
+              <a:buSzPct val="80000"/>
+              <a:buFont typeface="Arial" panose="020B0604020202020204" pitchFamily="34" charset="0"/>
+              <a:buChar char="●"/>
+              <a:defRPr sz="2000" kern="1200">
+                <a:solidFill>
+                  <a:schemeClr val="tx1"/>
+                </a:solidFill>
+                <a:latin typeface="+mn-lt"/>
+                <a:ea typeface="+mn-ea"/>
+                <a:cs typeface="+mn-cs"/>
+              </a:defRPr>
+            </a:lvl1pPr>
+            <a:lvl2pPr marL="717550" indent="-266700" algn="l" defTabSz="914400" rtl="0" eaLnBrk="1" latinLnBrk="0" hangingPunct="1">
+              <a:lnSpc>
+                <a:spcPct val="90000"/>
+              </a:lnSpc>
+              <a:spcBef>
+                <a:spcPts val="500"/>
+              </a:spcBef>
+              <a:buClr>
+                <a:schemeClr val="accent1"/>
+              </a:buClr>
+              <a:buSzPct val="90000"/>
+              <a:buFont typeface="Wingdings" panose="05000000000000000000" pitchFamily="2" charset="2"/>
+              <a:buChar char="§"/>
+              <a:defRPr sz="1800" kern="1200">
+                <a:solidFill>
+                  <a:schemeClr val="tx1"/>
+                </a:solidFill>
+                <a:latin typeface="+mn-lt"/>
+                <a:ea typeface="+mn-ea"/>
+                <a:cs typeface="+mn-cs"/>
+              </a:defRPr>
+            </a:lvl2pPr>
+            <a:lvl3pPr marL="1079500" indent="-273050" algn="l" defTabSz="914400" rtl="0" eaLnBrk="1" latinLnBrk="0" hangingPunct="1">
+              <a:lnSpc>
+                <a:spcPct val="90000"/>
+              </a:lnSpc>
+              <a:spcBef>
+                <a:spcPts val="500"/>
+              </a:spcBef>
+              <a:buClr>
+                <a:schemeClr val="accent1"/>
+              </a:buClr>
+              <a:buFont typeface="Arial" panose="020B0604020202020204" pitchFamily="34" charset="0"/>
+              <a:buChar char="•"/>
+              <a:defRPr sz="1600" kern="1200">
+                <a:solidFill>
+                  <a:schemeClr val="tx1"/>
+                </a:solidFill>
+                <a:latin typeface="+mn-lt"/>
+                <a:ea typeface="+mn-ea"/>
+                <a:cs typeface="+mn-cs"/>
+              </a:defRPr>
+            </a:lvl3pPr>
+            <a:lvl4pPr marL="1435100" indent="-266700" algn="l" defTabSz="914400" rtl="0" eaLnBrk="1" latinLnBrk="0" hangingPunct="1">
+              <a:lnSpc>
+                <a:spcPct val="90000"/>
+              </a:lnSpc>
+              <a:spcBef>
+                <a:spcPts val="500"/>
+              </a:spcBef>
+              <a:buClr>
+                <a:schemeClr val="accent1"/>
+              </a:buClr>
+              <a:buSzPct val="100000"/>
+              <a:buFont typeface="Arial" panose="020B0604020202020204" pitchFamily="34" charset="0"/>
+              <a:buChar char="–"/>
+              <a:defRPr sz="1400" kern="1200">
+                <a:solidFill>
+                  <a:schemeClr val="tx1"/>
+                </a:solidFill>
+                <a:latin typeface="+mn-lt"/>
+                <a:ea typeface="+mn-ea"/>
+                <a:cs typeface="+mn-cs"/>
+              </a:defRPr>
+            </a:lvl4pPr>
+            <a:lvl5pPr marL="1797050" indent="-273050" algn="l" defTabSz="914400" rtl="0" eaLnBrk="1" latinLnBrk="0" hangingPunct="1">
+              <a:lnSpc>
+                <a:spcPct val="90000"/>
+              </a:lnSpc>
+              <a:spcBef>
+                <a:spcPts val="500"/>
+              </a:spcBef>
+              <a:buClr>
+                <a:schemeClr val="accent1"/>
+              </a:buClr>
+              <a:buFont typeface="Arial" panose="020B0604020202020204" pitchFamily="34" charset="0"/>
+              <a:buChar char="»"/>
+              <a:defRPr sz="1200" kern="1200">
+                <a:solidFill>
+                  <a:schemeClr val="tx1"/>
+                </a:solidFill>
+                <a:latin typeface="+mn-lt"/>
+                <a:ea typeface="+mn-ea"/>
+                <a:cs typeface="+mn-cs"/>
+              </a:defRPr>
+            </a:lvl5pPr>
+            <a:lvl6pPr marL="2514600" indent="-228600" algn="l" defTabSz="914400" rtl="0" eaLnBrk="1" latinLnBrk="0" hangingPunct="1">
+              <a:lnSpc>
+                <a:spcPct val="90000"/>
+              </a:lnSpc>
+              <a:spcBef>
+                <a:spcPts val="500"/>
+              </a:spcBef>
+              <a:buFont typeface="Arial" panose="020B0604020202020204" pitchFamily="34" charset="0"/>
+              <a:buChar char="•"/>
+              <a:defRPr sz="1800" kern="1200">
+                <a:solidFill>
+                  <a:schemeClr val="tx1"/>
+                </a:solidFill>
+                <a:latin typeface="+mn-lt"/>
+                <a:ea typeface="+mn-ea"/>
+                <a:cs typeface="+mn-cs"/>
+              </a:defRPr>
+            </a:lvl6pPr>
+            <a:lvl7pPr marL="2971800" indent="-228600" algn="l" defTabSz="914400" rtl="0" eaLnBrk="1" latinLnBrk="0" hangingPunct="1">
+              <a:lnSpc>
+                <a:spcPct val="90000"/>
+              </a:lnSpc>
+              <a:spcBef>
+                <a:spcPts val="500"/>
+              </a:spcBef>
+              <a:buFont typeface="Arial" panose="020B0604020202020204" pitchFamily="34" charset="0"/>
+              <a:buChar char="•"/>
+              <a:defRPr sz="1800" kern="1200">
+                <a:solidFill>
+                  <a:schemeClr val="tx1"/>
+                </a:solidFill>
+                <a:latin typeface="+mn-lt"/>
+                <a:ea typeface="+mn-ea"/>
+                <a:cs typeface="+mn-cs"/>
+              </a:defRPr>
+            </a:lvl7pPr>
+            <a:lvl8pPr marL="3429000" indent="-228600" algn="l" defTabSz="914400" rtl="0" eaLnBrk="1" latinLnBrk="0" hangingPunct="1">
+              <a:lnSpc>
+                <a:spcPct val="90000"/>
+              </a:lnSpc>
+              <a:spcBef>
+                <a:spcPts val="500"/>
+              </a:spcBef>
+              <a:buFont typeface="Arial" panose="020B0604020202020204" pitchFamily="34" charset="0"/>
+              <a:buChar char="•"/>
+              <a:defRPr sz="1800" kern="1200">
+                <a:solidFill>
+                  <a:schemeClr val="tx1"/>
+                </a:solidFill>
+                <a:latin typeface="+mn-lt"/>
+                <a:ea typeface="+mn-ea"/>
+                <a:cs typeface="+mn-cs"/>
+              </a:defRPr>
+            </a:lvl8pPr>
+            <a:lvl9pPr marL="3886200" indent="-228600" algn="l" defTabSz="914400" rtl="0" eaLnBrk="1" latinLnBrk="0" hangingPunct="1">
+              <a:lnSpc>
+                <a:spcPct val="90000"/>
+              </a:lnSpc>
+              <a:spcBef>
+                <a:spcPts val="500"/>
+              </a:spcBef>
+              <a:buFont typeface="Arial" panose="020B0604020202020204" pitchFamily="34" charset="0"/>
+              <a:buChar char="•"/>
+              <a:defRPr sz="1800" kern="1200">
+                <a:solidFill>
+                  <a:schemeClr val="tx1"/>
+                </a:solidFill>
+                <a:latin typeface="+mn-lt"/>
+                <a:ea typeface="+mn-ea"/>
+                <a:cs typeface="+mn-cs"/>
+              </a:defRPr>
+            </a:lvl9pPr>
+          </a:lstStyle>
+          <a:p>
+            <a:endParaRPr lang="de-DE" dirty="0"/>
+          </a:p>
+        </p:txBody>
+      </p:sp>
+      <p:sp>
+        <p:nvSpPr>
+          <p:cNvPr id="9" name="Inhaltsplatzhalter 2">
+            <a:extLst>
+              <a:ext uri="{FF2B5EF4-FFF2-40B4-BE49-F238E27FC236}">
+                <a16:creationId xmlns:a16="http://schemas.microsoft.com/office/drawing/2014/main" id="{48BA44E5-9CE9-476D-AA11-AD85749E240F}"/>
+              </a:ext>
+            </a:extLst>
+          </p:cNvPr>
+          <p:cNvSpPr txBox="1">
+            <a:spLocks/>
+          </p:cNvSpPr>
+          <p:nvPr/>
+        </p:nvSpPr>
+        <p:spPr>
+          <a:xfrm>
+            <a:off x="838200" y="1825625"/>
+            <a:ext cx="10515600" cy="4351338"/>
+          </a:xfrm>
+          <a:prstGeom prst="rect">
+            <a:avLst/>
+          </a:prstGeom>
+        </p:spPr>
+        <p:txBody>
+          <a:bodyPr>
+            <a:normAutofit/>
+          </a:bodyPr>
+          <a:lstStyle>
+            <a:lvl1pPr marL="228600" indent="-228600" algn="l" defTabSz="914400" rtl="0" eaLnBrk="1" latinLnBrk="0" hangingPunct="1">
+              <a:lnSpc>
+                <a:spcPct val="90000"/>
+              </a:lnSpc>
+              <a:spcBef>
+                <a:spcPts val="1000"/>
+              </a:spcBef>
+              <a:buFont typeface="Arial" panose="020B0604020202020204" pitchFamily="34" charset="0"/>
+              <a:buChar char="•"/>
+              <a:defRPr sz="2800" kern="1200">
+                <a:solidFill>
+                  <a:schemeClr val="tx1"/>
+                </a:solidFill>
+                <a:latin typeface="+mn-lt"/>
+                <a:ea typeface="+mn-ea"/>
+                <a:cs typeface="+mn-cs"/>
+              </a:defRPr>
+            </a:lvl1pPr>
+            <a:lvl2pPr marL="685800" indent="-228600" algn="l" defTabSz="914400" rtl="0" eaLnBrk="1" latinLnBrk="0" hangingPunct="1">
+              <a:lnSpc>
+                <a:spcPct val="90000"/>
+              </a:lnSpc>
+              <a:spcBef>
+                <a:spcPts val="500"/>
+              </a:spcBef>
+              <a:buFont typeface="Arial" panose="020B0604020202020204" pitchFamily="34" charset="0"/>
+              <a:buChar char="•"/>
+              <a:defRPr sz="2400" kern="1200">
+                <a:solidFill>
+                  <a:schemeClr val="tx1"/>
+                </a:solidFill>
+                <a:latin typeface="+mn-lt"/>
+                <a:ea typeface="+mn-ea"/>
+                <a:cs typeface="+mn-cs"/>
+              </a:defRPr>
+            </a:lvl2pPr>
+            <a:lvl3pPr marL="1143000" indent="-228600" algn="l" defTabSz="914400" rtl="0" eaLnBrk="1" latinLnBrk="0" hangingPunct="1">
+              <a:lnSpc>
+                <a:spcPct val="90000"/>
+              </a:lnSpc>
+              <a:spcBef>
+                <a:spcPts val="500"/>
+              </a:spcBef>
+              <a:buFont typeface="Arial" panose="020B0604020202020204" pitchFamily="34" charset="0"/>
+              <a:buChar char="•"/>
+              <a:defRPr sz="2000" kern="1200">
+                <a:solidFill>
+                  <a:schemeClr val="tx1"/>
+                </a:solidFill>
+                <a:latin typeface="+mn-lt"/>
+                <a:ea typeface="+mn-ea"/>
+                <a:cs typeface="+mn-cs"/>
+              </a:defRPr>
+            </a:lvl3pPr>
+            <a:lvl4pPr marL="1600200" indent="-228600" algn="l" defTabSz="914400" rtl="0" eaLnBrk="1" latinLnBrk="0" hangingPunct="1">
+              <a:lnSpc>
+                <a:spcPct val="90000"/>
+              </a:lnSpc>
+              <a:spcBef>
+                <a:spcPts val="500"/>
+              </a:spcBef>
+              <a:buFont typeface="Arial" panose="020B0604020202020204" pitchFamily="34" charset="0"/>
+              <a:buChar char="•"/>
+              <a:defRPr sz="1800" kern="1200">
+                <a:solidFill>
+                  <a:schemeClr val="tx1"/>
+                </a:solidFill>
+                <a:latin typeface="+mn-lt"/>
+                <a:ea typeface="+mn-ea"/>
+                <a:cs typeface="+mn-cs"/>
+              </a:defRPr>
+            </a:lvl4pPr>
+            <a:lvl5pPr marL="2057400" indent="-228600" algn="l" defTabSz="914400" rtl="0" eaLnBrk="1" latinLnBrk="0" hangingPunct="1">
+              <a:lnSpc>
+                <a:spcPct val="90000"/>
+              </a:lnSpc>
+              <a:spcBef>
+                <a:spcPts val="500"/>
+              </a:spcBef>
+              <a:buFont typeface="Arial" panose="020B0604020202020204" pitchFamily="34" charset="0"/>
+              <a:buChar char="•"/>
+              <a:defRPr sz="1800" kern="1200">
+                <a:solidFill>
+                  <a:schemeClr val="tx1"/>
+                </a:solidFill>
+                <a:latin typeface="+mn-lt"/>
+                <a:ea typeface="+mn-ea"/>
+                <a:cs typeface="+mn-cs"/>
+              </a:defRPr>
+            </a:lvl5pPr>
+            <a:lvl6pPr marL="2514600" indent="-228600" algn="l" defTabSz="914400" rtl="0" eaLnBrk="1" latinLnBrk="0" hangingPunct="1">
+              <a:lnSpc>
+                <a:spcPct val="90000"/>
+              </a:lnSpc>
+              <a:spcBef>
+                <a:spcPts val="500"/>
+              </a:spcBef>
+              <a:buFont typeface="Arial" panose="020B0604020202020204" pitchFamily="34" charset="0"/>
+              <a:buChar char="•"/>
+              <a:defRPr sz="1800" kern="1200">
+                <a:solidFill>
+                  <a:schemeClr val="tx1"/>
+                </a:solidFill>
+                <a:latin typeface="+mn-lt"/>
+                <a:ea typeface="+mn-ea"/>
+                <a:cs typeface="+mn-cs"/>
+              </a:defRPr>
+            </a:lvl6pPr>
+            <a:lvl7pPr marL="2971800" indent="-228600" algn="l" defTabSz="914400" rtl="0" eaLnBrk="1" latinLnBrk="0" hangingPunct="1">
+              <a:lnSpc>
+                <a:spcPct val="90000"/>
+              </a:lnSpc>
+              <a:spcBef>
+                <a:spcPts val="500"/>
+              </a:spcBef>
+              <a:buFont typeface="Arial" panose="020B0604020202020204" pitchFamily="34" charset="0"/>
+              <a:buChar char="•"/>
+              <a:defRPr sz="1800" kern="1200">
+                <a:solidFill>
+                  <a:schemeClr val="tx1"/>
+                </a:solidFill>
+                <a:latin typeface="+mn-lt"/>
+                <a:ea typeface="+mn-ea"/>
+                <a:cs typeface="+mn-cs"/>
+              </a:defRPr>
+            </a:lvl7pPr>
+            <a:lvl8pPr marL="3429000" indent="-228600" algn="l" defTabSz="914400" rtl="0" eaLnBrk="1" latinLnBrk="0" hangingPunct="1">
+              <a:lnSpc>
+                <a:spcPct val="90000"/>
+              </a:lnSpc>
+              <a:spcBef>
+                <a:spcPts val="500"/>
+              </a:spcBef>
+              <a:buFont typeface="Arial" panose="020B0604020202020204" pitchFamily="34" charset="0"/>
+              <a:buChar char="•"/>
+              <a:defRPr sz="1800" kern="1200">
+                <a:solidFill>
+                  <a:schemeClr val="tx1"/>
+                </a:solidFill>
+                <a:latin typeface="+mn-lt"/>
+                <a:ea typeface="+mn-ea"/>
+                <a:cs typeface="+mn-cs"/>
+              </a:defRPr>
+            </a:lvl8pPr>
+            <a:lvl9pPr marL="3886200" indent="-228600" algn="l" defTabSz="914400" rtl="0" eaLnBrk="1" latinLnBrk="0" hangingPunct="1">
+              <a:lnSpc>
+                <a:spcPct val="90000"/>
+              </a:lnSpc>
+              <a:spcBef>
+                <a:spcPts val="500"/>
+              </a:spcBef>
+              <a:buFont typeface="Arial" panose="020B0604020202020204" pitchFamily="34" charset="0"/>
+              <a:buChar char="•"/>
+              <a:defRPr sz="1800" kern="1200">
+                <a:solidFill>
+                  <a:schemeClr val="tx1"/>
+                </a:solidFill>
+                <a:latin typeface="+mn-lt"/>
+                <a:ea typeface="+mn-ea"/>
+                <a:cs typeface="+mn-cs"/>
+              </a:defRPr>
+            </a:lvl9pPr>
+          </a:lstStyle>
+          <a:p>
+            <a:pPr marL="0" indent="0" algn="ctr">
+              <a:buFont typeface="Arial" panose="020B0604020202020204" pitchFamily="34" charset="0"/>
+              <a:buNone/>
+            </a:pPr>
+            <a:r>
+              <a:rPr lang="de-DE" sz="2000">
+                <a:latin typeface="Arial" panose="020B0604020202020204" pitchFamily="34" charset="0"/>
+              </a:rPr>
+              <a:t>Alle Parameter-Werte eines bestimmten Patienten zu einem bestimmten Parameter</a:t>
+            </a:r>
+            <a:endParaRPr lang="de-DE" sz="2000" dirty="0"/>
+          </a:p>
+        </p:txBody>
+      </p:sp>
+      <p:pic>
+        <p:nvPicPr>
+          <p:cNvPr id="10" name="Grafik 9">
+            <a:extLst>
+              <a:ext uri="{FF2B5EF4-FFF2-40B4-BE49-F238E27FC236}">
+                <a16:creationId xmlns:a16="http://schemas.microsoft.com/office/drawing/2014/main" id="{A2371D44-797F-4985-AB96-1703819E9667}"/>
+              </a:ext>
+            </a:extLst>
+          </p:cNvPr>
+          <p:cNvPicPr>
+            <a:picLocks noChangeAspect="1"/>
+          </p:cNvPicPr>
+          <p:nvPr/>
+        </p:nvPicPr>
+        <p:blipFill>
+          <a:blip r:embed="rId2"/>
+          <a:stretch>
+            <a:fillRect/>
+          </a:stretch>
+        </p:blipFill>
+        <p:spPr>
+          <a:xfrm>
+            <a:off x="1122783" y="3650606"/>
+            <a:ext cx="9946433" cy="1690386"/>
+          </a:xfrm>
+          <a:prstGeom prst="rect">
+            <a:avLst/>
+          </a:prstGeom>
+        </p:spPr>
+      </p:pic>
+    </p:spTree>
+    <p:extLst>
+      <p:ext uri="{BB962C8B-B14F-4D97-AF65-F5344CB8AC3E}">
+        <p14:creationId xmlns:p14="http://schemas.microsoft.com/office/powerpoint/2010/main" val="4043148743"/>
+      </p:ext>
+    </p:extLst>
+  </p:cSld>
+  <p:clrMapOvr>
+    <a:masterClrMapping/>
+  </p:clrMapOvr>
+  <mc:AlternateContent xmlns:mc="http://schemas.openxmlformats.org/markup-compatibility/2006" xmlns:p14="http://schemas.microsoft.com/office/powerpoint/2010/main">
+    <mc:Choice Requires="p14">
+      <p:transition spd="slow" p14:dur="2000" advTm="35373"/>
+    </mc:Choice>
+    <mc:Fallback xmlns="">
+      <p:transition spd="slow" advTm="35373"/>
+    </mc:Fallback>
+  </mc:AlternateContent>
+</p:sld>
+</file>
+
+<file path=ppt/slides/slide19.xml><?xml version="1.0" encoding="utf-8"?>
+<p:sld xmlns:a="http://schemas.openxmlformats.org/drawingml/2006/main" xmlns:r="http://schemas.openxmlformats.org/officeDocument/2006/relationships" xmlns:p="http://schemas.openxmlformats.org/presentationml/2006/main">
+  <p:cSld>
+    <p:spTree>
+      <p:nvGrpSpPr>
+        <p:cNvPr id="1" name=""/>
+        <p:cNvGrpSpPr/>
+        <p:nvPr/>
+      </p:nvGrpSpPr>
+      <p:grpSpPr>
+        <a:xfrm>
+          <a:off x="0" y="0"/>
+          <a:ext cx="0" cy="0"/>
+          <a:chOff x="0" y="0"/>
+          <a:chExt cx="0" cy="0"/>
+        </a:xfrm>
+      </p:grpSpPr>
+      <p:sp>
+        <p:nvSpPr>
+          <p:cNvPr id="2" name="Titel 1"/>
+          <p:cNvSpPr>
+            <a:spLocks noGrp="1"/>
+          </p:cNvSpPr>
+          <p:nvPr>
+            <p:ph type="title"/>
+          </p:nvPr>
+        </p:nvSpPr>
+        <p:spPr/>
+        <p:txBody>
+          <a:bodyPr>
+            <a:normAutofit/>
+          </a:bodyPr>
+          <a:lstStyle/>
+          <a:p>
+            <a:r>
+              <a:rPr lang="en-US" dirty="0"/>
+              <a:t>R-Analysis</a:t>
+            </a:r>
+            <a:endParaRPr lang="de-DE" dirty="0"/>
+          </a:p>
+        </p:txBody>
+      </p:sp>
+      <p:sp>
+        <p:nvSpPr>
+          <p:cNvPr id="4" name="Datumsplatzhalter 3"/>
+          <p:cNvSpPr>
+            <a:spLocks noGrp="1"/>
+          </p:cNvSpPr>
+          <p:nvPr>
+            <p:ph type="dt" sz="half" idx="14"/>
+          </p:nvPr>
+        </p:nvSpPr>
+        <p:spPr/>
+        <p:txBody>
+          <a:bodyPr/>
+          <a:lstStyle/>
+          <a:p>
+            <a:r>
+              <a:rPr lang="en-US" sz="1000"/>
+              <a:t>27.01.2021</a:t>
+            </a:r>
+            <a:endParaRPr lang="de-DE" dirty="0"/>
+          </a:p>
+        </p:txBody>
+      </p:sp>
+      <p:sp>
+        <p:nvSpPr>
+          <p:cNvPr id="3" name="Fußzeilenplatzhalter 2">
+            <a:extLst>
+              <a:ext uri="{FF2B5EF4-FFF2-40B4-BE49-F238E27FC236}">
+                <a16:creationId xmlns:a16="http://schemas.microsoft.com/office/drawing/2014/main" id="{B98E6ED0-F096-43AE-9AE1-5BB56958451C}"/>
+              </a:ext>
+            </a:extLst>
+          </p:cNvPr>
+          <p:cNvSpPr>
+            <a:spLocks noGrp="1"/>
+          </p:cNvSpPr>
+          <p:nvPr>
+            <p:ph type="ftr" sz="quarter" idx="15"/>
+          </p:nvPr>
+        </p:nvSpPr>
+        <p:spPr/>
+        <p:txBody>
+          <a:bodyPr/>
+          <a:lstStyle/>
+          <a:p>
+            <a:r>
+              <a:rPr lang="de-DE"/>
+              <a:t>Business Analytics Semesterprojekt</a:t>
+            </a:r>
+            <a:endParaRPr lang="de-DE" dirty="0"/>
+          </a:p>
+        </p:txBody>
+      </p:sp>
+      <p:sp>
+        <p:nvSpPr>
+          <p:cNvPr id="5" name="Foliennummernplatzhalter 4"/>
+          <p:cNvSpPr>
+            <a:spLocks noGrp="1"/>
+          </p:cNvSpPr>
+          <p:nvPr>
+            <p:ph type="sldNum" sz="quarter" idx="16"/>
+          </p:nvPr>
+        </p:nvSpPr>
+        <p:spPr/>
+        <p:txBody>
+          <a:bodyPr/>
+          <a:lstStyle/>
+          <a:p>
+            <a:fld id="{129916D8-1490-4DD4-88F6-5306CFA90256}" type="slidenum">
+              <a:rPr lang="de-DE" sz="1000" smtClean="0"/>
+              <a:t>19</a:t>
+            </a:fld>
+            <a:endParaRPr lang="de-DE" sz="1000" dirty="0"/>
+          </a:p>
+        </p:txBody>
+      </p:sp>
+      <p:sp>
+        <p:nvSpPr>
+          <p:cNvPr id="22" name="Inhaltsplatzhalter 6">
+            <a:extLst>
+              <a:ext uri="{FF2B5EF4-FFF2-40B4-BE49-F238E27FC236}">
+                <a16:creationId xmlns:a16="http://schemas.microsoft.com/office/drawing/2014/main" id="{7EFCD99F-2A43-45C0-A91C-E8C845D74599}"/>
+              </a:ext>
+            </a:extLst>
+          </p:cNvPr>
+          <p:cNvSpPr txBox="1">
+            <a:spLocks/>
+          </p:cNvSpPr>
+          <p:nvPr/>
+        </p:nvSpPr>
+        <p:spPr>
+          <a:xfrm>
+            <a:off x="491836" y="1690619"/>
+            <a:ext cx="11509037" cy="4408873"/>
+          </a:xfrm>
+          <a:prstGeom prst="rect">
+            <a:avLst/>
+          </a:prstGeom>
+        </p:spPr>
+        <p:txBody>
+          <a:bodyPr>
+            <a:normAutofit/>
+          </a:bodyPr>
+          <a:lstStyle>
+            <a:lvl1pPr marL="361950" indent="-361950" algn="l" defTabSz="914400" rtl="0" eaLnBrk="1" latinLnBrk="0" hangingPunct="1">
+              <a:lnSpc>
+                <a:spcPct val="100000"/>
+              </a:lnSpc>
+              <a:spcBef>
+                <a:spcPts val="1000"/>
+              </a:spcBef>
+              <a:buClr>
+                <a:schemeClr val="accent1"/>
+              </a:buClr>
+              <a:buSzPct val="80000"/>
+              <a:buFont typeface="Arial" panose="020B0604020202020204" pitchFamily="34" charset="0"/>
+              <a:buChar char="●"/>
+              <a:defRPr sz="2000" kern="1200">
+                <a:solidFill>
+                  <a:schemeClr val="tx1"/>
+                </a:solidFill>
+                <a:latin typeface="+mn-lt"/>
+                <a:ea typeface="+mn-ea"/>
+                <a:cs typeface="+mn-cs"/>
+              </a:defRPr>
+            </a:lvl1pPr>
+            <a:lvl2pPr marL="717550" indent="-266700" algn="l" defTabSz="914400" rtl="0" eaLnBrk="1" latinLnBrk="0" hangingPunct="1">
+              <a:lnSpc>
+                <a:spcPct val="90000"/>
+              </a:lnSpc>
+              <a:spcBef>
+                <a:spcPts val="500"/>
+              </a:spcBef>
+              <a:buClr>
+                <a:schemeClr val="accent1"/>
+              </a:buClr>
+              <a:buSzPct val="90000"/>
+              <a:buFont typeface="Wingdings" panose="05000000000000000000" pitchFamily="2" charset="2"/>
+              <a:buChar char="§"/>
+              <a:defRPr sz="1800" kern="1200">
+                <a:solidFill>
+                  <a:schemeClr val="tx1"/>
+                </a:solidFill>
+                <a:latin typeface="+mn-lt"/>
+                <a:ea typeface="+mn-ea"/>
+                <a:cs typeface="+mn-cs"/>
+              </a:defRPr>
+            </a:lvl2pPr>
+            <a:lvl3pPr marL="1079500" indent="-273050" algn="l" defTabSz="914400" rtl="0" eaLnBrk="1" latinLnBrk="0" hangingPunct="1">
+              <a:lnSpc>
+                <a:spcPct val="90000"/>
+              </a:lnSpc>
+              <a:spcBef>
+                <a:spcPts val="500"/>
+              </a:spcBef>
+              <a:buClr>
+                <a:schemeClr val="accent1"/>
+              </a:buClr>
+              <a:buFont typeface="Arial" panose="020B0604020202020204" pitchFamily="34" charset="0"/>
+              <a:buChar char="•"/>
+              <a:defRPr sz="1600" kern="1200">
+                <a:solidFill>
+                  <a:schemeClr val="tx1"/>
+                </a:solidFill>
+                <a:latin typeface="+mn-lt"/>
+                <a:ea typeface="+mn-ea"/>
+                <a:cs typeface="+mn-cs"/>
+              </a:defRPr>
+            </a:lvl3pPr>
+            <a:lvl4pPr marL="1435100" indent="-266700" algn="l" defTabSz="914400" rtl="0" eaLnBrk="1" latinLnBrk="0" hangingPunct="1">
+              <a:lnSpc>
+                <a:spcPct val="90000"/>
+              </a:lnSpc>
+              <a:spcBef>
+                <a:spcPts val="500"/>
+              </a:spcBef>
+              <a:buClr>
+                <a:schemeClr val="accent1"/>
+              </a:buClr>
+              <a:buSzPct val="100000"/>
+              <a:buFont typeface="Arial" panose="020B0604020202020204" pitchFamily="34" charset="0"/>
+              <a:buChar char="–"/>
+              <a:defRPr sz="1400" kern="1200">
+                <a:solidFill>
+                  <a:schemeClr val="tx1"/>
+                </a:solidFill>
+                <a:latin typeface="+mn-lt"/>
+                <a:ea typeface="+mn-ea"/>
+                <a:cs typeface="+mn-cs"/>
+              </a:defRPr>
+            </a:lvl4pPr>
+            <a:lvl5pPr marL="1797050" indent="-273050" algn="l" defTabSz="914400" rtl="0" eaLnBrk="1" latinLnBrk="0" hangingPunct="1">
+              <a:lnSpc>
+                <a:spcPct val="90000"/>
+              </a:lnSpc>
+              <a:spcBef>
+                <a:spcPts val="500"/>
+              </a:spcBef>
+              <a:buClr>
+                <a:schemeClr val="accent1"/>
+              </a:buClr>
+              <a:buFont typeface="Arial" panose="020B0604020202020204" pitchFamily="34" charset="0"/>
+              <a:buChar char="»"/>
+              <a:defRPr sz="1200" kern="1200">
+                <a:solidFill>
+                  <a:schemeClr val="tx1"/>
+                </a:solidFill>
+                <a:latin typeface="+mn-lt"/>
+                <a:ea typeface="+mn-ea"/>
+                <a:cs typeface="+mn-cs"/>
+              </a:defRPr>
+            </a:lvl5pPr>
+            <a:lvl6pPr marL="2514600" indent="-228600" algn="l" defTabSz="914400" rtl="0" eaLnBrk="1" latinLnBrk="0" hangingPunct="1">
+              <a:lnSpc>
+                <a:spcPct val="90000"/>
+              </a:lnSpc>
+              <a:spcBef>
+                <a:spcPts val="500"/>
+              </a:spcBef>
+              <a:buFont typeface="Arial" panose="020B0604020202020204" pitchFamily="34" charset="0"/>
+              <a:buChar char="•"/>
+              <a:defRPr sz="1800" kern="1200">
+                <a:solidFill>
+                  <a:schemeClr val="tx1"/>
+                </a:solidFill>
+                <a:latin typeface="+mn-lt"/>
+                <a:ea typeface="+mn-ea"/>
+                <a:cs typeface="+mn-cs"/>
+              </a:defRPr>
+            </a:lvl6pPr>
+            <a:lvl7pPr marL="2971800" indent="-228600" algn="l" defTabSz="914400" rtl="0" eaLnBrk="1" latinLnBrk="0" hangingPunct="1">
+              <a:lnSpc>
+                <a:spcPct val="90000"/>
+              </a:lnSpc>
+              <a:spcBef>
+                <a:spcPts val="500"/>
+              </a:spcBef>
+              <a:buFont typeface="Arial" panose="020B0604020202020204" pitchFamily="34" charset="0"/>
+              <a:buChar char="•"/>
+              <a:defRPr sz="1800" kern="1200">
+                <a:solidFill>
+                  <a:schemeClr val="tx1"/>
+                </a:solidFill>
+                <a:latin typeface="+mn-lt"/>
+                <a:ea typeface="+mn-ea"/>
+                <a:cs typeface="+mn-cs"/>
+              </a:defRPr>
+            </a:lvl7pPr>
+            <a:lvl8pPr marL="3429000" indent="-228600" algn="l" defTabSz="914400" rtl="0" eaLnBrk="1" latinLnBrk="0" hangingPunct="1">
+              <a:lnSpc>
+                <a:spcPct val="90000"/>
+              </a:lnSpc>
+              <a:spcBef>
+                <a:spcPts val="500"/>
+              </a:spcBef>
+              <a:buFont typeface="Arial" panose="020B0604020202020204" pitchFamily="34" charset="0"/>
+              <a:buChar char="•"/>
+              <a:defRPr sz="1800" kern="1200">
+                <a:solidFill>
+                  <a:schemeClr val="tx1"/>
+                </a:solidFill>
+                <a:latin typeface="+mn-lt"/>
+                <a:ea typeface="+mn-ea"/>
+                <a:cs typeface="+mn-cs"/>
+              </a:defRPr>
+            </a:lvl8pPr>
+            <a:lvl9pPr marL="3886200" indent="-228600" algn="l" defTabSz="914400" rtl="0" eaLnBrk="1" latinLnBrk="0" hangingPunct="1">
+              <a:lnSpc>
+                <a:spcPct val="90000"/>
+              </a:lnSpc>
+              <a:spcBef>
+                <a:spcPts val="500"/>
+              </a:spcBef>
+              <a:buFont typeface="Arial" panose="020B0604020202020204" pitchFamily="34" charset="0"/>
+              <a:buChar char="•"/>
+              <a:defRPr sz="1800" kern="1200">
+                <a:solidFill>
+                  <a:schemeClr val="tx1"/>
+                </a:solidFill>
+                <a:latin typeface="+mn-lt"/>
+                <a:ea typeface="+mn-ea"/>
+                <a:cs typeface="+mn-cs"/>
+              </a:defRPr>
+            </a:lvl9pPr>
+          </a:lstStyle>
+          <a:p>
+            <a:endParaRPr lang="de-DE" dirty="0"/>
+          </a:p>
+        </p:txBody>
+      </p:sp>
+      <p:sp>
+        <p:nvSpPr>
+          <p:cNvPr id="9" name="Inhaltsplatzhalter 2">
+            <a:extLst>
+              <a:ext uri="{FF2B5EF4-FFF2-40B4-BE49-F238E27FC236}">
+                <a16:creationId xmlns:a16="http://schemas.microsoft.com/office/drawing/2014/main" id="{98C1C4A6-FA68-4C76-B4EE-4348B318B134}"/>
+              </a:ext>
+            </a:extLst>
+          </p:cNvPr>
+          <p:cNvSpPr txBox="1">
+            <a:spLocks/>
+          </p:cNvSpPr>
+          <p:nvPr/>
+        </p:nvSpPr>
+        <p:spPr>
+          <a:xfrm>
+            <a:off x="838200" y="1825625"/>
+            <a:ext cx="10515600" cy="4351338"/>
+          </a:xfrm>
+          <a:prstGeom prst="rect">
+            <a:avLst/>
+          </a:prstGeom>
+        </p:spPr>
+        <p:txBody>
+          <a:bodyPr>
+            <a:normAutofit/>
+          </a:bodyPr>
+          <a:lstStyle>
+            <a:lvl1pPr marL="228600" indent="-228600" algn="l" defTabSz="914400" rtl="0" eaLnBrk="1" latinLnBrk="0" hangingPunct="1">
+              <a:lnSpc>
+                <a:spcPct val="90000"/>
+              </a:lnSpc>
+              <a:spcBef>
+                <a:spcPts val="1000"/>
+              </a:spcBef>
+              <a:buFont typeface="Arial" panose="020B0604020202020204" pitchFamily="34" charset="0"/>
+              <a:buChar char="•"/>
+              <a:defRPr sz="2800" kern="1200">
+                <a:solidFill>
+                  <a:schemeClr val="tx1"/>
+                </a:solidFill>
+                <a:latin typeface="+mn-lt"/>
+                <a:ea typeface="+mn-ea"/>
+                <a:cs typeface="+mn-cs"/>
+              </a:defRPr>
+            </a:lvl1pPr>
+            <a:lvl2pPr marL="685800" indent="-228600" algn="l" defTabSz="914400" rtl="0" eaLnBrk="1" latinLnBrk="0" hangingPunct="1">
+              <a:lnSpc>
+                <a:spcPct val="90000"/>
+              </a:lnSpc>
+              <a:spcBef>
+                <a:spcPts val="500"/>
+              </a:spcBef>
+              <a:buFont typeface="Arial" panose="020B0604020202020204" pitchFamily="34" charset="0"/>
+              <a:buChar char="•"/>
+              <a:defRPr sz="2400" kern="1200">
+                <a:solidFill>
+                  <a:schemeClr val="tx1"/>
+                </a:solidFill>
+                <a:latin typeface="+mn-lt"/>
+                <a:ea typeface="+mn-ea"/>
+                <a:cs typeface="+mn-cs"/>
+              </a:defRPr>
+            </a:lvl2pPr>
+            <a:lvl3pPr marL="1143000" indent="-228600" algn="l" defTabSz="914400" rtl="0" eaLnBrk="1" latinLnBrk="0" hangingPunct="1">
+              <a:lnSpc>
+                <a:spcPct val="90000"/>
+              </a:lnSpc>
+              <a:spcBef>
+                <a:spcPts val="500"/>
+              </a:spcBef>
+              <a:buFont typeface="Arial" panose="020B0604020202020204" pitchFamily="34" charset="0"/>
+              <a:buChar char="•"/>
+              <a:defRPr sz="2000" kern="1200">
+                <a:solidFill>
+                  <a:schemeClr val="tx1"/>
+                </a:solidFill>
+                <a:latin typeface="+mn-lt"/>
+                <a:ea typeface="+mn-ea"/>
+                <a:cs typeface="+mn-cs"/>
+              </a:defRPr>
+            </a:lvl3pPr>
+            <a:lvl4pPr marL="1600200" indent="-228600" algn="l" defTabSz="914400" rtl="0" eaLnBrk="1" latinLnBrk="0" hangingPunct="1">
+              <a:lnSpc>
+                <a:spcPct val="90000"/>
+              </a:lnSpc>
+              <a:spcBef>
+                <a:spcPts val="500"/>
+              </a:spcBef>
+              <a:buFont typeface="Arial" panose="020B0604020202020204" pitchFamily="34" charset="0"/>
+              <a:buChar char="•"/>
+              <a:defRPr sz="1800" kern="1200">
+                <a:solidFill>
+                  <a:schemeClr val="tx1"/>
+                </a:solidFill>
+                <a:latin typeface="+mn-lt"/>
+                <a:ea typeface="+mn-ea"/>
+                <a:cs typeface="+mn-cs"/>
+              </a:defRPr>
+            </a:lvl4pPr>
+            <a:lvl5pPr marL="2057400" indent="-228600" algn="l" defTabSz="914400" rtl="0" eaLnBrk="1" latinLnBrk="0" hangingPunct="1">
+              <a:lnSpc>
+                <a:spcPct val="90000"/>
+              </a:lnSpc>
+              <a:spcBef>
+                <a:spcPts val="500"/>
+              </a:spcBef>
+              <a:buFont typeface="Arial" panose="020B0604020202020204" pitchFamily="34" charset="0"/>
+              <a:buChar char="•"/>
+              <a:defRPr sz="1800" kern="1200">
+                <a:solidFill>
+                  <a:schemeClr val="tx1"/>
+                </a:solidFill>
+                <a:latin typeface="+mn-lt"/>
+                <a:ea typeface="+mn-ea"/>
+                <a:cs typeface="+mn-cs"/>
+              </a:defRPr>
+            </a:lvl5pPr>
+            <a:lvl6pPr marL="2514600" indent="-228600" algn="l" defTabSz="914400" rtl="0" eaLnBrk="1" latinLnBrk="0" hangingPunct="1">
+              <a:lnSpc>
+                <a:spcPct val="90000"/>
+              </a:lnSpc>
+              <a:spcBef>
+                <a:spcPts val="500"/>
+              </a:spcBef>
+              <a:buFont typeface="Arial" panose="020B0604020202020204" pitchFamily="34" charset="0"/>
+              <a:buChar char="•"/>
+              <a:defRPr sz="1800" kern="1200">
+                <a:solidFill>
+                  <a:schemeClr val="tx1"/>
+                </a:solidFill>
+                <a:latin typeface="+mn-lt"/>
+                <a:ea typeface="+mn-ea"/>
+                <a:cs typeface="+mn-cs"/>
+              </a:defRPr>
+            </a:lvl6pPr>
+            <a:lvl7pPr marL="2971800" indent="-228600" algn="l" defTabSz="914400" rtl="0" eaLnBrk="1" latinLnBrk="0" hangingPunct="1">
+              <a:lnSpc>
+                <a:spcPct val="90000"/>
+              </a:lnSpc>
+              <a:spcBef>
+                <a:spcPts val="500"/>
+              </a:spcBef>
+              <a:buFont typeface="Arial" panose="020B0604020202020204" pitchFamily="34" charset="0"/>
+              <a:buChar char="•"/>
+              <a:defRPr sz="1800" kern="1200">
+                <a:solidFill>
+                  <a:schemeClr val="tx1"/>
+                </a:solidFill>
+                <a:latin typeface="+mn-lt"/>
+                <a:ea typeface="+mn-ea"/>
+                <a:cs typeface="+mn-cs"/>
+              </a:defRPr>
+            </a:lvl7pPr>
+            <a:lvl8pPr marL="3429000" indent="-228600" algn="l" defTabSz="914400" rtl="0" eaLnBrk="1" latinLnBrk="0" hangingPunct="1">
+              <a:lnSpc>
+                <a:spcPct val="90000"/>
+              </a:lnSpc>
+              <a:spcBef>
+                <a:spcPts val="500"/>
+              </a:spcBef>
+              <a:buFont typeface="Arial" panose="020B0604020202020204" pitchFamily="34" charset="0"/>
+              <a:buChar char="•"/>
+              <a:defRPr sz="1800" kern="1200">
+                <a:solidFill>
+                  <a:schemeClr val="tx1"/>
+                </a:solidFill>
+                <a:latin typeface="+mn-lt"/>
+                <a:ea typeface="+mn-ea"/>
+                <a:cs typeface="+mn-cs"/>
+              </a:defRPr>
+            </a:lvl8pPr>
+            <a:lvl9pPr marL="3886200" indent="-228600" algn="l" defTabSz="914400" rtl="0" eaLnBrk="1" latinLnBrk="0" hangingPunct="1">
+              <a:lnSpc>
+                <a:spcPct val="90000"/>
+              </a:lnSpc>
+              <a:spcBef>
+                <a:spcPts val="500"/>
+              </a:spcBef>
+              <a:buFont typeface="Arial" panose="020B0604020202020204" pitchFamily="34" charset="0"/>
+              <a:buChar char="•"/>
+              <a:defRPr sz="1800" kern="1200">
+                <a:solidFill>
+                  <a:schemeClr val="tx1"/>
+                </a:solidFill>
+                <a:latin typeface="+mn-lt"/>
+                <a:ea typeface="+mn-ea"/>
+                <a:cs typeface="+mn-cs"/>
+              </a:defRPr>
+            </a:lvl9pPr>
+          </a:lstStyle>
+          <a:p>
+            <a:pPr marL="0" indent="0" algn="ctr">
+              <a:buFont typeface="Arial" panose="020B0604020202020204" pitchFamily="34" charset="0"/>
+              <a:buNone/>
+            </a:pPr>
+            <a:r>
+              <a:rPr lang="de-DE" sz="2000">
+                <a:latin typeface="Arial" panose="020B0604020202020204" pitchFamily="34" charset="0"/>
+              </a:rPr>
+              <a:t>Durchschnitte der Parameterwerte über alle Patienten (also pro Patient Durchschnitt der Parameterwerte eines bestimmten Parameters)</a:t>
+            </a:r>
+            <a:endParaRPr lang="de-DE" sz="2000" dirty="0"/>
+          </a:p>
+        </p:txBody>
+      </p:sp>
+      <p:pic>
+        <p:nvPicPr>
+          <p:cNvPr id="10" name="Grafik 9">
+            <a:extLst>
+              <a:ext uri="{FF2B5EF4-FFF2-40B4-BE49-F238E27FC236}">
+                <a16:creationId xmlns:a16="http://schemas.microsoft.com/office/drawing/2014/main" id="{9DCC842E-BF01-4606-9383-7814696CC27E}"/>
+              </a:ext>
+            </a:extLst>
+          </p:cNvPr>
+          <p:cNvPicPr>
+            <a:picLocks noChangeAspect="1"/>
+          </p:cNvPicPr>
+          <p:nvPr/>
+        </p:nvPicPr>
+        <p:blipFill>
+          <a:blip r:embed="rId2"/>
+          <a:stretch>
+            <a:fillRect/>
+          </a:stretch>
+        </p:blipFill>
+        <p:spPr>
+          <a:xfrm>
+            <a:off x="1315615" y="3499158"/>
+            <a:ext cx="9713167" cy="1840883"/>
+          </a:xfrm>
+          <a:prstGeom prst="rect">
+            <a:avLst/>
+          </a:prstGeom>
+        </p:spPr>
+      </p:pic>
+    </p:spTree>
+    <p:extLst>
+      <p:ext uri="{BB962C8B-B14F-4D97-AF65-F5344CB8AC3E}">
+        <p14:creationId xmlns:p14="http://schemas.microsoft.com/office/powerpoint/2010/main" val="2534004795"/>
+      </p:ext>
+    </p:extLst>
+  </p:cSld>
+  <p:clrMapOvr>
+    <a:masterClrMapping/>
+  </p:clrMapOvr>
+  <mc:AlternateContent xmlns:mc="http://schemas.openxmlformats.org/markup-compatibility/2006" xmlns:p14="http://schemas.microsoft.com/office/powerpoint/2010/main">
+    <mc:Choice Requires="p14">
+      <p:transition spd="slow" p14:dur="2000" advTm="35373"/>
+    </mc:Choice>
+    <mc:Fallback xmlns="">
+      <p:transition spd="slow" advTm="35373"/>
     </mc:Fallback>
   </mc:AlternateContent>
 </p:sld>
@@ -6317,6 +12449,255 @@
       <p:transition spd="slow" advTm="35373"/>
     </mc:Fallback>
   </mc:AlternateContent>
+</p:sld>
+</file>
+
+<file path=ppt/slides/slide9.xml><?xml version="1.0" encoding="utf-8"?>
+<p:sld xmlns:a="http://schemas.openxmlformats.org/drawingml/2006/main" xmlns:r="http://schemas.openxmlformats.org/officeDocument/2006/relationships" xmlns:p="http://schemas.openxmlformats.org/presentationml/2006/main">
+  <p:cSld>
+    <p:spTree>
+      <p:nvGrpSpPr>
+        <p:cNvPr id="1" name=""/>
+        <p:cNvGrpSpPr/>
+        <p:nvPr/>
+      </p:nvGrpSpPr>
+      <p:grpSpPr>
+        <a:xfrm>
+          <a:off x="0" y="0"/>
+          <a:ext cx="0" cy="0"/>
+          <a:chOff x="0" y="0"/>
+          <a:chExt cx="0" cy="0"/>
+        </a:xfrm>
+      </p:grpSpPr>
+      <p:sp>
+        <p:nvSpPr>
+          <p:cNvPr id="2" name="Titel 1">
+            <a:extLst>
+              <a:ext uri="{FF2B5EF4-FFF2-40B4-BE49-F238E27FC236}">
+                <a16:creationId xmlns:a16="http://schemas.microsoft.com/office/drawing/2014/main" id="{545EE21F-C49C-4C85-9A70-CBEAE690F37D}"/>
+              </a:ext>
+            </a:extLst>
+          </p:cNvPr>
+          <p:cNvSpPr>
+            <a:spLocks noGrp="1"/>
+          </p:cNvSpPr>
+          <p:nvPr>
+            <p:ph type="title"/>
+          </p:nvPr>
+        </p:nvSpPr>
+        <p:spPr/>
+        <p:txBody>
+          <a:bodyPr/>
+          <a:lstStyle/>
+          <a:p>
+            <a:r>
+              <a:rPr lang="en-US" dirty="0"/>
+              <a:t>GUI </a:t>
+            </a:r>
+            <a:r>
+              <a:rPr lang="en-US" dirty="0" err="1"/>
+              <a:t>mit</a:t>
+            </a:r>
+            <a:r>
+              <a:rPr lang="en-US" dirty="0"/>
+              <a:t> </a:t>
+            </a:r>
+            <a:r>
+              <a:rPr lang="en-US" dirty="0" err="1"/>
+              <a:t>Tkinter</a:t>
+            </a:r>
+            <a:endParaRPr lang="en-US" dirty="0"/>
+          </a:p>
+        </p:txBody>
+      </p:sp>
+      <p:sp>
+        <p:nvSpPr>
+          <p:cNvPr id="6" name="Inhaltsplatzhalter 5">
+            <a:extLst>
+              <a:ext uri="{FF2B5EF4-FFF2-40B4-BE49-F238E27FC236}">
+                <a16:creationId xmlns:a16="http://schemas.microsoft.com/office/drawing/2014/main" id="{F94117C5-B780-4259-BF7E-8DD3E2A61595}"/>
+              </a:ext>
+            </a:extLst>
+          </p:cNvPr>
+          <p:cNvSpPr>
+            <a:spLocks noGrp="1"/>
+          </p:cNvSpPr>
+          <p:nvPr>
+            <p:ph idx="1"/>
+          </p:nvPr>
+        </p:nvSpPr>
+        <p:spPr>
+          <a:xfrm>
+            <a:off x="339436" y="1717118"/>
+            <a:ext cx="11509037" cy="4608731"/>
+          </a:xfrm>
+        </p:spPr>
+        <p:txBody>
+          <a:bodyPr/>
+          <a:lstStyle/>
+          <a:p>
+            <a:pPr>
+              <a:lnSpc>
+                <a:spcPct val="200000"/>
+              </a:lnSpc>
+            </a:pPr>
+            <a:r>
+              <a:rPr lang="de-DE" dirty="0"/>
+              <a:t>Standard Interface Paket von Python basierend auf </a:t>
+            </a:r>
+            <a:r>
+              <a:rPr lang="de-DE" dirty="0" err="1"/>
+              <a:t>widgets</a:t>
+            </a:r>
+            <a:endParaRPr lang="de-DE" dirty="0"/>
+          </a:p>
+          <a:p>
+            <a:pPr>
+              <a:lnSpc>
+                <a:spcPct val="200000"/>
+              </a:lnSpc>
+            </a:pPr>
+            <a:r>
+              <a:rPr lang="de-DE" dirty="0"/>
+              <a:t>Vorgehensweise</a:t>
+            </a:r>
+            <a:r>
+              <a:rPr lang="en-US" dirty="0"/>
+              <a:t>: </a:t>
+            </a:r>
+          </a:p>
+          <a:p>
+            <a:pPr lvl="1">
+              <a:lnSpc>
+                <a:spcPct val="200000"/>
+              </a:lnSpc>
+            </a:pPr>
+            <a:r>
+              <a:rPr lang="de-DE" dirty="0"/>
+              <a:t>Problemstellung: Navigation zwischen Seiten ohne Popups</a:t>
+            </a:r>
+          </a:p>
+          <a:p>
+            <a:pPr lvl="1">
+              <a:lnSpc>
+                <a:spcPct val="200000"/>
+              </a:lnSpc>
+            </a:pPr>
+            <a:r>
+              <a:rPr lang="en-US" dirty="0" err="1"/>
+              <a:t>Lösung</a:t>
+            </a:r>
+            <a:r>
+              <a:rPr lang="en-US" dirty="0"/>
+              <a:t>: </a:t>
+            </a:r>
+            <a:r>
+              <a:rPr lang="de-DE" dirty="0"/>
+              <a:t>Seiteninhalte in Mainframe verpacken und zwischen Frames wechseln </a:t>
+            </a:r>
+          </a:p>
+          <a:p>
+            <a:endParaRPr lang="en-US" dirty="0"/>
+          </a:p>
+        </p:txBody>
+      </p:sp>
+      <p:sp>
+        <p:nvSpPr>
+          <p:cNvPr id="3" name="Datumsplatzhalter 2">
+            <a:extLst>
+              <a:ext uri="{FF2B5EF4-FFF2-40B4-BE49-F238E27FC236}">
+                <a16:creationId xmlns:a16="http://schemas.microsoft.com/office/drawing/2014/main" id="{7C7E3976-0D5F-4B20-BBC7-BA9329CD4BAA}"/>
+              </a:ext>
+            </a:extLst>
+          </p:cNvPr>
+          <p:cNvSpPr>
+            <a:spLocks noGrp="1"/>
+          </p:cNvSpPr>
+          <p:nvPr>
+            <p:ph type="dt" sz="half" idx="10"/>
+          </p:nvPr>
+        </p:nvSpPr>
+        <p:spPr/>
+        <p:txBody>
+          <a:bodyPr/>
+          <a:lstStyle/>
+          <a:p>
+            <a:r>
+              <a:rPr lang="en-US"/>
+              <a:t>27.01.2021</a:t>
+            </a:r>
+            <a:endParaRPr lang="de-DE" dirty="0"/>
+          </a:p>
+        </p:txBody>
+      </p:sp>
+      <p:sp>
+        <p:nvSpPr>
+          <p:cNvPr id="4" name="Fußzeilenplatzhalter 3">
+            <a:extLst>
+              <a:ext uri="{FF2B5EF4-FFF2-40B4-BE49-F238E27FC236}">
+                <a16:creationId xmlns:a16="http://schemas.microsoft.com/office/drawing/2014/main" id="{90C8DC29-E5B1-447E-9CE7-6FB146921A7D}"/>
+              </a:ext>
+            </a:extLst>
+          </p:cNvPr>
+          <p:cNvSpPr>
+            <a:spLocks noGrp="1"/>
+          </p:cNvSpPr>
+          <p:nvPr>
+            <p:ph type="ftr" sz="quarter" idx="11"/>
+          </p:nvPr>
+        </p:nvSpPr>
+        <p:spPr/>
+        <p:txBody>
+          <a:bodyPr/>
+          <a:lstStyle/>
+          <a:p>
+            <a:r>
+              <a:rPr lang="de-DE"/>
+              <a:t>Business Analytics Semesterprojekt</a:t>
+            </a:r>
+            <a:endParaRPr lang="de-DE" dirty="0"/>
+          </a:p>
+        </p:txBody>
+      </p:sp>
+      <p:sp>
+        <p:nvSpPr>
+          <p:cNvPr id="5" name="Foliennummernplatzhalter 4">
+            <a:extLst>
+              <a:ext uri="{FF2B5EF4-FFF2-40B4-BE49-F238E27FC236}">
+                <a16:creationId xmlns:a16="http://schemas.microsoft.com/office/drawing/2014/main" id="{73D20C87-9407-48AD-8752-988455EF2E68}"/>
+              </a:ext>
+            </a:extLst>
+          </p:cNvPr>
+          <p:cNvSpPr>
+            <a:spLocks noGrp="1"/>
+          </p:cNvSpPr>
+          <p:nvPr>
+            <p:ph type="sldNum" sz="quarter" idx="12"/>
+          </p:nvPr>
+        </p:nvSpPr>
+        <p:spPr/>
+        <p:txBody>
+          <a:bodyPr/>
+          <a:lstStyle/>
+          <a:p>
+            <a:fld id="{129916D8-1490-4DD4-88F6-5306CFA90256}" type="slidenum">
+              <a:rPr lang="de-DE" smtClean="0"/>
+              <a:t>9</a:t>
+            </a:fld>
+            <a:endParaRPr lang="de-DE" dirty="0"/>
+          </a:p>
+        </p:txBody>
+      </p:sp>
+    </p:spTree>
+    <p:extLst>
+      <p:ext uri="{BB962C8B-B14F-4D97-AF65-F5344CB8AC3E}">
+        <p14:creationId xmlns:p14="http://schemas.microsoft.com/office/powerpoint/2010/main" val="2428242627"/>
+      </p:ext>
+    </p:extLst>
+  </p:cSld>
+  <p:clrMapOvr>
+    <a:masterClrMapping/>
+  </p:clrMapOvr>
 </p:sld>
 </file>
 

--- a/Präsentation/BA_präsentation.pptx
+++ b/Präsentation/BA_präsentation.pptx
@@ -5829,12 +5829,12 @@
               <a:buNone/>
             </a:pPr>
             <a:r>
-              <a:rPr lang="de-DE" sz="2000">
+              <a:rPr lang="de-DE" sz="2000" dirty="0">
                 <a:latin typeface="Arial" panose="020B0604020202020204" pitchFamily="34" charset="0"/>
               </a:rPr>
               <a:t>Alle Werte eines bestimmten Patienten jeweils für einen Gesundheitsparameter</a:t>
             </a:r>
-            <a:endParaRPr lang="de-DE" sz="2000"/>
+            <a:endParaRPr lang="de-DE" sz="2000" dirty="0"/>
           </a:p>
           <a:p>
             <a:endParaRPr lang="de-DE" dirty="0"/>
@@ -9551,7 +9551,7 @@
         <p:spPr>
           <a:xfrm>
             <a:off x="425789" y="1403011"/>
-            <a:ext cx="11274375" cy="1477328"/>
+            <a:ext cx="11274375" cy="2343655"/>
           </a:xfrm>
           <a:prstGeom prst="rect">
             <a:avLst/>
@@ -9565,50 +9565,67 @@
           <a:lstStyle/>
           <a:p>
             <a:pPr marL="342900" indent="-342900">
+              <a:lnSpc>
+                <a:spcPct val="150000"/>
+              </a:lnSpc>
               <a:buAutoNum type="arabicPeriod"/>
             </a:pPr>
             <a:r>
-              <a:rPr lang="de-DE" dirty="0"/>
+              <a:rPr lang="de-DE" sz="2000" b="1" dirty="0"/>
               <a:t>Datenbank Aufbau</a:t>
             </a:r>
           </a:p>
           <a:p>
-            <a:pPr marL="800100" lvl="1" indent="-342900">
+            <a:pPr marL="971550" lvl="1" indent="-514350">
+              <a:lnSpc>
+                <a:spcPct val="150000"/>
+              </a:lnSpc>
+              <a:buFont typeface="+mj-lt"/>
+              <a:buAutoNum type="romanLcPeriod"/>
+            </a:pPr>
+            <a:r>
+              <a:rPr lang="de-DE" sz="2000" b="1" dirty="0" err="1"/>
+              <a:t>SqlAlchemy</a:t>
+            </a:r>
+            <a:endParaRPr lang="de-DE" sz="2000" b="1" dirty="0"/>
+          </a:p>
+          <a:p>
+            <a:pPr marL="971550" lvl="1" indent="-514350">
+              <a:lnSpc>
+                <a:spcPct val="150000"/>
+              </a:lnSpc>
+              <a:buFont typeface="+mj-lt"/>
+              <a:buAutoNum type="romanLcPeriod"/>
+            </a:pPr>
+            <a:r>
+              <a:rPr lang="de-DE" sz="2000" b="1" dirty="0"/>
+              <a:t>CRUD Interface</a:t>
+            </a:r>
+          </a:p>
+          <a:p>
+            <a:pPr marL="342900" indent="-342900">
+              <a:lnSpc>
+                <a:spcPct val="150000"/>
+              </a:lnSpc>
               <a:buAutoNum type="arabicPeriod"/>
             </a:pPr>
             <a:r>
-              <a:rPr lang="de-DE" dirty="0" err="1"/>
-              <a:t>SqlAlchemy</a:t>
-            </a:r>
-            <a:endParaRPr lang="de-DE" dirty="0"/>
-          </a:p>
-          <a:p>
-            <a:pPr marL="800100" lvl="1" indent="-342900">
+              <a:rPr lang="en-US" sz="2000" b="1" dirty="0"/>
+              <a:t>GUI</a:t>
+            </a:r>
+          </a:p>
+          <a:p>
+            <a:pPr marL="342900" indent="-342900">
+              <a:lnSpc>
+                <a:spcPct val="150000"/>
+              </a:lnSpc>
               <a:buAutoNum type="arabicPeriod"/>
             </a:pPr>
             <a:r>
-              <a:rPr lang="de-DE" dirty="0"/>
-              <a:t>CRUD Interface</a:t>
-            </a:r>
-          </a:p>
-          <a:p>
-            <a:pPr marL="342900" indent="-342900">
-              <a:buAutoNum type="arabicPeriod"/>
-            </a:pPr>
-            <a:r>
-              <a:rPr lang="en-US" dirty="0"/>
-              <a:t>GUI</a:t>
-            </a:r>
-          </a:p>
-          <a:p>
-            <a:pPr marL="342900" indent="-342900">
-              <a:buAutoNum type="arabicPeriod"/>
-            </a:pPr>
-            <a:r>
-              <a:rPr lang="en-US" dirty="0"/>
+              <a:rPr lang="en-US" sz="2000" b="1" dirty="0"/>
               <a:t>R-Analysis</a:t>
             </a:r>
-            <a:endParaRPr lang="de-DE" dirty="0"/>
+            <a:endParaRPr lang="de-DE" sz="2000" b="1" dirty="0"/>
           </a:p>
         </p:txBody>
       </p:sp>
@@ -10426,6 +10443,142 @@
       <p:transition spd="slow" advTm="35373"/>
     </mc:Fallback>
   </mc:AlternateContent>
+  <p:timing>
+    <p:tnLst>
+      <p:par>
+        <p:cTn id="1" dur="indefinite" restart="never" nodeType="tmRoot">
+          <p:childTnLst>
+            <p:seq concurrent="1" nextAc="seek">
+              <p:cTn id="2" dur="indefinite" nodeType="mainSeq">
+                <p:childTnLst>
+                  <p:par>
+                    <p:cTn id="3" fill="hold">
+                      <p:stCondLst>
+                        <p:cond delay="indefinite"/>
+                      </p:stCondLst>
+                      <p:childTnLst>
+                        <p:par>
+                          <p:cTn id="4" fill="hold">
+                            <p:stCondLst>
+                              <p:cond delay="0"/>
+                            </p:stCondLst>
+                            <p:childTnLst>
+                              <p:par>
+                                <p:cTn id="5" presetID="10" presetClass="entr" presetSubtype="0" fill="hold" nodeType="clickEffect">
+                                  <p:stCondLst>
+                                    <p:cond delay="0"/>
+                                  </p:stCondLst>
+                                  <p:childTnLst>
+                                    <p:set>
+                                      <p:cBhvr>
+                                        <p:cTn id="6" dur="1" fill="hold">
+                                          <p:stCondLst>
+                                            <p:cond delay="0"/>
+                                          </p:stCondLst>
+                                        </p:cTn>
+                                        <p:tgtEl>
+                                          <p:spTgt spid="6"/>
+                                        </p:tgtEl>
+                                        <p:attrNameLst>
+                                          <p:attrName>style.visibility</p:attrName>
+                                        </p:attrNameLst>
+                                      </p:cBhvr>
+                                      <p:to>
+                                        <p:strVal val="visible"/>
+                                      </p:to>
+                                    </p:set>
+                                    <p:animEffect transition="in" filter="fade">
+                                      <p:cBhvr>
+                                        <p:cTn id="7" dur="500"/>
+                                        <p:tgtEl>
+                                          <p:spTgt spid="6"/>
+                                        </p:tgtEl>
+                                      </p:cBhvr>
+                                    </p:animEffect>
+                                  </p:childTnLst>
+                                </p:cTn>
+                              </p:par>
+                            </p:childTnLst>
+                          </p:cTn>
+                        </p:par>
+                      </p:childTnLst>
+                    </p:cTn>
+                  </p:par>
+                  <p:par>
+                    <p:cTn id="8" fill="hold">
+                      <p:stCondLst>
+                        <p:cond delay="indefinite"/>
+                      </p:stCondLst>
+                      <p:childTnLst>
+                        <p:par>
+                          <p:cTn id="9" fill="hold">
+                            <p:stCondLst>
+                              <p:cond delay="0"/>
+                            </p:stCondLst>
+                            <p:childTnLst>
+                              <p:par>
+                                <p:cTn id="10" presetID="10" presetClass="entr" presetSubtype="0" fill="hold" nodeType="clickEffect">
+                                  <p:stCondLst>
+                                    <p:cond delay="0"/>
+                                  </p:stCondLst>
+                                  <p:childTnLst>
+                                    <p:set>
+                                      <p:cBhvr>
+                                        <p:cTn id="11" dur="1" fill="hold">
+                                          <p:stCondLst>
+                                            <p:cond delay="0"/>
+                                          </p:stCondLst>
+                                        </p:cTn>
+                                        <p:tgtEl>
+                                          <p:spTgt spid="7"/>
+                                        </p:tgtEl>
+                                        <p:attrNameLst>
+                                          <p:attrName>style.visibility</p:attrName>
+                                        </p:attrNameLst>
+                                      </p:cBhvr>
+                                      <p:to>
+                                        <p:strVal val="visible"/>
+                                      </p:to>
+                                    </p:set>
+                                    <p:animEffect transition="in" filter="fade">
+                                      <p:cBhvr>
+                                        <p:cTn id="12" dur="500"/>
+                                        <p:tgtEl>
+                                          <p:spTgt spid="7"/>
+                                        </p:tgtEl>
+                                      </p:cBhvr>
+                                    </p:animEffect>
+                                  </p:childTnLst>
+                                </p:cTn>
+                              </p:par>
+                            </p:childTnLst>
+                          </p:cTn>
+                        </p:par>
+                      </p:childTnLst>
+                    </p:cTn>
+                  </p:par>
+                </p:childTnLst>
+              </p:cTn>
+              <p:prevCondLst>
+                <p:cond evt="onPrev" delay="0">
+                  <p:tgtEl>
+                    <p:sldTgt/>
+                  </p:tgtEl>
+                </p:cond>
+              </p:prevCondLst>
+              <p:nextCondLst>
+                <p:cond evt="onNext" delay="0">
+                  <p:tgtEl>
+                    <p:sldTgt/>
+                  </p:tgtEl>
+                </p:cond>
+              </p:nextCondLst>
+            </p:seq>
+          </p:childTnLst>
+        </p:cTn>
+      </p:par>
+    </p:tnLst>
+  </p:timing>
 </p:sld>
 </file>
 
@@ -10911,6 +11064,212 @@
       <p:transition spd="slow" advTm="35373"/>
     </mc:Fallback>
   </mc:AlternateContent>
+  <p:timing>
+    <p:tnLst>
+      <p:par>
+        <p:cTn id="1" dur="indefinite" restart="never" nodeType="tmRoot">
+          <p:childTnLst>
+            <p:seq concurrent="1" nextAc="seek">
+              <p:cTn id="2" dur="indefinite" nodeType="mainSeq">
+                <p:childTnLst>
+                  <p:par>
+                    <p:cTn id="3" fill="hold">
+                      <p:stCondLst>
+                        <p:cond delay="indefinite"/>
+                      </p:stCondLst>
+                      <p:childTnLst>
+                        <p:par>
+                          <p:cTn id="4" fill="hold">
+                            <p:stCondLst>
+                              <p:cond delay="0"/>
+                            </p:stCondLst>
+                            <p:childTnLst>
+                              <p:par>
+                                <p:cTn id="5" presetID="10" presetClass="entr" presetSubtype="0" fill="hold" nodeType="clickEffect">
+                                  <p:stCondLst>
+                                    <p:cond delay="0"/>
+                                  </p:stCondLst>
+                                  <p:childTnLst>
+                                    <p:set>
+                                      <p:cBhvr>
+                                        <p:cTn id="6" dur="1" fill="hold">
+                                          <p:stCondLst>
+                                            <p:cond delay="0"/>
+                                          </p:stCondLst>
+                                        </p:cTn>
+                                        <p:tgtEl>
+                                          <p:spTgt spid="6"/>
+                                        </p:tgtEl>
+                                        <p:attrNameLst>
+                                          <p:attrName>style.visibility</p:attrName>
+                                        </p:attrNameLst>
+                                      </p:cBhvr>
+                                      <p:to>
+                                        <p:strVal val="visible"/>
+                                      </p:to>
+                                    </p:set>
+                                    <p:animEffect transition="in" filter="fade">
+                                      <p:cBhvr>
+                                        <p:cTn id="7" dur="500"/>
+                                        <p:tgtEl>
+                                          <p:spTgt spid="6"/>
+                                        </p:tgtEl>
+                                      </p:cBhvr>
+                                    </p:animEffect>
+                                  </p:childTnLst>
+                                </p:cTn>
+                              </p:par>
+                              <p:par>
+                                <p:cTn id="8" presetID="10" presetClass="entr" presetSubtype="0" fill="hold" nodeType="withEffect">
+                                  <p:stCondLst>
+                                    <p:cond delay="0"/>
+                                  </p:stCondLst>
+                                  <p:childTnLst>
+                                    <p:set>
+                                      <p:cBhvr>
+                                        <p:cTn id="9" dur="1" fill="hold">
+                                          <p:stCondLst>
+                                            <p:cond delay="0"/>
+                                          </p:stCondLst>
+                                        </p:cTn>
+                                        <p:tgtEl>
+                                          <p:spTgt spid="7"/>
+                                        </p:tgtEl>
+                                        <p:attrNameLst>
+                                          <p:attrName>style.visibility</p:attrName>
+                                        </p:attrNameLst>
+                                      </p:cBhvr>
+                                      <p:to>
+                                        <p:strVal val="visible"/>
+                                      </p:to>
+                                    </p:set>
+                                    <p:animEffect transition="in" filter="fade">
+                                      <p:cBhvr>
+                                        <p:cTn id="10" dur="500"/>
+                                        <p:tgtEl>
+                                          <p:spTgt spid="7"/>
+                                        </p:tgtEl>
+                                      </p:cBhvr>
+                                    </p:animEffect>
+                                  </p:childTnLst>
+                                </p:cTn>
+                              </p:par>
+                            </p:childTnLst>
+                          </p:cTn>
+                        </p:par>
+                      </p:childTnLst>
+                    </p:cTn>
+                  </p:par>
+                  <p:par>
+                    <p:cTn id="11" fill="hold">
+                      <p:stCondLst>
+                        <p:cond delay="indefinite"/>
+                      </p:stCondLst>
+                      <p:childTnLst>
+                        <p:par>
+                          <p:cTn id="12" fill="hold">
+                            <p:stCondLst>
+                              <p:cond delay="0"/>
+                            </p:stCondLst>
+                            <p:childTnLst>
+                              <p:par>
+                                <p:cTn id="13" presetID="10" presetClass="entr" presetSubtype="0" fill="hold" nodeType="clickEffect">
+                                  <p:stCondLst>
+                                    <p:cond delay="0"/>
+                                  </p:stCondLst>
+                                  <p:childTnLst>
+                                    <p:set>
+                                      <p:cBhvr>
+                                        <p:cTn id="14" dur="1" fill="hold">
+                                          <p:stCondLst>
+                                            <p:cond delay="0"/>
+                                          </p:stCondLst>
+                                        </p:cTn>
+                                        <p:tgtEl>
+                                          <p:spTgt spid="9"/>
+                                        </p:tgtEl>
+                                        <p:attrNameLst>
+                                          <p:attrName>style.visibility</p:attrName>
+                                        </p:attrNameLst>
+                                      </p:cBhvr>
+                                      <p:to>
+                                        <p:strVal val="visible"/>
+                                      </p:to>
+                                    </p:set>
+                                    <p:animEffect transition="in" filter="fade">
+                                      <p:cBhvr>
+                                        <p:cTn id="15" dur="500"/>
+                                        <p:tgtEl>
+                                          <p:spTgt spid="9"/>
+                                        </p:tgtEl>
+                                      </p:cBhvr>
+                                    </p:animEffect>
+                                  </p:childTnLst>
+                                </p:cTn>
+                              </p:par>
+                              <p:par>
+                                <p:cTn id="16" presetID="10" presetClass="entr" presetSubtype="0" fill="hold" nodeType="withEffect">
+                                  <p:stCondLst>
+                                    <p:cond delay="0"/>
+                                  </p:stCondLst>
+                                  <p:childTnLst>
+                                    <p:set>
+                                      <p:cBhvr>
+                                        <p:cTn id="17" dur="1" fill="hold">
+                                          <p:stCondLst>
+                                            <p:cond delay="0"/>
+                                          </p:stCondLst>
+                                        </p:cTn>
+                                        <p:tgtEl>
+                                          <p:spTgt spid="8"/>
+                                        </p:tgtEl>
+                                        <p:attrNameLst>
+                                          <p:attrName>style.visibility</p:attrName>
+                                        </p:attrNameLst>
+                                      </p:cBhvr>
+                                      <p:to>
+                                        <p:strVal val="visible"/>
+                                      </p:to>
+                                    </p:set>
+                                    <p:animEffect transition="in" filter="fade">
+                                      <p:cBhvr>
+                                        <p:cTn id="18" dur="500"/>
+                                        <p:tgtEl>
+                                          <p:spTgt spid="8"/>
+                                        </p:tgtEl>
+                                      </p:cBhvr>
+                                    </p:animEffect>
+                                  </p:childTnLst>
+                                </p:cTn>
+                              </p:par>
+                            </p:childTnLst>
+                          </p:cTn>
+                        </p:par>
+                      </p:childTnLst>
+                    </p:cTn>
+                  </p:par>
+                </p:childTnLst>
+              </p:cTn>
+              <p:prevCondLst>
+                <p:cond evt="onPrev" delay="0">
+                  <p:tgtEl>
+                    <p:sldTgt/>
+                  </p:tgtEl>
+                </p:cond>
+              </p:prevCondLst>
+              <p:nextCondLst>
+                <p:cond evt="onNext" delay="0">
+                  <p:tgtEl>
+                    <p:sldTgt/>
+                  </p:tgtEl>
+                </p:cond>
+              </p:nextCondLst>
+            </p:seq>
+          </p:childTnLst>
+        </p:cTn>
+      </p:par>
+    </p:tnLst>
+  </p:timing>
 </p:sld>
 </file>
 
@@ -11326,6 +11685,124 @@
       <p:transition spd="slow" advTm="35373"/>
     </mc:Fallback>
   </mc:AlternateContent>
+  <p:timing>
+    <p:tnLst>
+      <p:par>
+        <p:cTn id="1" dur="indefinite" restart="never" nodeType="tmRoot">
+          <p:childTnLst>
+            <p:seq concurrent="1" nextAc="seek">
+              <p:cTn id="2" dur="indefinite" nodeType="mainSeq">
+                <p:childTnLst>
+                  <p:par>
+                    <p:cTn id="3" fill="hold">
+                      <p:stCondLst>
+                        <p:cond delay="indefinite"/>
+                      </p:stCondLst>
+                      <p:childTnLst>
+                        <p:par>
+                          <p:cTn id="4" fill="hold">
+                            <p:stCondLst>
+                              <p:cond delay="0"/>
+                            </p:stCondLst>
+                            <p:childTnLst>
+                              <p:par>
+                                <p:cTn id="5" presetID="10" presetClass="entr" presetSubtype="0" fill="hold" nodeType="clickEffect">
+                                  <p:stCondLst>
+                                    <p:cond delay="0"/>
+                                  </p:stCondLst>
+                                  <p:childTnLst>
+                                    <p:set>
+                                      <p:cBhvr>
+                                        <p:cTn id="6" dur="1" fill="hold">
+                                          <p:stCondLst>
+                                            <p:cond delay="0"/>
+                                          </p:stCondLst>
+                                        </p:cTn>
+                                        <p:tgtEl>
+                                          <p:spTgt spid="11"/>
+                                        </p:tgtEl>
+                                        <p:attrNameLst>
+                                          <p:attrName>style.visibility</p:attrName>
+                                        </p:attrNameLst>
+                                      </p:cBhvr>
+                                      <p:to>
+                                        <p:strVal val="visible"/>
+                                      </p:to>
+                                    </p:set>
+                                    <p:animEffect transition="in" filter="fade">
+                                      <p:cBhvr>
+                                        <p:cTn id="7" dur="500"/>
+                                        <p:tgtEl>
+                                          <p:spTgt spid="11"/>
+                                        </p:tgtEl>
+                                      </p:cBhvr>
+                                    </p:animEffect>
+                                  </p:childTnLst>
+                                </p:cTn>
+                              </p:par>
+                              <p:par>
+                                <p:cTn id="8" presetID="10" presetClass="entr" presetSubtype="0" fill="hold" nodeType="withEffect">
+                                  <p:stCondLst>
+                                    <p:cond delay="0"/>
+                                  </p:stCondLst>
+                                  <p:childTnLst>
+                                    <p:set>
+                                      <p:cBhvr>
+                                        <p:cTn id="9" dur="1" fill="hold">
+                                          <p:stCondLst>
+                                            <p:cond delay="0"/>
+                                          </p:stCondLst>
+                                        </p:cTn>
+                                        <p:tgtEl>
+                                          <p:spTgt spid="10"/>
+                                        </p:tgtEl>
+                                        <p:attrNameLst>
+                                          <p:attrName>style.visibility</p:attrName>
+                                        </p:attrNameLst>
+                                      </p:cBhvr>
+                                      <p:to>
+                                        <p:strVal val="visible"/>
+                                      </p:to>
+                                    </p:set>
+                                    <p:animEffect transition="in" filter="fade">
+                                      <p:cBhvr>
+                                        <p:cTn id="10" dur="500"/>
+                                        <p:tgtEl>
+                                          <p:spTgt spid="10"/>
+                                        </p:tgtEl>
+                                      </p:cBhvr>
+                                    </p:animEffect>
+                                  </p:childTnLst>
+                                </p:cTn>
+                              </p:par>
+                            </p:childTnLst>
+                          </p:cTn>
+                        </p:par>
+                      </p:childTnLst>
+                    </p:cTn>
+                  </p:par>
+                </p:childTnLst>
+              </p:cTn>
+              <p:prevCondLst>
+                <p:cond evt="onPrev" delay="0">
+                  <p:tgtEl>
+                    <p:sldTgt/>
+                  </p:tgtEl>
+                </p:cond>
+              </p:prevCondLst>
+              <p:nextCondLst>
+                <p:cond evt="onNext" delay="0">
+                  <p:tgtEl>
+                    <p:sldTgt/>
+                  </p:tgtEl>
+                </p:cond>
+              </p:nextCondLst>
+            </p:seq>
+          </p:childTnLst>
+        </p:cTn>
+      </p:par>
+    </p:tnLst>
+  </p:timing>
 </p:sld>
 </file>
 
@@ -11906,6 +12383,624 @@
       <p:transition spd="slow" advTm="35373"/>
     </mc:Fallback>
   </mc:AlternateContent>
+  <p:timing>
+    <p:tnLst>
+      <p:par>
+        <p:cTn id="1" dur="indefinite" restart="never" nodeType="tmRoot">
+          <p:childTnLst>
+            <p:seq concurrent="1" nextAc="seek">
+              <p:cTn id="2" dur="indefinite" nodeType="mainSeq">
+                <p:childTnLst>
+                  <p:par>
+                    <p:cTn id="3" fill="hold">
+                      <p:stCondLst>
+                        <p:cond delay="indefinite"/>
+                      </p:stCondLst>
+                      <p:childTnLst>
+                        <p:par>
+                          <p:cTn id="4" fill="hold">
+                            <p:stCondLst>
+                              <p:cond delay="0"/>
+                            </p:stCondLst>
+                            <p:childTnLst>
+                              <p:par>
+                                <p:cTn id="5" presetID="10" presetClass="entr" presetSubtype="0" fill="hold" nodeType="clickEffect">
+                                  <p:stCondLst>
+                                    <p:cond delay="0"/>
+                                  </p:stCondLst>
+                                  <p:childTnLst>
+                                    <p:set>
+                                      <p:cBhvr>
+                                        <p:cTn id="6" dur="1" fill="hold">
+                                          <p:stCondLst>
+                                            <p:cond delay="0"/>
+                                          </p:stCondLst>
+                                        </p:cTn>
+                                        <p:tgtEl>
+                                          <p:spTgt spid="9">
+                                            <p:txEl>
+                                              <p:pRg st="0" end="0"/>
+                                            </p:txEl>
+                                          </p:spTgt>
+                                        </p:tgtEl>
+                                        <p:attrNameLst>
+                                          <p:attrName>style.visibility</p:attrName>
+                                        </p:attrNameLst>
+                                      </p:cBhvr>
+                                      <p:to>
+                                        <p:strVal val="visible"/>
+                                      </p:to>
+                                    </p:set>
+                                    <p:animEffect transition="in" filter="fade">
+                                      <p:cBhvr>
+                                        <p:cTn id="7" dur="500"/>
+                                        <p:tgtEl>
+                                          <p:spTgt spid="9">
+                                            <p:txEl>
+                                              <p:pRg st="0" end="0"/>
+                                            </p:txEl>
+                                          </p:spTgt>
+                                        </p:tgtEl>
+                                      </p:cBhvr>
+                                    </p:animEffect>
+                                  </p:childTnLst>
+                                </p:cTn>
+                              </p:par>
+                              <p:par>
+                                <p:cTn id="8" presetID="10" presetClass="entr" presetSubtype="0" fill="hold" nodeType="withEffect">
+                                  <p:stCondLst>
+                                    <p:cond delay="0"/>
+                                  </p:stCondLst>
+                                  <p:childTnLst>
+                                    <p:set>
+                                      <p:cBhvr>
+                                        <p:cTn id="9" dur="1" fill="hold">
+                                          <p:stCondLst>
+                                            <p:cond delay="0"/>
+                                          </p:stCondLst>
+                                        </p:cTn>
+                                        <p:tgtEl>
+                                          <p:spTgt spid="9">
+                                            <p:txEl>
+                                              <p:pRg st="1" end="1"/>
+                                            </p:txEl>
+                                          </p:spTgt>
+                                        </p:tgtEl>
+                                        <p:attrNameLst>
+                                          <p:attrName>style.visibility</p:attrName>
+                                        </p:attrNameLst>
+                                      </p:cBhvr>
+                                      <p:to>
+                                        <p:strVal val="visible"/>
+                                      </p:to>
+                                    </p:set>
+                                    <p:animEffect transition="in" filter="fade">
+                                      <p:cBhvr>
+                                        <p:cTn id="10" dur="500"/>
+                                        <p:tgtEl>
+                                          <p:spTgt spid="9">
+                                            <p:txEl>
+                                              <p:pRg st="1" end="1"/>
+                                            </p:txEl>
+                                          </p:spTgt>
+                                        </p:tgtEl>
+                                      </p:cBhvr>
+                                    </p:animEffect>
+                                  </p:childTnLst>
+                                </p:cTn>
+                              </p:par>
+                              <p:par>
+                                <p:cTn id="11" presetID="10" presetClass="entr" presetSubtype="0" fill="hold" nodeType="withEffect">
+                                  <p:stCondLst>
+                                    <p:cond delay="0"/>
+                                  </p:stCondLst>
+                                  <p:childTnLst>
+                                    <p:set>
+                                      <p:cBhvr>
+                                        <p:cTn id="12" dur="1" fill="hold">
+                                          <p:stCondLst>
+                                            <p:cond delay="0"/>
+                                          </p:stCondLst>
+                                        </p:cTn>
+                                        <p:tgtEl>
+                                          <p:spTgt spid="9">
+                                            <p:txEl>
+                                              <p:pRg st="2" end="2"/>
+                                            </p:txEl>
+                                          </p:spTgt>
+                                        </p:tgtEl>
+                                        <p:attrNameLst>
+                                          <p:attrName>style.visibility</p:attrName>
+                                        </p:attrNameLst>
+                                      </p:cBhvr>
+                                      <p:to>
+                                        <p:strVal val="visible"/>
+                                      </p:to>
+                                    </p:set>
+                                    <p:animEffect transition="in" filter="fade">
+                                      <p:cBhvr>
+                                        <p:cTn id="13" dur="500"/>
+                                        <p:tgtEl>
+                                          <p:spTgt spid="9">
+                                            <p:txEl>
+                                              <p:pRg st="2" end="2"/>
+                                            </p:txEl>
+                                          </p:spTgt>
+                                        </p:tgtEl>
+                                      </p:cBhvr>
+                                    </p:animEffect>
+                                  </p:childTnLst>
+                                </p:cTn>
+                              </p:par>
+                              <p:par>
+                                <p:cTn id="14" presetID="10" presetClass="entr" presetSubtype="0" fill="hold" nodeType="withEffect">
+                                  <p:stCondLst>
+                                    <p:cond delay="0"/>
+                                  </p:stCondLst>
+                                  <p:childTnLst>
+                                    <p:set>
+                                      <p:cBhvr>
+                                        <p:cTn id="15" dur="1" fill="hold">
+                                          <p:stCondLst>
+                                            <p:cond delay="0"/>
+                                          </p:stCondLst>
+                                        </p:cTn>
+                                        <p:tgtEl>
+                                          <p:spTgt spid="9">
+                                            <p:txEl>
+                                              <p:pRg st="3" end="3"/>
+                                            </p:txEl>
+                                          </p:spTgt>
+                                        </p:tgtEl>
+                                        <p:attrNameLst>
+                                          <p:attrName>style.visibility</p:attrName>
+                                        </p:attrNameLst>
+                                      </p:cBhvr>
+                                      <p:to>
+                                        <p:strVal val="visible"/>
+                                      </p:to>
+                                    </p:set>
+                                    <p:animEffect transition="in" filter="fade">
+                                      <p:cBhvr>
+                                        <p:cTn id="16" dur="500"/>
+                                        <p:tgtEl>
+                                          <p:spTgt spid="9">
+                                            <p:txEl>
+                                              <p:pRg st="3" end="3"/>
+                                            </p:txEl>
+                                          </p:spTgt>
+                                        </p:tgtEl>
+                                      </p:cBhvr>
+                                    </p:animEffect>
+                                  </p:childTnLst>
+                                </p:cTn>
+                              </p:par>
+                            </p:childTnLst>
+                          </p:cTn>
+                        </p:par>
+                      </p:childTnLst>
+                    </p:cTn>
+                  </p:par>
+                  <p:par>
+                    <p:cTn id="17" fill="hold">
+                      <p:stCondLst>
+                        <p:cond delay="indefinite"/>
+                      </p:stCondLst>
+                      <p:childTnLst>
+                        <p:par>
+                          <p:cTn id="18" fill="hold">
+                            <p:stCondLst>
+                              <p:cond delay="0"/>
+                            </p:stCondLst>
+                            <p:childTnLst>
+                              <p:par>
+                                <p:cTn id="19" presetID="10" presetClass="entr" presetSubtype="0" fill="hold" nodeType="clickEffect">
+                                  <p:stCondLst>
+                                    <p:cond delay="0"/>
+                                  </p:stCondLst>
+                                  <p:childTnLst>
+                                    <p:set>
+                                      <p:cBhvr>
+                                        <p:cTn id="20" dur="1" fill="hold">
+                                          <p:stCondLst>
+                                            <p:cond delay="0"/>
+                                          </p:stCondLst>
+                                        </p:cTn>
+                                        <p:tgtEl>
+                                          <p:spTgt spid="9">
+                                            <p:txEl>
+                                              <p:pRg st="5" end="5"/>
+                                            </p:txEl>
+                                          </p:spTgt>
+                                        </p:tgtEl>
+                                        <p:attrNameLst>
+                                          <p:attrName>style.visibility</p:attrName>
+                                        </p:attrNameLst>
+                                      </p:cBhvr>
+                                      <p:to>
+                                        <p:strVal val="visible"/>
+                                      </p:to>
+                                    </p:set>
+                                    <p:animEffect transition="in" filter="fade">
+                                      <p:cBhvr>
+                                        <p:cTn id="21" dur="500"/>
+                                        <p:tgtEl>
+                                          <p:spTgt spid="9">
+                                            <p:txEl>
+                                              <p:pRg st="5" end="5"/>
+                                            </p:txEl>
+                                          </p:spTgt>
+                                        </p:tgtEl>
+                                      </p:cBhvr>
+                                    </p:animEffect>
+                                  </p:childTnLst>
+                                </p:cTn>
+                              </p:par>
+                            </p:childTnLst>
+                          </p:cTn>
+                        </p:par>
+                      </p:childTnLst>
+                    </p:cTn>
+                  </p:par>
+                  <p:par>
+                    <p:cTn id="22" fill="hold">
+                      <p:stCondLst>
+                        <p:cond delay="indefinite"/>
+                      </p:stCondLst>
+                      <p:childTnLst>
+                        <p:par>
+                          <p:cTn id="23" fill="hold">
+                            <p:stCondLst>
+                              <p:cond delay="0"/>
+                            </p:stCondLst>
+                            <p:childTnLst>
+                              <p:par>
+                                <p:cTn id="24" presetID="10" presetClass="entr" presetSubtype="0" fill="hold" nodeType="clickEffect">
+                                  <p:stCondLst>
+                                    <p:cond delay="0"/>
+                                  </p:stCondLst>
+                                  <p:childTnLst>
+                                    <p:set>
+                                      <p:cBhvr>
+                                        <p:cTn id="25" dur="1" fill="hold">
+                                          <p:stCondLst>
+                                            <p:cond delay="0"/>
+                                          </p:stCondLst>
+                                        </p:cTn>
+                                        <p:tgtEl>
+                                          <p:spTgt spid="9">
+                                            <p:txEl>
+                                              <p:pRg st="7" end="7"/>
+                                            </p:txEl>
+                                          </p:spTgt>
+                                        </p:tgtEl>
+                                        <p:attrNameLst>
+                                          <p:attrName>style.visibility</p:attrName>
+                                        </p:attrNameLst>
+                                      </p:cBhvr>
+                                      <p:to>
+                                        <p:strVal val="visible"/>
+                                      </p:to>
+                                    </p:set>
+                                    <p:animEffect transition="in" filter="fade">
+                                      <p:cBhvr>
+                                        <p:cTn id="26" dur="500"/>
+                                        <p:tgtEl>
+                                          <p:spTgt spid="9">
+                                            <p:txEl>
+                                              <p:pRg st="7" end="7"/>
+                                            </p:txEl>
+                                          </p:spTgt>
+                                        </p:tgtEl>
+                                      </p:cBhvr>
+                                    </p:animEffect>
+                                  </p:childTnLst>
+                                </p:cTn>
+                              </p:par>
+                              <p:par>
+                                <p:cTn id="27" presetID="10" presetClass="entr" presetSubtype="0" fill="hold" nodeType="withEffect">
+                                  <p:stCondLst>
+                                    <p:cond delay="0"/>
+                                  </p:stCondLst>
+                                  <p:childTnLst>
+                                    <p:set>
+                                      <p:cBhvr>
+                                        <p:cTn id="28" dur="1" fill="hold">
+                                          <p:stCondLst>
+                                            <p:cond delay="0"/>
+                                          </p:stCondLst>
+                                        </p:cTn>
+                                        <p:tgtEl>
+                                          <p:spTgt spid="9">
+                                            <p:txEl>
+                                              <p:pRg st="8" end="8"/>
+                                            </p:txEl>
+                                          </p:spTgt>
+                                        </p:tgtEl>
+                                        <p:attrNameLst>
+                                          <p:attrName>style.visibility</p:attrName>
+                                        </p:attrNameLst>
+                                      </p:cBhvr>
+                                      <p:to>
+                                        <p:strVal val="visible"/>
+                                      </p:to>
+                                    </p:set>
+                                    <p:animEffect transition="in" filter="fade">
+                                      <p:cBhvr>
+                                        <p:cTn id="29" dur="500"/>
+                                        <p:tgtEl>
+                                          <p:spTgt spid="9">
+                                            <p:txEl>
+                                              <p:pRg st="8" end="8"/>
+                                            </p:txEl>
+                                          </p:spTgt>
+                                        </p:tgtEl>
+                                      </p:cBhvr>
+                                    </p:animEffect>
+                                  </p:childTnLst>
+                                </p:cTn>
+                              </p:par>
+                              <p:par>
+                                <p:cTn id="30" presetID="10" presetClass="entr" presetSubtype="0" fill="hold" nodeType="withEffect">
+                                  <p:stCondLst>
+                                    <p:cond delay="0"/>
+                                  </p:stCondLst>
+                                  <p:childTnLst>
+                                    <p:set>
+                                      <p:cBhvr>
+                                        <p:cTn id="31" dur="1" fill="hold">
+                                          <p:stCondLst>
+                                            <p:cond delay="0"/>
+                                          </p:stCondLst>
+                                        </p:cTn>
+                                        <p:tgtEl>
+                                          <p:spTgt spid="9">
+                                            <p:txEl>
+                                              <p:pRg st="9" end="9"/>
+                                            </p:txEl>
+                                          </p:spTgt>
+                                        </p:tgtEl>
+                                        <p:attrNameLst>
+                                          <p:attrName>style.visibility</p:attrName>
+                                        </p:attrNameLst>
+                                      </p:cBhvr>
+                                      <p:to>
+                                        <p:strVal val="visible"/>
+                                      </p:to>
+                                    </p:set>
+                                    <p:animEffect transition="in" filter="fade">
+                                      <p:cBhvr>
+                                        <p:cTn id="32" dur="500"/>
+                                        <p:tgtEl>
+                                          <p:spTgt spid="9">
+                                            <p:txEl>
+                                              <p:pRg st="9" end="9"/>
+                                            </p:txEl>
+                                          </p:spTgt>
+                                        </p:tgtEl>
+                                      </p:cBhvr>
+                                    </p:animEffect>
+                                  </p:childTnLst>
+                                </p:cTn>
+                              </p:par>
+                              <p:par>
+                                <p:cTn id="33" presetID="10" presetClass="entr" presetSubtype="0" fill="hold" nodeType="withEffect">
+                                  <p:stCondLst>
+                                    <p:cond delay="0"/>
+                                  </p:stCondLst>
+                                  <p:childTnLst>
+                                    <p:set>
+                                      <p:cBhvr>
+                                        <p:cTn id="34" dur="1" fill="hold">
+                                          <p:stCondLst>
+                                            <p:cond delay="0"/>
+                                          </p:stCondLst>
+                                        </p:cTn>
+                                        <p:tgtEl>
+                                          <p:spTgt spid="9">
+                                            <p:txEl>
+                                              <p:pRg st="10" end="10"/>
+                                            </p:txEl>
+                                          </p:spTgt>
+                                        </p:tgtEl>
+                                        <p:attrNameLst>
+                                          <p:attrName>style.visibility</p:attrName>
+                                        </p:attrNameLst>
+                                      </p:cBhvr>
+                                      <p:to>
+                                        <p:strVal val="visible"/>
+                                      </p:to>
+                                    </p:set>
+                                    <p:animEffect transition="in" filter="fade">
+                                      <p:cBhvr>
+                                        <p:cTn id="35" dur="500"/>
+                                        <p:tgtEl>
+                                          <p:spTgt spid="9">
+                                            <p:txEl>
+                                              <p:pRg st="10" end="10"/>
+                                            </p:txEl>
+                                          </p:spTgt>
+                                        </p:tgtEl>
+                                      </p:cBhvr>
+                                    </p:animEffect>
+                                  </p:childTnLst>
+                                </p:cTn>
+                              </p:par>
+                            </p:childTnLst>
+                          </p:cTn>
+                        </p:par>
+                      </p:childTnLst>
+                    </p:cTn>
+                  </p:par>
+                  <p:par>
+                    <p:cTn id="36" fill="hold">
+                      <p:stCondLst>
+                        <p:cond delay="indefinite"/>
+                      </p:stCondLst>
+                      <p:childTnLst>
+                        <p:par>
+                          <p:cTn id="37" fill="hold">
+                            <p:stCondLst>
+                              <p:cond delay="0"/>
+                            </p:stCondLst>
+                            <p:childTnLst>
+                              <p:par>
+                                <p:cTn id="38" presetID="10" presetClass="entr" presetSubtype="0" fill="hold" nodeType="clickEffect">
+                                  <p:stCondLst>
+                                    <p:cond delay="0"/>
+                                  </p:stCondLst>
+                                  <p:childTnLst>
+                                    <p:set>
+                                      <p:cBhvr>
+                                        <p:cTn id="39" dur="1" fill="hold">
+                                          <p:stCondLst>
+                                            <p:cond delay="0"/>
+                                          </p:stCondLst>
+                                        </p:cTn>
+                                        <p:tgtEl>
+                                          <p:spTgt spid="6">
+                                            <p:txEl>
+                                              <p:pRg st="0" end="0"/>
+                                            </p:txEl>
+                                          </p:spTgt>
+                                        </p:tgtEl>
+                                        <p:attrNameLst>
+                                          <p:attrName>style.visibility</p:attrName>
+                                        </p:attrNameLst>
+                                      </p:cBhvr>
+                                      <p:to>
+                                        <p:strVal val="visible"/>
+                                      </p:to>
+                                    </p:set>
+                                    <p:animEffect transition="in" filter="fade">
+                                      <p:cBhvr>
+                                        <p:cTn id="40" dur="500"/>
+                                        <p:tgtEl>
+                                          <p:spTgt spid="6">
+                                            <p:txEl>
+                                              <p:pRg st="0" end="0"/>
+                                            </p:txEl>
+                                          </p:spTgt>
+                                        </p:tgtEl>
+                                      </p:cBhvr>
+                                    </p:animEffect>
+                                  </p:childTnLst>
+                                </p:cTn>
+                              </p:par>
+                              <p:par>
+                                <p:cTn id="41" presetID="10" presetClass="entr" presetSubtype="0" fill="hold" nodeType="withEffect">
+                                  <p:stCondLst>
+                                    <p:cond delay="0"/>
+                                  </p:stCondLst>
+                                  <p:childTnLst>
+                                    <p:set>
+                                      <p:cBhvr>
+                                        <p:cTn id="42" dur="1" fill="hold">
+                                          <p:stCondLst>
+                                            <p:cond delay="0"/>
+                                          </p:stCondLst>
+                                        </p:cTn>
+                                        <p:tgtEl>
+                                          <p:spTgt spid="6">
+                                            <p:txEl>
+                                              <p:pRg st="1" end="1"/>
+                                            </p:txEl>
+                                          </p:spTgt>
+                                        </p:tgtEl>
+                                        <p:attrNameLst>
+                                          <p:attrName>style.visibility</p:attrName>
+                                        </p:attrNameLst>
+                                      </p:cBhvr>
+                                      <p:to>
+                                        <p:strVal val="visible"/>
+                                      </p:to>
+                                    </p:set>
+                                    <p:animEffect transition="in" filter="fade">
+                                      <p:cBhvr>
+                                        <p:cTn id="43" dur="500"/>
+                                        <p:tgtEl>
+                                          <p:spTgt spid="6">
+                                            <p:txEl>
+                                              <p:pRg st="1" end="1"/>
+                                            </p:txEl>
+                                          </p:spTgt>
+                                        </p:tgtEl>
+                                      </p:cBhvr>
+                                    </p:animEffect>
+                                  </p:childTnLst>
+                                </p:cTn>
+                              </p:par>
+                              <p:par>
+                                <p:cTn id="44" presetID="10" presetClass="entr" presetSubtype="0" fill="hold" nodeType="withEffect">
+                                  <p:stCondLst>
+                                    <p:cond delay="0"/>
+                                  </p:stCondLst>
+                                  <p:childTnLst>
+                                    <p:set>
+                                      <p:cBhvr>
+                                        <p:cTn id="45" dur="1" fill="hold">
+                                          <p:stCondLst>
+                                            <p:cond delay="0"/>
+                                          </p:stCondLst>
+                                        </p:cTn>
+                                        <p:tgtEl>
+                                          <p:spTgt spid="6">
+                                            <p:txEl>
+                                              <p:pRg st="2" end="2"/>
+                                            </p:txEl>
+                                          </p:spTgt>
+                                        </p:tgtEl>
+                                        <p:attrNameLst>
+                                          <p:attrName>style.visibility</p:attrName>
+                                        </p:attrNameLst>
+                                      </p:cBhvr>
+                                      <p:to>
+                                        <p:strVal val="visible"/>
+                                      </p:to>
+                                    </p:set>
+                                    <p:animEffect transition="in" filter="fade">
+                                      <p:cBhvr>
+                                        <p:cTn id="46" dur="500"/>
+                                        <p:tgtEl>
+                                          <p:spTgt spid="6">
+                                            <p:txEl>
+                                              <p:pRg st="2" end="2"/>
+                                            </p:txEl>
+                                          </p:spTgt>
+                                        </p:tgtEl>
+                                      </p:cBhvr>
+                                    </p:animEffect>
+                                  </p:childTnLst>
+                                </p:cTn>
+                              </p:par>
+                            </p:childTnLst>
+                          </p:cTn>
+                        </p:par>
+                      </p:childTnLst>
+                    </p:cTn>
+                  </p:par>
+                </p:childTnLst>
+              </p:cTn>
+              <p:prevCondLst>
+                <p:cond evt="onPrev" delay="0">
+                  <p:tgtEl>
+                    <p:sldTgt/>
+                  </p:tgtEl>
+                </p:cond>
+              </p:prevCondLst>
+              <p:nextCondLst>
+                <p:cond evt="onNext" delay="0">
+                  <p:tgtEl>
+                    <p:sldTgt/>
+                  </p:tgtEl>
+                </p:cond>
+              </p:nextCondLst>
+            </p:seq>
+          </p:childTnLst>
+        </p:cTn>
+      </p:par>
+    </p:tnLst>
+  </p:timing>
 </p:sld>
 </file>
 
@@ -12449,6 +13544,252 @@
       <p:transition spd="slow" advTm="35373"/>
     </mc:Fallback>
   </mc:AlternateContent>
+  <p:timing>
+    <p:tnLst>
+      <p:par>
+        <p:cTn id="1" dur="indefinite" restart="never" nodeType="tmRoot">
+          <p:childTnLst>
+            <p:seq concurrent="1" nextAc="seek">
+              <p:cTn id="2" dur="indefinite" nodeType="mainSeq">
+                <p:childTnLst>
+                  <p:par>
+                    <p:cTn id="3" fill="hold">
+                      <p:stCondLst>
+                        <p:cond delay="indefinite"/>
+                      </p:stCondLst>
+                      <p:childTnLst>
+                        <p:par>
+                          <p:cTn id="4" fill="hold">
+                            <p:stCondLst>
+                              <p:cond delay="0"/>
+                            </p:stCondLst>
+                            <p:childTnLst>
+                              <p:par>
+                                <p:cTn id="5" presetID="10" presetClass="entr" presetSubtype="0" fill="hold" grpId="0" nodeType="clickEffect">
+                                  <p:stCondLst>
+                                    <p:cond delay="0"/>
+                                  </p:stCondLst>
+                                  <p:childTnLst>
+                                    <p:set>
+                                      <p:cBhvr>
+                                        <p:cTn id="6" dur="1" fill="hold">
+                                          <p:stCondLst>
+                                            <p:cond delay="0"/>
+                                          </p:stCondLst>
+                                        </p:cTn>
+                                        <p:tgtEl>
+                                          <p:spTgt spid="9"/>
+                                        </p:tgtEl>
+                                        <p:attrNameLst>
+                                          <p:attrName>style.visibility</p:attrName>
+                                        </p:attrNameLst>
+                                      </p:cBhvr>
+                                      <p:to>
+                                        <p:strVal val="visible"/>
+                                      </p:to>
+                                    </p:set>
+                                    <p:animEffect transition="in" filter="fade">
+                                      <p:cBhvr>
+                                        <p:cTn id="7" dur="500"/>
+                                        <p:tgtEl>
+                                          <p:spTgt spid="9"/>
+                                        </p:tgtEl>
+                                      </p:cBhvr>
+                                    </p:animEffect>
+                                  </p:childTnLst>
+                                </p:cTn>
+                              </p:par>
+                              <p:par>
+                                <p:cTn id="8" presetID="10" presetClass="entr" presetSubtype="0" fill="hold" nodeType="withEffect">
+                                  <p:stCondLst>
+                                    <p:cond delay="0"/>
+                                  </p:stCondLst>
+                                  <p:childTnLst>
+                                    <p:set>
+                                      <p:cBhvr>
+                                        <p:cTn id="9" dur="1" fill="hold">
+                                          <p:stCondLst>
+                                            <p:cond delay="0"/>
+                                          </p:stCondLst>
+                                        </p:cTn>
+                                        <p:tgtEl>
+                                          <p:spTgt spid="7"/>
+                                        </p:tgtEl>
+                                        <p:attrNameLst>
+                                          <p:attrName>style.visibility</p:attrName>
+                                        </p:attrNameLst>
+                                      </p:cBhvr>
+                                      <p:to>
+                                        <p:strVal val="visible"/>
+                                      </p:to>
+                                    </p:set>
+                                    <p:animEffect transition="in" filter="fade">
+                                      <p:cBhvr>
+                                        <p:cTn id="10" dur="500"/>
+                                        <p:tgtEl>
+                                          <p:spTgt spid="7"/>
+                                        </p:tgtEl>
+                                      </p:cBhvr>
+                                    </p:animEffect>
+                                  </p:childTnLst>
+                                </p:cTn>
+                              </p:par>
+                              <p:par>
+                                <p:cTn id="11" presetID="10" presetClass="entr" presetSubtype="0" fill="hold" grpId="0" nodeType="withEffect">
+                                  <p:stCondLst>
+                                    <p:cond delay="0"/>
+                                  </p:stCondLst>
+                                  <p:childTnLst>
+                                    <p:set>
+                                      <p:cBhvr>
+                                        <p:cTn id="12" dur="1" fill="hold">
+                                          <p:stCondLst>
+                                            <p:cond delay="0"/>
+                                          </p:stCondLst>
+                                        </p:cTn>
+                                        <p:tgtEl>
+                                          <p:spTgt spid="11"/>
+                                        </p:tgtEl>
+                                        <p:attrNameLst>
+                                          <p:attrName>style.visibility</p:attrName>
+                                        </p:attrNameLst>
+                                      </p:cBhvr>
+                                      <p:to>
+                                        <p:strVal val="visible"/>
+                                      </p:to>
+                                    </p:set>
+                                    <p:animEffect transition="in" filter="fade">
+                                      <p:cBhvr>
+                                        <p:cTn id="13" dur="500"/>
+                                        <p:tgtEl>
+                                          <p:spTgt spid="11"/>
+                                        </p:tgtEl>
+                                      </p:cBhvr>
+                                    </p:animEffect>
+                                  </p:childTnLst>
+                                </p:cTn>
+                              </p:par>
+                            </p:childTnLst>
+                          </p:cTn>
+                        </p:par>
+                      </p:childTnLst>
+                    </p:cTn>
+                  </p:par>
+                  <p:par>
+                    <p:cTn id="14" fill="hold">
+                      <p:stCondLst>
+                        <p:cond delay="indefinite"/>
+                      </p:stCondLst>
+                      <p:childTnLst>
+                        <p:par>
+                          <p:cTn id="15" fill="hold">
+                            <p:stCondLst>
+                              <p:cond delay="0"/>
+                            </p:stCondLst>
+                            <p:childTnLst>
+                              <p:par>
+                                <p:cTn id="16" presetID="10" presetClass="entr" presetSubtype="0" fill="hold" grpId="0" nodeType="clickEffect">
+                                  <p:stCondLst>
+                                    <p:cond delay="0"/>
+                                  </p:stCondLst>
+                                  <p:childTnLst>
+                                    <p:set>
+                                      <p:cBhvr>
+                                        <p:cTn id="17" dur="1" fill="hold">
+                                          <p:stCondLst>
+                                            <p:cond delay="0"/>
+                                          </p:stCondLst>
+                                        </p:cTn>
+                                        <p:tgtEl>
+                                          <p:spTgt spid="10"/>
+                                        </p:tgtEl>
+                                        <p:attrNameLst>
+                                          <p:attrName>style.visibility</p:attrName>
+                                        </p:attrNameLst>
+                                      </p:cBhvr>
+                                      <p:to>
+                                        <p:strVal val="visible"/>
+                                      </p:to>
+                                    </p:set>
+                                    <p:animEffect transition="in" filter="fade">
+                                      <p:cBhvr>
+                                        <p:cTn id="18" dur="500"/>
+                                        <p:tgtEl>
+                                          <p:spTgt spid="10"/>
+                                        </p:tgtEl>
+                                      </p:cBhvr>
+                                    </p:animEffect>
+                                  </p:childTnLst>
+                                </p:cTn>
+                              </p:par>
+                              <p:par>
+                                <p:cTn id="19" presetID="10" presetClass="entr" presetSubtype="0" fill="hold" nodeType="withEffect">
+                                  <p:stCondLst>
+                                    <p:cond delay="0"/>
+                                  </p:stCondLst>
+                                  <p:childTnLst>
+                                    <p:set>
+                                      <p:cBhvr>
+                                        <p:cTn id="20" dur="1" fill="hold">
+                                          <p:stCondLst>
+                                            <p:cond delay="0"/>
+                                          </p:stCondLst>
+                                        </p:cTn>
+                                        <p:tgtEl>
+                                          <p:spTgt spid="8"/>
+                                        </p:tgtEl>
+                                        <p:attrNameLst>
+                                          <p:attrName>style.visibility</p:attrName>
+                                        </p:attrNameLst>
+                                      </p:cBhvr>
+                                      <p:to>
+                                        <p:strVal val="visible"/>
+                                      </p:to>
+                                    </p:set>
+                                    <p:animEffect transition="in" filter="fade">
+                                      <p:cBhvr>
+                                        <p:cTn id="21" dur="500"/>
+                                        <p:tgtEl>
+                                          <p:spTgt spid="8"/>
+                                        </p:tgtEl>
+                                      </p:cBhvr>
+                                    </p:animEffect>
+                                  </p:childTnLst>
+                                </p:cTn>
+                              </p:par>
+                            </p:childTnLst>
+                          </p:cTn>
+                        </p:par>
+                      </p:childTnLst>
+                    </p:cTn>
+                  </p:par>
+                </p:childTnLst>
+              </p:cTn>
+              <p:prevCondLst>
+                <p:cond evt="onPrev" delay="0">
+                  <p:tgtEl>
+                    <p:sldTgt/>
+                  </p:tgtEl>
+                </p:cond>
+              </p:prevCondLst>
+              <p:nextCondLst>
+                <p:cond evt="onNext" delay="0">
+                  <p:tgtEl>
+                    <p:sldTgt/>
+                  </p:tgtEl>
+                </p:cond>
+              </p:nextCondLst>
+            </p:seq>
+          </p:childTnLst>
+        </p:cTn>
+      </p:par>
+    </p:tnLst>
+    <p:bldLst>
+      <p:bldP spid="9" grpId="0"/>
+      <p:bldP spid="10" grpId="0"/>
+      <p:bldP spid="11" grpId="0"/>
+    </p:bldLst>
+  </p:timing>
 </p:sld>
 </file>
 
